--- a/Peer Review 1.pptx
+++ b/Peer Review 1.pptx
@@ -13,6 +13,8 @@
     <p:sldId id="261" r:id="rId8"/>
     <p:sldId id="262" r:id="rId9"/>
     <p:sldId id="263" r:id="rId10"/>
+    <p:sldId id="264" r:id="rId11"/>
+    <p:sldId id="265" r:id="rId12"/>
   </p:sldIdLst>
   <p:sldSz cx="10080625" cy="5670550"/>
   <p:notesSz cx="7772400" cy="10058400"/>
@@ -153,7 +155,7 @@
         <p:txBody>
           <a:bodyPr/>
           <a:p>
-            <a:fld id="{B030E6DA-3181-4DBE-807E-00768D4F3043}" type="slidenum">
+            <a:fld id="{AE69E11D-C1C1-4045-8630-0D50561F5005}" type="slidenum">
               <a:t>&lt;#&gt;</a:t>
             </a:fld>
           </a:p>
@@ -316,7 +318,7 @@
         <p:txBody>
           <a:bodyPr/>
           <a:p>
-            <a:fld id="{1A1091C3-DC37-4A5A-9394-E399A3ABCD54}" type="slidenum">
+            <a:fld id="{F7D04B98-471B-490F-8A71-C43E074956E6}" type="slidenum">
               <a:t>&lt;#&gt;</a:t>
             </a:fld>
           </a:p>
@@ -801,7 +803,7 @@
             <a:pPr indent="0" algn="r">
               <a:buNone/>
             </a:pPr>
-            <a:fld id="{E3D958F8-8D79-4D39-8A4C-7E52557F88EF}" type="slidenum">
+            <a:fld id="{C8FD2EAA-C413-481F-A52B-1CF4E1149656}" type="slidenum">
               <a:rPr b="0" lang="en-US" sz="1400" spc="-1" strike="noStrike">
                 <a:solidFill>
                   <a:srgbClr val="000000"/>
@@ -887,6 +889,128 @@
               <a:t>CrisprVi: a software for visualizing and analyzing CRISPR sequences of prokaryotes</a:t>
             </a:r>
             <a:endParaRPr b="0" lang="en-US" sz="4400" spc="-1" strike="noStrike">
+              <a:solidFill>
+                <a:srgbClr val="000000"/>
+              </a:solidFill>
+              <a:latin typeface="Arial"/>
+            </a:endParaRPr>
+          </a:p>
+        </p:txBody>
+      </p:sp>
+    </p:spTree>
+  </p:cSld>
+  <mc:AlternateContent>
+    <mc:Choice Requires="p14">
+      <p:transition spd="slow" p14:dur="2000"/>
+    </mc:Choice>
+    <mc:Fallback>
+      <p:transition spd="slow"/>
+    </mc:Fallback>
+  </mc:AlternateContent>
+</p:sld>
+</file>
+
+<file path=ppt/slides/slide10.xml><?xml version="1.0" encoding="utf-8"?>
+<p:sld xmlns:a="http://schemas.openxmlformats.org/drawingml/2006/main" xmlns:p="http://schemas.openxmlformats.org/presentationml/2006/main" xmlns:r="http://schemas.openxmlformats.org/officeDocument/2006/relationships" xmlns:p14="http://schemas.microsoft.com/office/powerpoint/2010/main" xmlns:p15="http://schemas.microsoft.com/office/powerpoint/2012/main" xmlns:mc="http://schemas.openxmlformats.org/markup-compatibility/2006">
+  <p:cSld>
+    <p:spTree>
+      <p:nvGrpSpPr>
+        <p:cNvPr id="1" name=""/>
+        <p:cNvGrpSpPr/>
+        <p:nvPr/>
+      </p:nvGrpSpPr>
+      <p:grpSpPr>
+        <a:xfrm>
+          <a:off x="0" y="0"/>
+          <a:ext cx="0" cy="0"/>
+          <a:chOff x="0" y="0"/>
+          <a:chExt cx="0" cy="0"/>
+        </a:xfrm>
+      </p:grpSpPr>
+      <p:sp>
+        <p:nvSpPr>
+          <p:cNvPr id="32" name="PlaceHolder 1"/>
+          <p:cNvSpPr>
+            <a:spLocks noGrp="1"/>
+          </p:cNvSpPr>
+          <p:nvPr>
+            <p:ph type="title"/>
+          </p:nvPr>
+        </p:nvSpPr>
+        <p:spPr>
+          <a:xfrm>
+            <a:off x="504000" y="226080"/>
+            <a:ext cx="9071640" cy="946440"/>
+          </a:xfrm>
+          <a:prstGeom prst="rect">
+            <a:avLst/>
+          </a:prstGeom>
+          <a:noFill/>
+          <a:ln w="0">
+            <a:noFill/>
+          </a:ln>
+        </p:spPr>
+        <p:txBody>
+          <a:bodyPr lIns="0" rIns="0" tIns="0" bIns="0" anchor="ctr">
+            <a:noAutofit/>
+          </a:bodyPr>
+          <a:p>
+            <a:pPr indent="0" algn="ctr">
+              <a:buNone/>
+            </a:pPr>
+            <a:r>
+              <a:rPr b="0" lang="en-US" sz="4400" spc="-1" strike="noStrike">
+                <a:solidFill>
+                  <a:srgbClr val="000000"/>
+                </a:solidFill>
+                <a:latin typeface="Arial"/>
+              </a:rPr>
+              <a:t>Questions?</a:t>
+            </a:r>
+            <a:endParaRPr b="0" lang="en-US" sz="4400" spc="-1" strike="noStrike">
+              <a:solidFill>
+                <a:srgbClr val="000000"/>
+              </a:solidFill>
+              <a:latin typeface="Arial"/>
+            </a:endParaRPr>
+          </a:p>
+        </p:txBody>
+      </p:sp>
+      <p:sp>
+        <p:nvSpPr>
+          <p:cNvPr id="33" name="PlaceHolder 2"/>
+          <p:cNvSpPr>
+            <a:spLocks noGrp="1"/>
+          </p:cNvSpPr>
+          <p:nvPr>
+            <p:ph/>
+          </p:nvPr>
+        </p:nvSpPr>
+        <p:spPr>
+          <a:xfrm>
+            <a:off x="504000" y="1326600"/>
+            <a:ext cx="9071640" cy="3288240"/>
+          </a:xfrm>
+          <a:prstGeom prst="rect">
+            <a:avLst/>
+          </a:prstGeom>
+          <a:noFill/>
+          <a:ln w="0">
+            <a:noFill/>
+          </a:ln>
+        </p:spPr>
+        <p:txBody>
+          <a:bodyPr lIns="0" rIns="0" tIns="0" bIns="0" anchor="t">
+            <a:normAutofit/>
+          </a:bodyPr>
+          <a:p>
+            <a:pPr indent="0">
+              <a:spcBef>
+                <a:spcPts val="1417"/>
+              </a:spcBef>
+              <a:buNone/>
+            </a:pPr>
+            <a:endParaRPr b="0" lang="en-US" sz="3200" spc="-1" strike="noStrike">
               <a:solidFill>
                 <a:srgbClr val="000000"/>
               </a:solidFill>
@@ -937,8 +1061,8 @@
         </p:nvSpPr>
         <p:spPr>
           <a:xfrm>
-            <a:off x="504000" y="74160"/>
-            <a:ext cx="9071640" cy="1250280"/>
+            <a:off x="504000" y="226080"/>
+            <a:ext cx="9071640" cy="946440"/>
           </a:xfrm>
           <a:prstGeom prst="rect">
             <a:avLst/>
@@ -963,7 +1087,7 @@
                 </a:solidFill>
                 <a:latin typeface="Arial"/>
               </a:rPr>
-              <a:t>The Problem with CRISPR Visualization and Analysis</a:t>
+              <a:t>What is CRISPR-Cas?</a:t>
             </a:r>
             <a:endParaRPr b="0" lang="en-US" sz="4400" spc="-1" strike="noStrike">
               <a:solidFill>
@@ -986,8 +1110,8 @@
         </p:nvSpPr>
         <p:spPr>
           <a:xfrm>
-            <a:off x="457200" y="1371600"/>
-            <a:ext cx="5486400" cy="4114800"/>
+            <a:off x="504000" y="1326600"/>
+            <a:ext cx="9071640" cy="3288240"/>
           </a:xfrm>
           <a:prstGeom prst="rect">
             <a:avLst/>
@@ -999,7 +1123,7 @@
         </p:spPr>
         <p:txBody>
           <a:bodyPr lIns="0" rIns="0" tIns="0" bIns="0" anchor="t">
-            <a:normAutofit fontScale="30707"/>
+            <a:normAutofit fontScale="77804"/>
           </a:bodyPr>
           <a:p>
             <a:pPr marL="432000" indent="-324000">
@@ -1048,44 +1172,7 @@
                 </a:solidFill>
                 <a:latin typeface="Arial"/>
               </a:rPr>
-              <a:t>Essential for bacterial adaptive </a:t>
-            </a:r>
-            <a:r>
-              <a:rPr b="0" lang="en-US" sz="4200" spc="-1" strike="noStrike">
-                <a:solidFill>
-                  <a:srgbClr val="000000"/>
-                </a:solidFill>
-                <a:latin typeface="Arial"/>
-              </a:rPr>
-              <a:t>immunity</a:t>
-            </a:r>
-            <a:endParaRPr b="0" lang="en-US" sz="4200" spc="-1" strike="noStrike">
-              <a:solidFill>
-                <a:srgbClr val="000000"/>
-              </a:solidFill>
-              <a:latin typeface="Arial"/>
-            </a:endParaRPr>
-          </a:p>
-          <a:p>
-            <a:pPr marL="432000" indent="-324000">
-              <a:spcBef>
-                <a:spcPts val="1417"/>
-              </a:spcBef>
-              <a:buClr>
-                <a:srgbClr val="000000"/>
-              </a:buClr>
-              <a:buSzPct val="45000"/>
-              <a:buFont typeface="Wingdings" charset="2"/>
-              <a:buChar char=""/>
-            </a:pPr>
-            <a:r>
-              <a:rPr b="0" lang="en-US" sz="4200" spc="-1" strike="noStrike">
-                <a:solidFill>
-                  <a:srgbClr val="000000"/>
-                </a:solidFill>
-                <a:latin typeface="Arial"/>
-              </a:rPr>
-              <a:t>Comprehensive Tools</a:t>
+              <a:t>Clustered Regularly Interspaced Short Palindromic Repeats-CRISPR-associated</a:t>
             </a:r>
             <a:endParaRPr b="0" lang="en-US" sz="4200" spc="-1" strike="noStrike">
               <a:solidFill>
@@ -1113,16 +1200,7 @@
                 </a:solidFill>
                 <a:latin typeface="Arial"/>
               </a:rPr>
-              <a:t>Investigate loci and sequences of </a:t>
-            </a:r>
-            <a:r>
-              <a:rPr b="0" lang="en-US" sz="4200" spc="-1" strike="noStrike">
-                <a:solidFill>
-                  <a:srgbClr val="000000"/>
-                </a:solidFill>
-                <a:latin typeface="Arial"/>
-              </a:rPr>
-              <a:t>DRs and spacers</a:t>
+              <a:t>Powerful gene editing tool  to make precise changes in DNA of living organisms</a:t>
             </a:r>
             <a:endParaRPr b="0" lang="en-US" sz="4200" spc="-1" strike="noStrike">
               <a:solidFill>
@@ -1150,266 +1228,7 @@
                 </a:solidFill>
                 <a:latin typeface="Arial"/>
               </a:rPr>
-              <a:t>Existing tools: CRT, PILER-CR, </a:t>
-            </a:r>
-            <a:r>
-              <a:rPr b="0" lang="en-US" sz="4200" spc="-1" strike="noStrike">
-                <a:solidFill>
-                  <a:srgbClr val="000000"/>
-                </a:solidFill>
-                <a:latin typeface="Arial"/>
-              </a:rPr>
-              <a:t>CRISPRFinder, etc.</a:t>
-            </a:r>
-            <a:endParaRPr b="0" lang="en-US" sz="4200" spc="-1" strike="noStrike">
-              <a:solidFill>
-                <a:srgbClr val="000000"/>
-              </a:solidFill>
-              <a:latin typeface="Arial"/>
-            </a:endParaRPr>
-          </a:p>
-          <a:p>
-            <a:pPr marL="432000" indent="-324000">
-              <a:spcBef>
-                <a:spcPts val="1417"/>
-              </a:spcBef>
-              <a:buClr>
-                <a:srgbClr val="000000"/>
-              </a:buClr>
-              <a:buSzPct val="45000"/>
-              <a:buFont typeface="Wingdings" charset="2"/>
-              <a:buChar char=""/>
-            </a:pPr>
-            <a:r>
-              <a:rPr b="0" lang="en-US" sz="4200" spc="-1" strike="noStrike">
-                <a:solidFill>
-                  <a:srgbClr val="000000"/>
-                </a:solidFill>
-                <a:latin typeface="Arial"/>
-              </a:rPr>
-              <a:t>Limitations of Current Tools:</a:t>
-            </a:r>
-            <a:endParaRPr b="0" lang="en-US" sz="4200" spc="-1" strike="noStrike">
-              <a:solidFill>
-                <a:srgbClr val="000000"/>
-              </a:solidFill>
-              <a:latin typeface="Arial"/>
-            </a:endParaRPr>
-          </a:p>
-          <a:p>
-            <a:pPr lvl="1" marL="864000" indent="-324000">
-              <a:spcBef>
-                <a:spcPts val="1134"/>
-              </a:spcBef>
-              <a:buClr>
-                <a:srgbClr val="000000"/>
-              </a:buClr>
-              <a:buSzPct val="75000"/>
-              <a:buFont typeface="Symbol" charset="2"/>
-              <a:buChar char=""/>
-            </a:pPr>
-            <a:r>
-              <a:rPr b="0" lang="en-US" sz="4200" spc="-1" strike="noStrike">
-                <a:solidFill>
-                  <a:srgbClr val="000000"/>
-                </a:solidFill>
-                <a:latin typeface="Arial"/>
-              </a:rPr>
-              <a:t>Lack interactive and user-friendly </a:t>
-            </a:r>
-            <a:r>
-              <a:rPr b="0" lang="en-US" sz="4200" spc="-1" strike="noStrike">
-                <a:solidFill>
-                  <a:srgbClr val="000000"/>
-                </a:solidFill>
-                <a:latin typeface="Arial"/>
-              </a:rPr>
-              <a:t>visualization</a:t>
-            </a:r>
-            <a:endParaRPr b="0" lang="en-US" sz="4200" spc="-1" strike="noStrike">
-              <a:solidFill>
-                <a:srgbClr val="000000"/>
-              </a:solidFill>
-              <a:latin typeface="Arial"/>
-            </a:endParaRPr>
-          </a:p>
-          <a:p>
-            <a:pPr lvl="1" marL="864000" indent="-324000">
-              <a:spcBef>
-                <a:spcPts val="1134"/>
-              </a:spcBef>
-              <a:buClr>
-                <a:srgbClr val="000000"/>
-              </a:buClr>
-              <a:buSzPct val="75000"/>
-              <a:buFont typeface="Symbol" charset="2"/>
-              <a:buChar char=""/>
-            </a:pPr>
-            <a:r>
-              <a:rPr b="0" lang="en-US" sz="4200" spc="-1" strike="noStrike">
-                <a:solidFill>
-                  <a:srgbClr val="000000"/>
-                </a:solidFill>
-                <a:latin typeface="Arial"/>
-              </a:rPr>
-              <a:t>Complexity and non-interactivity of </a:t>
-            </a:r>
-            <a:r>
-              <a:rPr b="0" lang="en-US" sz="4200" spc="-1" strike="noStrike">
-                <a:solidFill>
-                  <a:srgbClr val="000000"/>
-                </a:solidFill>
-                <a:latin typeface="Arial"/>
-              </a:rPr>
-              <a:t>Excel macros</a:t>
-            </a:r>
-            <a:endParaRPr b="0" lang="en-US" sz="4200" spc="-1" strike="noStrike">
-              <a:solidFill>
-                <a:srgbClr val="000000"/>
-              </a:solidFill>
-              <a:latin typeface="Arial"/>
-            </a:endParaRPr>
-          </a:p>
-          <a:p>
-            <a:pPr lvl="1" marL="864000" indent="-324000">
-              <a:spcBef>
-                <a:spcPts val="1134"/>
-              </a:spcBef>
-              <a:buClr>
-                <a:srgbClr val="000000"/>
-              </a:buClr>
-              <a:buSzPct val="75000"/>
-              <a:buFont typeface="Symbol" charset="2"/>
-              <a:buChar char=""/>
-            </a:pPr>
-            <a:r>
-              <a:rPr b="0" lang="en-US" sz="4200" spc="-1" strike="noStrike">
-                <a:solidFill>
-                  <a:srgbClr val="000000"/>
-                </a:solidFill>
-                <a:latin typeface="Arial"/>
-              </a:rPr>
-              <a:t>Over-reliance on specific detection </a:t>
-            </a:r>
-            <a:r>
-              <a:rPr b="0" lang="en-US" sz="4200" spc="-1" strike="noStrike">
-                <a:solidFill>
-                  <a:srgbClr val="000000"/>
-                </a:solidFill>
-                <a:latin typeface="Arial"/>
-              </a:rPr>
-              <a:t>tools</a:t>
-            </a:r>
-            <a:endParaRPr b="0" lang="en-US" sz="4200" spc="-1" strike="noStrike">
-              <a:solidFill>
-                <a:srgbClr val="000000"/>
-              </a:solidFill>
-              <a:latin typeface="Arial"/>
-            </a:endParaRPr>
-          </a:p>
-          <a:p>
-            <a:pPr lvl="1" marL="864000" indent="-324000">
-              <a:spcBef>
-                <a:spcPts val="1134"/>
-              </a:spcBef>
-              <a:buClr>
-                <a:srgbClr val="000000"/>
-              </a:buClr>
-              <a:buSzPct val="75000"/>
-              <a:buFont typeface="Symbol" charset="2"/>
-              <a:buChar char=""/>
-            </a:pPr>
-            <a:r>
-              <a:rPr b="0" lang="en-US" sz="4200" spc="-1" strike="noStrike">
-                <a:solidFill>
-                  <a:srgbClr val="000000"/>
-                </a:solidFill>
-                <a:latin typeface="Arial"/>
-              </a:rPr>
-              <a:t>Confusing visual outputs with </a:t>
-            </a:r>
-            <a:r>
-              <a:rPr b="0" lang="en-US" sz="4200" spc="-1" strike="noStrike">
-                <a:solidFill>
-                  <a:srgbClr val="000000"/>
-                </a:solidFill>
-                <a:latin typeface="Arial"/>
-              </a:rPr>
-              <a:t>complex datasets</a:t>
-            </a:r>
-            <a:endParaRPr b="0" lang="en-US" sz="4200" spc="-1" strike="noStrike">
-              <a:solidFill>
-                <a:srgbClr val="000000"/>
-              </a:solidFill>
-              <a:latin typeface="Arial"/>
-            </a:endParaRPr>
-          </a:p>
-          <a:p>
-            <a:pPr marL="432000" indent="-324000">
-              <a:spcBef>
-                <a:spcPts val="1417"/>
-              </a:spcBef>
-              <a:buClr>
-                <a:srgbClr val="000000"/>
-              </a:buClr>
-              <a:buSzPct val="45000"/>
-              <a:buFont typeface="Wingdings" charset="2"/>
-              <a:buChar char=""/>
-            </a:pPr>
-            <a:r>
-              <a:rPr b="0" lang="en-US" sz="4200" spc="-1" strike="noStrike">
-                <a:solidFill>
-                  <a:srgbClr val="000000"/>
-                </a:solidFill>
-                <a:latin typeface="Arial"/>
-              </a:rPr>
-              <a:t>Gap in the market</a:t>
-            </a:r>
-            <a:endParaRPr b="0" lang="en-US" sz="4200" spc="-1" strike="noStrike">
-              <a:solidFill>
-                <a:srgbClr val="000000"/>
-              </a:solidFill>
-              <a:latin typeface="Arial"/>
-            </a:endParaRPr>
-          </a:p>
-          <a:p>
-            <a:pPr lvl="1" marL="864000" indent="-324000">
-              <a:spcBef>
-                <a:spcPts val="1134"/>
-              </a:spcBef>
-              <a:buClr>
-                <a:srgbClr val="000000"/>
-              </a:buClr>
-              <a:buSzPct val="75000"/>
-              <a:buFont typeface="Symbol" charset="2"/>
-              <a:buChar char=""/>
-            </a:pPr>
-            <a:r>
-              <a:rPr b="0" lang="en-US" sz="4200" spc="-1" strike="noStrike">
-                <a:solidFill>
-                  <a:srgbClr val="000000"/>
-                </a:solidFill>
-                <a:latin typeface="Arial"/>
-              </a:rPr>
-              <a:t>Need for an all-in-one tool to </a:t>
-            </a:r>
-            <a:r>
-              <a:rPr b="0" lang="en-US" sz="4200" spc="-1" strike="noStrike">
-                <a:solidFill>
-                  <a:srgbClr val="000000"/>
-                </a:solidFill>
-                <a:latin typeface="Arial"/>
-              </a:rPr>
-              <a:t>visualize, manipulate, and analyze </a:t>
-            </a:r>
-            <a:r>
-              <a:rPr b="0" lang="en-US" sz="4200" spc="-1" strike="noStrike">
-                <a:solidFill>
-                  <a:srgbClr val="000000"/>
-                </a:solidFill>
-                <a:latin typeface="Arial"/>
-              </a:rPr>
-              <a:t>CRISPR arrays effectively</a:t>
+              <a:t>Essential for bacterial adaptive immunity</a:t>
             </a:r>
             <a:endParaRPr b="0" lang="en-US" sz="4200" spc="-1" strike="noStrike">
               <a:solidFill>
@@ -1481,15 +1300,6 @@
             <a:pPr indent="0" algn="ctr">
               <a:buNone/>
             </a:pPr>
-            <a:r>
-              <a:rPr b="0" lang="en-US" sz="4400" spc="-1" strike="noStrike">
-                <a:solidFill>
-                  <a:srgbClr val="000000"/>
-                </a:solidFill>
-                <a:latin typeface="Arial"/>
-              </a:rPr>
-              <a:t>Why use Python?</a:t>
-            </a:r>
             <a:endParaRPr b="0" lang="en-US" sz="4400" spc="-1" strike="noStrike">
               <a:solidFill>
                 <a:srgbClr val="000000"/>
@@ -1499,231 +1309,29 @@
           </a:p>
         </p:txBody>
       </p:sp>
-      <p:sp>
-        <p:nvSpPr>
-          <p:cNvPr id="13" name="PlaceHolder 2"/>
-          <p:cNvSpPr>
-            <a:spLocks noGrp="1"/>
-          </p:cNvSpPr>
-          <p:nvPr>
-            <p:ph/>
-          </p:nvPr>
-        </p:nvSpPr>
-        <p:spPr>
-          <a:xfrm>
-            <a:off x="504000" y="1326600"/>
-            <a:ext cx="4982400" cy="4159800"/>
-          </a:xfrm>
-          <a:prstGeom prst="rect">
-            <a:avLst/>
-          </a:prstGeom>
-          <a:noFill/>
-          <a:ln w="0">
-            <a:noFill/>
-          </a:ln>
-        </p:spPr>
-        <p:txBody>
-          <a:bodyPr lIns="0" rIns="0" tIns="0" bIns="0" anchor="t">
-            <a:normAutofit fontScale="62493"/>
-          </a:bodyPr>
-          <a:p>
-            <a:pPr marL="432000" indent="-324000">
-              <a:spcBef>
-                <a:spcPts val="1417"/>
-              </a:spcBef>
-              <a:buClr>
-                <a:srgbClr val="000000"/>
-              </a:buClr>
-              <a:buSzPct val="45000"/>
-              <a:buFont typeface="Wingdings" charset="2"/>
-              <a:buChar char=""/>
-            </a:pPr>
-            <a:r>
-              <a:rPr b="0" lang="en-US" sz="3200" spc="-1" strike="noStrike">
-                <a:solidFill>
-                  <a:srgbClr val="000000"/>
-                </a:solidFill>
-                <a:latin typeface="Arial"/>
-              </a:rPr>
-              <a:t>Extensive Bioinformatics libraries</a:t>
-            </a:r>
-            <a:endParaRPr b="0" lang="en-US" sz="3200" spc="-1" strike="noStrike">
-              <a:solidFill>
-                <a:srgbClr val="000000"/>
-              </a:solidFill>
-              <a:latin typeface="Arial"/>
-            </a:endParaRPr>
-          </a:p>
-          <a:p>
-            <a:pPr lvl="1" marL="864000" indent="-324000">
-              <a:spcBef>
-                <a:spcPts val="1134"/>
-              </a:spcBef>
-              <a:buClr>
-                <a:srgbClr val="000000"/>
-              </a:buClr>
-              <a:buSzPct val="75000"/>
-              <a:buFont typeface="Symbol" charset="2"/>
-              <a:buChar char=""/>
-            </a:pPr>
-            <a:r>
-              <a:rPr b="0" lang="en-US" sz="2800" spc="-1" strike="noStrike">
-                <a:solidFill>
-                  <a:srgbClr val="000000"/>
-                </a:solidFill>
-                <a:latin typeface="Arial"/>
-              </a:rPr>
-              <a:t>Biopython: sequence analysis and data manipulation</a:t>
-            </a:r>
-            <a:endParaRPr b="0" lang="en-US" sz="2800" spc="-1" strike="noStrike">
-              <a:solidFill>
-                <a:srgbClr val="000000"/>
-              </a:solidFill>
-              <a:latin typeface="Arial"/>
-            </a:endParaRPr>
-          </a:p>
-          <a:p>
-            <a:pPr lvl="1" marL="864000" indent="-324000">
-              <a:spcBef>
-                <a:spcPts val="1134"/>
-              </a:spcBef>
-              <a:buClr>
-                <a:srgbClr val="000000"/>
-              </a:buClr>
-              <a:buSzPct val="75000"/>
-              <a:buFont typeface="Symbol" charset="2"/>
-              <a:buChar char=""/>
-            </a:pPr>
-            <a:r>
-              <a:rPr b="0" lang="en-US" sz="2800" spc="-1" strike="noStrike">
-                <a:solidFill>
-                  <a:srgbClr val="000000"/>
-                </a:solidFill>
-                <a:latin typeface="Arial"/>
-              </a:rPr>
-              <a:t>Pandas: efficient data handling and analysis</a:t>
-            </a:r>
-            <a:endParaRPr b="0" lang="en-US" sz="2800" spc="-1" strike="noStrike">
-              <a:solidFill>
-                <a:srgbClr val="000000"/>
-              </a:solidFill>
-              <a:latin typeface="Arial"/>
-            </a:endParaRPr>
-          </a:p>
-          <a:p>
-            <a:pPr lvl="1" marL="864000" indent="-324000">
-              <a:spcBef>
-                <a:spcPts val="1134"/>
-              </a:spcBef>
-              <a:buClr>
-                <a:srgbClr val="000000"/>
-              </a:buClr>
-              <a:buSzPct val="75000"/>
-              <a:buFont typeface="Symbol" charset="2"/>
-              <a:buChar char=""/>
-            </a:pPr>
-            <a:r>
-              <a:rPr b="0" lang="en-US" sz="2800" spc="-1" strike="noStrike">
-                <a:solidFill>
-                  <a:srgbClr val="000000"/>
-                </a:solidFill>
-                <a:latin typeface="Arial"/>
-              </a:rPr>
-              <a:t>Matplotlib &amp; Seaborn: powerful data visualization tools</a:t>
-            </a:r>
-            <a:endParaRPr b="0" lang="en-US" sz="2800" spc="-1" strike="noStrike">
-              <a:solidFill>
-                <a:srgbClr val="000000"/>
-              </a:solidFill>
-              <a:latin typeface="Arial"/>
-            </a:endParaRPr>
-          </a:p>
-          <a:p>
-            <a:pPr marL="432000" indent="-324000">
-              <a:spcBef>
-                <a:spcPts val="1417"/>
-              </a:spcBef>
-              <a:buClr>
-                <a:srgbClr val="000000"/>
-              </a:buClr>
-              <a:buSzPct val="45000"/>
-              <a:buFont typeface="Wingdings" charset="2"/>
-              <a:buChar char=""/>
-            </a:pPr>
-            <a:r>
-              <a:rPr b="0" lang="en-US" sz="3200" spc="-1" strike="noStrike">
-                <a:solidFill>
-                  <a:srgbClr val="000000"/>
-                </a:solidFill>
-                <a:latin typeface="Arial"/>
-              </a:rPr>
-              <a:t>Seamless integration with existing bioinformatics tools</a:t>
-            </a:r>
-            <a:endParaRPr b="0" lang="en-US" sz="3200" spc="-1" strike="noStrike">
-              <a:solidFill>
-                <a:srgbClr val="000000"/>
-              </a:solidFill>
-              <a:latin typeface="Arial"/>
-            </a:endParaRPr>
-          </a:p>
-          <a:p>
-            <a:pPr marL="432000" indent="-324000">
-              <a:spcBef>
-                <a:spcPts val="1417"/>
-              </a:spcBef>
-              <a:buClr>
-                <a:srgbClr val="000000"/>
-              </a:buClr>
-              <a:buSzPct val="45000"/>
-              <a:buFont typeface="Wingdings" charset="2"/>
-              <a:buChar char=""/>
-            </a:pPr>
-            <a:r>
-              <a:rPr b="0" lang="en-US" sz="3200" spc="-1" strike="noStrike">
-                <a:solidFill>
-                  <a:srgbClr val="000000"/>
-                </a:solidFill>
-                <a:latin typeface="Arial"/>
-              </a:rPr>
-              <a:t>Large, active community</a:t>
-            </a:r>
-            <a:endParaRPr b="0" lang="en-US" sz="3200" spc="-1" strike="noStrike">
-              <a:solidFill>
-                <a:srgbClr val="000000"/>
-              </a:solidFill>
-              <a:latin typeface="Arial"/>
-            </a:endParaRPr>
-          </a:p>
-          <a:p>
-            <a:pPr marL="432000" indent="-324000">
-              <a:spcBef>
-                <a:spcPts val="1417"/>
-              </a:spcBef>
-              <a:buClr>
-                <a:srgbClr val="000000"/>
-              </a:buClr>
-              <a:buSzPct val="45000"/>
-              <a:buFont typeface="Wingdings" charset="2"/>
-              <a:buChar char=""/>
-            </a:pPr>
-            <a:r>
-              <a:rPr b="0" lang="en-US" sz="3200" spc="-1" strike="noStrike">
-                <a:solidFill>
-                  <a:srgbClr val="000000"/>
-                </a:solidFill>
-                <a:latin typeface="Arial"/>
-              </a:rPr>
-              <a:t>Capable of handling large datasets efficiently </a:t>
-            </a:r>
-            <a:endParaRPr b="0" lang="en-US" sz="3200" spc="-1" strike="noStrike">
-              <a:solidFill>
-                <a:srgbClr val="000000"/>
-              </a:solidFill>
-              <a:latin typeface="Arial"/>
-            </a:endParaRPr>
-          </a:p>
-        </p:txBody>
-      </p:sp>
+      <p:pic>
+        <p:nvPicPr>
+          <p:cNvPr id="13" name="" descr=""/>
+          <p:cNvPicPr/>
+          <p:nvPr/>
+        </p:nvPicPr>
+        <p:blipFill>
+          <a:blip r:embed="rId1"/>
+          <a:stretch/>
+        </p:blipFill>
+        <p:spPr>
+          <a:xfrm>
+            <a:off x="1527480" y="914400"/>
+            <a:ext cx="6702120" cy="4800600"/>
+          </a:xfrm>
+          <a:prstGeom prst="rect">
+            <a:avLst/>
+          </a:prstGeom>
+          <a:ln w="0">
+            <a:noFill/>
+          </a:ln>
+        </p:spPr>
+      </p:pic>
     </p:spTree>
   </p:cSld>
   <mc:AlternateContent>
@@ -1766,8 +1374,8 @@
         </p:nvSpPr>
         <p:spPr>
           <a:xfrm>
-            <a:off x="504000" y="226080"/>
-            <a:ext cx="9071640" cy="946440"/>
+            <a:off x="504000" y="74160"/>
+            <a:ext cx="9071640" cy="1250280"/>
           </a:xfrm>
           <a:prstGeom prst="rect">
             <a:avLst/>
@@ -1792,7 +1400,7 @@
                 </a:solidFill>
                 <a:latin typeface="Arial"/>
               </a:rPr>
-              <a:t>Python Libraries Used</a:t>
+              <a:t>The Problem with CRISPR Visualization and Analysis</a:t>
             </a:r>
             <a:endParaRPr b="0" lang="en-US" sz="4400" spc="-1" strike="noStrike">
               <a:solidFill>
@@ -1815,8 +1423,8 @@
         </p:nvSpPr>
         <p:spPr>
           <a:xfrm>
-            <a:off x="504000" y="1326600"/>
-            <a:ext cx="9071640" cy="3288240"/>
+            <a:off x="457200" y="1371600"/>
+            <a:ext cx="5486400" cy="4114800"/>
           </a:xfrm>
           <a:prstGeom prst="rect">
             <a:avLst/>
@@ -1828,7 +1436,7 @@
         </p:spPr>
         <p:txBody>
           <a:bodyPr lIns="0" rIns="0" tIns="0" bIns="0" anchor="t">
-            <a:normAutofit fontScale="68743"/>
+            <a:normAutofit fontScale="37134"/>
           </a:bodyPr>
           <a:p>
             <a:pPr marL="432000" indent="-324000">
@@ -1843,15 +1451,71 @@
               <a:buChar char=""/>
             </a:pPr>
             <a:r>
-              <a:rPr b="0" lang="en-US" sz="3200" spc="-1" strike="noStrike">
-                <a:solidFill>
-                  <a:srgbClr val="000000"/>
-                </a:solidFill>
-                <a:latin typeface="Arial"/>
-              </a:rPr>
-              <a:t>Biopython</a:t>
-            </a:r>
-            <a:endParaRPr b="0" lang="en-US" sz="3200" spc="-1" strike="noStrike">
+              <a:rPr b="0" lang="en-US" sz="4200" spc="-1" strike="noStrike">
+                <a:solidFill>
+                  <a:srgbClr val="000000"/>
+                </a:solidFill>
+                <a:latin typeface="Arial"/>
+              </a:rPr>
+              <a:t>Comprehensive Tools</a:t>
+            </a:r>
+            <a:endParaRPr b="0" lang="en-US" sz="4200" spc="-1" strike="noStrike">
+              <a:solidFill>
+                <a:srgbClr val="000000"/>
+              </a:solidFill>
+              <a:latin typeface="Arial"/>
+            </a:endParaRPr>
+          </a:p>
+          <a:p>
+            <a:pPr lvl="1" marL="864000" indent="-324000">
+              <a:spcBef>
+                <a:spcPts val="1134"/>
+              </a:spcBef>
+              <a:buClr>
+                <a:srgbClr val="000000"/>
+              </a:buClr>
+              <a:buSzPct val="75000"/>
+              <a:buFont typeface="Symbol" charset="2"/>
+              <a:buChar char=""/>
+            </a:pPr>
+            <a:r>
+              <a:rPr b="0" lang="en-US" sz="4200" spc="-1" strike="noStrike">
+                <a:solidFill>
+                  <a:srgbClr val="000000"/>
+                </a:solidFill>
+                <a:latin typeface="Arial"/>
+              </a:rPr>
+              <a:t>Investigate loci and sequences of DRs and spacers</a:t>
+            </a:r>
+            <a:endParaRPr b="0" lang="en-US" sz="4200" spc="-1" strike="noStrike">
+              <a:solidFill>
+                <a:srgbClr val="000000"/>
+              </a:solidFill>
+              <a:latin typeface="Arial"/>
+            </a:endParaRPr>
+          </a:p>
+          <a:p>
+            <a:pPr lvl="1" marL="864000" indent="-324000">
+              <a:spcBef>
+                <a:spcPts val="1134"/>
+              </a:spcBef>
+              <a:buClr>
+                <a:srgbClr val="000000"/>
+              </a:buClr>
+              <a:buSzPct val="75000"/>
+              <a:buFont typeface="Symbol" charset="2"/>
+              <a:buChar char=""/>
+            </a:pPr>
+            <a:r>
+              <a:rPr b="0" lang="en-US" sz="4200" spc="-1" strike="noStrike">
+                <a:solidFill>
+                  <a:srgbClr val="000000"/>
+                </a:solidFill>
+                <a:latin typeface="Arial"/>
+              </a:rPr>
+              <a:t>Existing tools: CRT, PILER-CR, CRISPRFinder, etc.</a:t>
+            </a:r>
+            <a:endParaRPr b="0" lang="en-US" sz="4200" spc="-1" strike="noStrike">
               <a:solidFill>
                 <a:srgbClr val="000000"/>
               </a:solidFill>
@@ -1871,15 +1535,127 @@
               <a:buChar char=""/>
             </a:pPr>
             <a:r>
-              <a:rPr b="0" lang="en-US" sz="3200" spc="-1" strike="noStrike">
-                <a:solidFill>
-                  <a:srgbClr val="000000"/>
-                </a:solidFill>
-                <a:latin typeface="Arial"/>
-              </a:rPr>
-              <a:t>Pandas</a:t>
-            </a:r>
-            <a:endParaRPr b="0" lang="en-US" sz="3200" spc="-1" strike="noStrike">
+              <a:rPr b="0" lang="en-US" sz="4200" spc="-1" strike="noStrike">
+                <a:solidFill>
+                  <a:srgbClr val="000000"/>
+                </a:solidFill>
+                <a:latin typeface="Arial"/>
+              </a:rPr>
+              <a:t>Limitations of Current Tools:</a:t>
+            </a:r>
+            <a:endParaRPr b="0" lang="en-US" sz="4200" spc="-1" strike="noStrike">
+              <a:solidFill>
+                <a:srgbClr val="000000"/>
+              </a:solidFill>
+              <a:latin typeface="Arial"/>
+            </a:endParaRPr>
+          </a:p>
+          <a:p>
+            <a:pPr lvl="1" marL="864000" indent="-324000">
+              <a:spcBef>
+                <a:spcPts val="1134"/>
+              </a:spcBef>
+              <a:buClr>
+                <a:srgbClr val="000000"/>
+              </a:buClr>
+              <a:buSzPct val="75000"/>
+              <a:buFont typeface="Symbol" charset="2"/>
+              <a:buChar char=""/>
+            </a:pPr>
+            <a:r>
+              <a:rPr b="0" lang="en-US" sz="4200" spc="-1" strike="noStrike">
+                <a:solidFill>
+                  <a:srgbClr val="000000"/>
+                </a:solidFill>
+                <a:latin typeface="Arial"/>
+              </a:rPr>
+              <a:t>Lack interactive and user-friendly visualization</a:t>
+            </a:r>
+            <a:endParaRPr b="0" lang="en-US" sz="4200" spc="-1" strike="noStrike">
+              <a:solidFill>
+                <a:srgbClr val="000000"/>
+              </a:solidFill>
+              <a:latin typeface="Arial"/>
+            </a:endParaRPr>
+          </a:p>
+          <a:p>
+            <a:pPr lvl="1" marL="864000" indent="-324000">
+              <a:spcBef>
+                <a:spcPts val="1134"/>
+              </a:spcBef>
+              <a:buClr>
+                <a:srgbClr val="000000"/>
+              </a:buClr>
+              <a:buSzPct val="75000"/>
+              <a:buFont typeface="Symbol" charset="2"/>
+              <a:buChar char=""/>
+            </a:pPr>
+            <a:r>
+              <a:rPr b="0" lang="en-US" sz="4200" spc="-1" strike="noStrike">
+                <a:solidFill>
+                  <a:srgbClr val="000000"/>
+                </a:solidFill>
+                <a:latin typeface="Arial"/>
+              </a:rPr>
+              <a:t>Complexity and non-interactivity of Excel macros</a:t>
+            </a:r>
+            <a:endParaRPr b="0" lang="en-US" sz="4200" spc="-1" strike="noStrike">
+              <a:solidFill>
+                <a:srgbClr val="000000"/>
+              </a:solidFill>
+              <a:latin typeface="Arial"/>
+            </a:endParaRPr>
+          </a:p>
+          <a:p>
+            <a:pPr lvl="1" marL="864000" indent="-324000">
+              <a:spcBef>
+                <a:spcPts val="1134"/>
+              </a:spcBef>
+              <a:buClr>
+                <a:srgbClr val="000000"/>
+              </a:buClr>
+              <a:buSzPct val="75000"/>
+              <a:buFont typeface="Symbol" charset="2"/>
+              <a:buChar char=""/>
+            </a:pPr>
+            <a:r>
+              <a:rPr b="0" lang="en-US" sz="4200" spc="-1" strike="noStrike">
+                <a:solidFill>
+                  <a:srgbClr val="000000"/>
+                </a:solidFill>
+                <a:latin typeface="Arial"/>
+              </a:rPr>
+              <a:t>Over-reliance on specific detection tools</a:t>
+            </a:r>
+            <a:endParaRPr b="0" lang="en-US" sz="4200" spc="-1" strike="noStrike">
+              <a:solidFill>
+                <a:srgbClr val="000000"/>
+              </a:solidFill>
+              <a:latin typeface="Arial"/>
+            </a:endParaRPr>
+          </a:p>
+          <a:p>
+            <a:pPr lvl="1" marL="864000" indent="-324000">
+              <a:spcBef>
+                <a:spcPts val="1134"/>
+              </a:spcBef>
+              <a:buClr>
+                <a:srgbClr val="000000"/>
+              </a:buClr>
+              <a:buSzPct val="75000"/>
+              <a:buFont typeface="Symbol" charset="2"/>
+              <a:buChar char=""/>
+            </a:pPr>
+            <a:r>
+              <a:rPr b="0" lang="en-US" sz="4200" spc="-1" strike="noStrike">
+                <a:solidFill>
+                  <a:srgbClr val="000000"/>
+                </a:solidFill>
+                <a:latin typeface="Arial"/>
+              </a:rPr>
+              <a:t>Confusing visual outputs with complex datasets</a:t>
+            </a:r>
+            <a:endParaRPr b="0" lang="en-US" sz="4200" spc="-1" strike="noStrike">
               <a:solidFill>
                 <a:srgbClr val="000000"/>
               </a:solidFill>
@@ -1899,127 +1675,43 @@
               <a:buChar char=""/>
             </a:pPr>
             <a:r>
-              <a:rPr b="0" lang="en-US" sz="3200" spc="-1" strike="noStrike">
-                <a:solidFill>
-                  <a:srgbClr val="000000"/>
-                </a:solidFill>
-                <a:latin typeface="Arial"/>
-              </a:rPr>
-              <a:t>Matplotlib</a:t>
-            </a:r>
-            <a:endParaRPr b="0" lang="en-US" sz="3200" spc="-1" strike="noStrike">
-              <a:solidFill>
-                <a:srgbClr val="000000"/>
-              </a:solidFill>
-              <a:latin typeface="Arial"/>
-            </a:endParaRPr>
-          </a:p>
-          <a:p>
-            <a:pPr marL="432000" indent="-324000">
-              <a:spcBef>
-                <a:spcPts val="1417"/>
-              </a:spcBef>
-              <a:buClr>
-                <a:srgbClr val="000000"/>
-              </a:buClr>
-              <a:buSzPct val="45000"/>
-              <a:buFont typeface="Wingdings" charset="2"/>
-              <a:buChar char=""/>
-            </a:pPr>
-            <a:r>
-              <a:rPr b="0" lang="en-US" sz="3200" spc="-1" strike="noStrike">
-                <a:solidFill>
-                  <a:srgbClr val="000000"/>
-                </a:solidFill>
-                <a:latin typeface="Arial"/>
-              </a:rPr>
-              <a:t>Seaborn</a:t>
-            </a:r>
-            <a:endParaRPr b="0" lang="en-US" sz="3200" spc="-1" strike="noStrike">
-              <a:solidFill>
-                <a:srgbClr val="000000"/>
-              </a:solidFill>
-              <a:latin typeface="Arial"/>
-            </a:endParaRPr>
-          </a:p>
-          <a:p>
-            <a:pPr marL="432000" indent="-324000">
-              <a:spcBef>
-                <a:spcPts val="1417"/>
-              </a:spcBef>
-              <a:buClr>
-                <a:srgbClr val="000000"/>
-              </a:buClr>
-              <a:buSzPct val="45000"/>
-              <a:buFont typeface="Wingdings" charset="2"/>
-              <a:buChar char=""/>
-            </a:pPr>
-            <a:r>
-              <a:rPr b="0" lang="en-US" sz="3200" spc="-1" strike="noStrike">
-                <a:solidFill>
-                  <a:srgbClr val="000000"/>
-                </a:solidFill>
-                <a:latin typeface="Arial"/>
-              </a:rPr>
-              <a:t>Flask</a:t>
-            </a:r>
-            <a:endParaRPr b="0" lang="en-US" sz="3200" spc="-1" strike="noStrike">
-              <a:solidFill>
-                <a:srgbClr val="000000"/>
-              </a:solidFill>
-              <a:latin typeface="Arial"/>
-            </a:endParaRPr>
-          </a:p>
-          <a:p>
-            <a:pPr marL="432000" indent="-324000">
-              <a:spcBef>
-                <a:spcPts val="1417"/>
-              </a:spcBef>
-              <a:buClr>
-                <a:srgbClr val="000000"/>
-              </a:buClr>
-              <a:buSzPct val="45000"/>
-              <a:buFont typeface="Wingdings" charset="2"/>
-              <a:buChar char=""/>
-            </a:pPr>
-            <a:r>
-              <a:rPr b="0" lang="en-US" sz="3200" spc="-1" strike="noStrike">
-                <a:solidFill>
-                  <a:srgbClr val="000000"/>
-                </a:solidFill>
-                <a:latin typeface="Arial"/>
-              </a:rPr>
-              <a:t>NumPy</a:t>
-            </a:r>
-            <a:endParaRPr b="0" lang="en-US" sz="3200" spc="-1" strike="noStrike">
-              <a:solidFill>
-                <a:srgbClr val="000000"/>
-              </a:solidFill>
-              <a:latin typeface="Arial"/>
-            </a:endParaRPr>
-          </a:p>
-          <a:p>
-            <a:pPr marL="432000" indent="-324000">
-              <a:spcBef>
-                <a:spcPts val="1417"/>
-              </a:spcBef>
-              <a:buClr>
-                <a:srgbClr val="000000"/>
-              </a:buClr>
-              <a:buSzPct val="45000"/>
-              <a:buFont typeface="Wingdings" charset="2"/>
-              <a:buChar char=""/>
-            </a:pPr>
-            <a:r>
-              <a:rPr b="0" lang="en-US" sz="3200" spc="-1" strike="noStrike">
-                <a:solidFill>
-                  <a:srgbClr val="000000"/>
-                </a:solidFill>
-                <a:latin typeface="Arial"/>
-              </a:rPr>
-              <a:t>Plotly</a:t>
-            </a:r>
-            <a:endParaRPr b="0" lang="en-US" sz="3200" spc="-1" strike="noStrike">
+              <a:rPr b="0" lang="en-US" sz="4200" spc="-1" strike="noStrike">
+                <a:solidFill>
+                  <a:srgbClr val="000000"/>
+                </a:solidFill>
+                <a:latin typeface="Arial"/>
+              </a:rPr>
+              <a:t>Gap in the market</a:t>
+            </a:r>
+            <a:endParaRPr b="0" lang="en-US" sz="4200" spc="-1" strike="noStrike">
+              <a:solidFill>
+                <a:srgbClr val="000000"/>
+              </a:solidFill>
+              <a:latin typeface="Arial"/>
+            </a:endParaRPr>
+          </a:p>
+          <a:p>
+            <a:pPr lvl="1" marL="864000" indent="-324000">
+              <a:spcBef>
+                <a:spcPts val="1134"/>
+              </a:spcBef>
+              <a:buClr>
+                <a:srgbClr val="000000"/>
+              </a:buClr>
+              <a:buSzPct val="75000"/>
+              <a:buFont typeface="Symbol" charset="2"/>
+              <a:buChar char=""/>
+            </a:pPr>
+            <a:r>
+              <a:rPr b="0" lang="en-US" sz="4200" spc="-1" strike="noStrike">
+                <a:solidFill>
+                  <a:srgbClr val="000000"/>
+                </a:solidFill>
+                <a:latin typeface="Arial"/>
+              </a:rPr>
+              <a:t>Need for an all-in-one tool to visualize, manipulate, and analyze CRISPR arrays effectively</a:t>
+            </a:r>
+            <a:endParaRPr b="0" lang="en-US" sz="4200" spc="-1" strike="noStrike">
               <a:solidFill>
                 <a:srgbClr val="000000"/>
               </a:solidFill>
@@ -2096,7 +1788,7 @@
                 </a:solidFill>
                 <a:latin typeface="Arial"/>
               </a:rPr>
-              <a:t>Results</a:t>
+              <a:t>Why use Python?</a:t>
             </a:r>
             <a:endParaRPr b="0" lang="en-US" sz="4400" spc="-1" strike="noStrike">
               <a:solidFill>
@@ -2120,7 +1812,7 @@
         <p:spPr>
           <a:xfrm>
             <a:off x="504000" y="1326600"/>
-            <a:ext cx="9071640" cy="3288240"/>
+            <a:ext cx="4982400" cy="4159800"/>
           </a:xfrm>
           <a:prstGeom prst="rect">
             <a:avLst/>
@@ -2132,7 +1824,7 @@
         </p:spPr>
         <p:txBody>
           <a:bodyPr lIns="0" rIns="0" tIns="0" bIns="0" anchor="t">
-            <a:normAutofit fontScale="96865" lnSpcReduction="10000"/>
+            <a:normAutofit fontScale="62493"/>
           </a:bodyPr>
           <a:p>
             <a:pPr marL="432000" indent="-324000">
@@ -2153,9 +1845,93 @@
                 </a:solidFill>
                 <a:latin typeface="Arial"/>
               </a:rPr>
-              <a:t>Successful development of a graphically interactive software</a:t>
+              <a:t>Extensive Bioinformatics libraries</a:t>
             </a:r>
             <a:endParaRPr b="0" lang="en-US" sz="3200" spc="-1" strike="noStrike">
+              <a:solidFill>
+                <a:srgbClr val="000000"/>
+              </a:solidFill>
+              <a:latin typeface="Arial"/>
+            </a:endParaRPr>
+          </a:p>
+          <a:p>
+            <a:pPr lvl="1" marL="864000" indent="-324000">
+              <a:spcBef>
+                <a:spcPts val="1134"/>
+              </a:spcBef>
+              <a:buClr>
+                <a:srgbClr val="000000"/>
+              </a:buClr>
+              <a:buSzPct val="75000"/>
+              <a:buFont typeface="Symbol" charset="2"/>
+              <a:buChar char=""/>
+            </a:pPr>
+            <a:r>
+              <a:rPr b="0" lang="en-US" sz="2800" spc="-1" strike="noStrike">
+                <a:solidFill>
+                  <a:srgbClr val="000000"/>
+                </a:solidFill>
+                <a:latin typeface="Arial"/>
+              </a:rPr>
+              <a:t>Biopython: sequence analysis and data manipulation</a:t>
+            </a:r>
+            <a:endParaRPr b="0" lang="en-US" sz="2800" spc="-1" strike="noStrike">
+              <a:solidFill>
+                <a:srgbClr val="000000"/>
+              </a:solidFill>
+              <a:latin typeface="Arial"/>
+            </a:endParaRPr>
+          </a:p>
+          <a:p>
+            <a:pPr lvl="1" marL="864000" indent="-324000">
+              <a:spcBef>
+                <a:spcPts val="1134"/>
+              </a:spcBef>
+              <a:buClr>
+                <a:srgbClr val="000000"/>
+              </a:buClr>
+              <a:buSzPct val="75000"/>
+              <a:buFont typeface="Symbol" charset="2"/>
+              <a:buChar char=""/>
+            </a:pPr>
+            <a:r>
+              <a:rPr b="0" lang="en-US" sz="2800" spc="-1" strike="noStrike">
+                <a:solidFill>
+                  <a:srgbClr val="000000"/>
+                </a:solidFill>
+                <a:latin typeface="Arial"/>
+              </a:rPr>
+              <a:t>Pandas: efficient data handling and analysis</a:t>
+            </a:r>
+            <a:endParaRPr b="0" lang="en-US" sz="2800" spc="-1" strike="noStrike">
+              <a:solidFill>
+                <a:srgbClr val="000000"/>
+              </a:solidFill>
+              <a:latin typeface="Arial"/>
+            </a:endParaRPr>
+          </a:p>
+          <a:p>
+            <a:pPr lvl="1" marL="864000" indent="-324000">
+              <a:spcBef>
+                <a:spcPts val="1134"/>
+              </a:spcBef>
+              <a:buClr>
+                <a:srgbClr val="000000"/>
+              </a:buClr>
+              <a:buSzPct val="75000"/>
+              <a:buFont typeface="Symbol" charset="2"/>
+              <a:buChar char=""/>
+            </a:pPr>
+            <a:r>
+              <a:rPr b="0" lang="en-US" sz="2800" spc="-1" strike="noStrike">
+                <a:solidFill>
+                  <a:srgbClr val="000000"/>
+                </a:solidFill>
+                <a:latin typeface="Arial"/>
+              </a:rPr>
+              <a:t>Matplotlib &amp; Seaborn: powerful data visualization tools</a:t>
+            </a:r>
+            <a:endParaRPr b="0" lang="en-US" sz="2800" spc="-1" strike="noStrike">
               <a:solidFill>
                 <a:srgbClr val="000000"/>
               </a:solidFill>
@@ -2181,7 +1957,7 @@
                 </a:solidFill>
                 <a:latin typeface="Arial"/>
               </a:rPr>
-              <a:t>User can customize graphics for DRs/spacers</a:t>
+              <a:t>Seamless integration with existing bioinformatics tools</a:t>
             </a:r>
             <a:endParaRPr b="0" lang="en-US" sz="3200" spc="-1" strike="noStrike">
               <a:solidFill>
@@ -2209,7 +1985,7 @@
                 </a:solidFill>
                 <a:latin typeface="Arial"/>
               </a:rPr>
-              <a:t>User can perform statistical analysis of the DRs/spacers on selected strains of interest</a:t>
+              <a:t>Large, active community</a:t>
             </a:r>
             <a:endParaRPr b="0" lang="en-US" sz="3200" spc="-1" strike="noStrike">
               <a:solidFill>
@@ -2237,7 +2013,7 @@
                 </a:solidFill>
                 <a:latin typeface="Arial"/>
               </a:rPr>
-              <a:t>Flexible: allows user to choose CRISPR detection</a:t>
+              <a:t>Capable of handling large datasets efficiently </a:t>
             </a:r>
             <a:endParaRPr b="0" lang="en-US" sz="3200" spc="-1" strike="noStrike">
               <a:solidFill>
@@ -2248,6 +2024,29 @@
           </a:p>
         </p:txBody>
       </p:sp>
+      <p:pic>
+        <p:nvPicPr>
+          <p:cNvPr id="18" name="" descr=""/>
+          <p:cNvPicPr/>
+          <p:nvPr/>
+        </p:nvPicPr>
+        <p:blipFill>
+          <a:blip r:embed="rId1"/>
+          <a:stretch/>
+        </p:blipFill>
+        <p:spPr>
+          <a:xfrm rot="18000">
+            <a:off x="8233200" y="231840"/>
+            <a:ext cx="1369800" cy="1364400"/>
+          </a:xfrm>
+          <a:prstGeom prst="rect">
+            <a:avLst/>
+          </a:prstGeom>
+          <a:ln w="0">
+            <a:noFill/>
+          </a:ln>
+        </p:spPr>
+      </p:pic>
     </p:spTree>
   </p:cSld>
   <mc:AlternateContent>
@@ -2280,7 +2079,7 @@
       </p:grpSpPr>
       <p:sp>
         <p:nvSpPr>
-          <p:cNvPr id="18" name="PlaceHolder 1"/>
+          <p:cNvPr id="19" name="PlaceHolder 1"/>
           <p:cNvSpPr>
             <a:spLocks noGrp="1"/>
           </p:cNvSpPr>
@@ -2316,7 +2115,7 @@
                 </a:solidFill>
                 <a:latin typeface="Arial"/>
               </a:rPr>
-              <a:t>My Thoughts</a:t>
+              <a:t>Python Libraries Used</a:t>
             </a:r>
             <a:endParaRPr b="0" lang="en-US" sz="4400" spc="-1" strike="noStrike">
               <a:solidFill>
@@ -2329,7 +2128,7 @@
       </p:sp>
       <p:sp>
         <p:nvSpPr>
-          <p:cNvPr id="19" name="PlaceHolder 2"/>
+          <p:cNvPr id="20" name="PlaceHolder 2"/>
           <p:cNvSpPr>
             <a:spLocks noGrp="1"/>
           </p:cNvSpPr>
@@ -2339,8 +2138,8 @@
         </p:nvSpPr>
         <p:spPr>
           <a:xfrm>
-            <a:off x="504000" y="1326600"/>
-            <a:ext cx="9071640" cy="3288240"/>
+            <a:off x="529560" y="1326600"/>
+            <a:ext cx="4042440" cy="3931200"/>
           </a:xfrm>
           <a:prstGeom prst="rect">
             <a:avLst/>
@@ -2352,7 +2151,7 @@
         </p:spPr>
         <p:txBody>
           <a:bodyPr lIns="0" rIns="0" tIns="0" bIns="0" anchor="t">
-            <a:normAutofit/>
+            <a:normAutofit fontScale="68743"/>
           </a:bodyPr>
           <a:p>
             <a:pPr marL="432000" indent="-324000">
@@ -2367,13 +2166,22 @@
               <a:buChar char=""/>
             </a:pPr>
             <a:r>
+              <a:rPr b="1" lang="en-US" sz="3200" spc="-1" strike="noStrike">
+                <a:solidFill>
+                  <a:srgbClr val="000000"/>
+                </a:solidFill>
+                <a:latin typeface="Arial"/>
+              </a:rPr>
+              <a:t>Biopython</a:t>
+            </a:r>
+            <a:r>
               <a:rPr b="0" lang="en-US" sz="3200" spc="-1" strike="noStrike">
                 <a:solidFill>
                   <a:srgbClr val="000000"/>
                 </a:solidFill>
                 <a:latin typeface="Arial"/>
               </a:rPr>
-              <a:t>Address a gap in bioinformatics tools</a:t>
+              <a:t>: sequence analysis and manipulation</a:t>
             </a:r>
             <a:endParaRPr b="0" lang="en-US" sz="3200" spc="-1" strike="noStrike">
               <a:solidFill>
@@ -2395,13 +2203,24 @@
               <a:buChar char=""/>
             </a:pPr>
             <a:r>
+              <a:rPr b="1" lang="en-US" sz="3200" spc="-1" strike="noStrike">
+                <a:solidFill>
+                  <a:srgbClr val="000000"/>
+                </a:solidFill>
+                <a:latin typeface="Arial"/>
+                <a:ea typeface="PingFang SC"/>
+              </a:rPr>
+              <a:t>Pandas</a:t>
+            </a:r>
+            <a:r>
               <a:rPr b="0" lang="en-US" sz="3200" spc="-1" strike="noStrike">
                 <a:solidFill>
                   <a:srgbClr val="000000"/>
                 </a:solidFill>
                 <a:latin typeface="Arial"/>
-              </a:rPr>
-              <a:t>Using Python ensures it is user-friendly</a:t>
+                <a:ea typeface="PingFang SC"/>
+              </a:rPr>
+              <a:t>: efficient data organization and management</a:t>
             </a:r>
             <a:endParaRPr b="0" lang="en-US" sz="3200" spc="-1" strike="noStrike">
               <a:solidFill>
@@ -2423,13 +2242,22 @@
               <a:buChar char=""/>
             </a:pPr>
             <a:r>
+              <a:rPr b="1" lang="en-US" sz="3200" spc="-1" strike="noStrike">
+                <a:solidFill>
+                  <a:srgbClr val="000000"/>
+                </a:solidFill>
+                <a:latin typeface="Arial"/>
+              </a:rPr>
+              <a:t>NumPy</a:t>
+            </a:r>
+            <a:r>
               <a:rPr b="0" lang="en-US" sz="3200" spc="-1" strike="noStrike">
                 <a:solidFill>
                   <a:srgbClr val="000000"/>
                 </a:solidFill>
                 <a:latin typeface="Arial"/>
               </a:rPr>
-              <a:t>Contributes to advancements in genetic research and biotechnology</a:t>
+              <a:t>: handling large datasets</a:t>
             </a:r>
             <a:endParaRPr b="0" lang="en-US" sz="3200" spc="-1" strike="noStrike">
               <a:solidFill>
@@ -2438,8 +2266,223 @@
               <a:latin typeface="Arial"/>
             </a:endParaRPr>
           </a:p>
-        </p:txBody>
-      </p:sp>
+          <a:p>
+            <a:pPr marL="432000" indent="-324000">
+              <a:spcBef>
+                <a:spcPts val="1417"/>
+              </a:spcBef>
+              <a:buClr>
+                <a:srgbClr val="000000"/>
+              </a:buClr>
+              <a:buSzPct val="45000"/>
+              <a:buFont typeface="Wingdings" charset="2"/>
+              <a:buChar char=""/>
+            </a:pPr>
+            <a:r>
+              <a:rPr b="1" lang="en-US" sz="3200" spc="-1" strike="noStrike">
+                <a:solidFill>
+                  <a:srgbClr val="000000"/>
+                </a:solidFill>
+                <a:latin typeface="Arial"/>
+              </a:rPr>
+              <a:t>Matplotlib</a:t>
+            </a:r>
+            <a:r>
+              <a:rPr b="0" lang="en-US" sz="3200" spc="-1" strike="noStrike">
+                <a:solidFill>
+                  <a:srgbClr val="000000"/>
+                </a:solidFill>
+                <a:latin typeface="Arial"/>
+              </a:rPr>
+              <a:t>: creating visuals</a:t>
+            </a:r>
+            <a:endParaRPr b="0" lang="en-US" sz="3200" spc="-1" strike="noStrike">
+              <a:solidFill>
+                <a:srgbClr val="000000"/>
+              </a:solidFill>
+              <a:latin typeface="Arial"/>
+            </a:endParaRPr>
+          </a:p>
+          <a:p>
+            <a:pPr marL="432000" indent="-324000">
+              <a:spcBef>
+                <a:spcPts val="1417"/>
+              </a:spcBef>
+              <a:buClr>
+                <a:srgbClr val="000000"/>
+              </a:buClr>
+              <a:buSzPct val="45000"/>
+              <a:buFont typeface="Wingdings" charset="2"/>
+              <a:buChar char=""/>
+            </a:pPr>
+            <a:r>
+              <a:rPr b="1" lang="en-US" sz="3200" spc="-1" strike="noStrike">
+                <a:solidFill>
+                  <a:srgbClr val="000000"/>
+                </a:solidFill>
+                <a:latin typeface="Arial"/>
+              </a:rPr>
+              <a:t>Seaborn</a:t>
+            </a:r>
+            <a:r>
+              <a:rPr b="0" lang="en-US" sz="3200" spc="-1" strike="noStrike">
+                <a:solidFill>
+                  <a:srgbClr val="000000"/>
+                </a:solidFill>
+                <a:latin typeface="Arial"/>
+              </a:rPr>
+              <a:t>: high-level statistical graphics</a:t>
+            </a:r>
+            <a:endParaRPr b="0" lang="en-US" sz="3200" spc="-1" strike="noStrike">
+              <a:solidFill>
+                <a:srgbClr val="000000"/>
+              </a:solidFill>
+              <a:latin typeface="Arial"/>
+            </a:endParaRPr>
+          </a:p>
+          <a:p>
+            <a:pPr marL="432000" indent="0">
+              <a:spcBef>
+                <a:spcPts val="1417"/>
+              </a:spcBef>
+              <a:buNone/>
+            </a:pPr>
+            <a:endParaRPr b="0" lang="en-US" sz="3200" spc="-1" strike="noStrike">
+              <a:solidFill>
+                <a:srgbClr val="000000"/>
+              </a:solidFill>
+              <a:latin typeface="Arial"/>
+            </a:endParaRPr>
+          </a:p>
+        </p:txBody>
+      </p:sp>
+      <p:pic>
+        <p:nvPicPr>
+          <p:cNvPr id="21" name="" descr=""/>
+          <p:cNvPicPr/>
+          <p:nvPr/>
+        </p:nvPicPr>
+        <p:blipFill>
+          <a:blip r:embed="rId1"/>
+          <a:stretch/>
+        </p:blipFill>
+        <p:spPr>
+          <a:xfrm>
+            <a:off x="7772400" y="990720"/>
+            <a:ext cx="2057400" cy="1371600"/>
+          </a:xfrm>
+          <a:prstGeom prst="rect">
+            <a:avLst/>
+          </a:prstGeom>
+          <a:ln w="0">
+            <a:noFill/>
+          </a:ln>
+        </p:spPr>
+      </p:pic>
+      <p:pic>
+        <p:nvPicPr>
+          <p:cNvPr id="22" name="" descr=""/>
+          <p:cNvPicPr/>
+          <p:nvPr/>
+        </p:nvPicPr>
+        <p:blipFill>
+          <a:blip r:embed="rId2">
+            <a:extLst>
+              <a:ext uri="{96DAC541-7B7A-43D3-8B79-37D633B846F1}">
+                <asvg:svgBlip xmlns:asvg="http://schemas.microsoft.com/office/drawing/2016/SVG/main" r:embed="rId3"/>
+              </a:ext>
+            </a:extLst>
+          </a:blip>
+          <a:stretch/>
+        </p:blipFill>
+        <p:spPr>
+          <a:xfrm>
+            <a:off x="4572000" y="2057400"/>
+            <a:ext cx="2286000" cy="926640"/>
+          </a:xfrm>
+          <a:prstGeom prst="rect">
+            <a:avLst/>
+          </a:prstGeom>
+          <a:ln w="0">
+            <a:noFill/>
+          </a:ln>
+        </p:spPr>
+      </p:pic>
+      <p:pic>
+        <p:nvPicPr>
+          <p:cNvPr id="23" name="" descr=""/>
+          <p:cNvPicPr/>
+          <p:nvPr/>
+        </p:nvPicPr>
+        <p:blipFill>
+          <a:blip r:embed="rId4"/>
+          <a:stretch/>
+        </p:blipFill>
+        <p:spPr>
+          <a:xfrm>
+            <a:off x="7086600" y="2778120"/>
+            <a:ext cx="2743200" cy="1233720"/>
+          </a:xfrm>
+          <a:prstGeom prst="rect">
+            <a:avLst/>
+          </a:prstGeom>
+          <a:ln w="0">
+            <a:noFill/>
+          </a:ln>
+        </p:spPr>
+      </p:pic>
+      <p:pic>
+        <p:nvPicPr>
+          <p:cNvPr id="24" name="" descr=""/>
+          <p:cNvPicPr/>
+          <p:nvPr/>
+        </p:nvPicPr>
+        <p:blipFill>
+          <a:blip r:embed="rId5"/>
+          <a:stretch/>
+        </p:blipFill>
+        <p:spPr>
+          <a:xfrm>
+            <a:off x="4960800" y="4114800"/>
+            <a:ext cx="2354400" cy="470520"/>
+          </a:xfrm>
+          <a:prstGeom prst="rect">
+            <a:avLst/>
+          </a:prstGeom>
+          <a:ln w="0">
+            <a:noFill/>
+          </a:ln>
+        </p:spPr>
+      </p:pic>
+      <p:pic>
+        <p:nvPicPr>
+          <p:cNvPr id="25" name="" descr=""/>
+          <p:cNvPicPr/>
+          <p:nvPr/>
+        </p:nvPicPr>
+        <p:blipFill>
+          <a:blip r:embed="rId6">
+            <a:extLst>
+              <a:ext uri="{96DAC541-7B7A-43D3-8B79-37D633B846F1}">
+                <asvg:svgBlip xmlns:asvg="http://schemas.microsoft.com/office/drawing/2016/SVG/main" r:embed="rId7"/>
+              </a:ext>
+            </a:extLst>
+          </a:blip>
+          <a:stretch/>
+        </p:blipFill>
+        <p:spPr>
+          <a:xfrm>
+            <a:off x="8229600" y="4293720"/>
+            <a:ext cx="1143000" cy="1376280"/>
+          </a:xfrm>
+          <a:prstGeom prst="rect">
+            <a:avLst/>
+          </a:prstGeom>
+          <a:ln w="0">
+            <a:noFill/>
+          </a:ln>
+        </p:spPr>
+      </p:pic>
     </p:spTree>
   </p:cSld>
   <mc:AlternateContent>
@@ -2472,7 +2515,7 @@
       </p:grpSpPr>
       <p:sp>
         <p:nvSpPr>
-          <p:cNvPr id="20" name="PlaceHolder 1"/>
+          <p:cNvPr id="26" name="PlaceHolder 1"/>
           <p:cNvSpPr>
             <a:spLocks noGrp="1"/>
           </p:cNvSpPr>
@@ -2508,7 +2551,7 @@
                 </a:solidFill>
                 <a:latin typeface="Arial"/>
               </a:rPr>
-              <a:t>References</a:t>
+              <a:t>Results</a:t>
             </a:r>
             <a:endParaRPr b="0" lang="en-US" sz="4400" spc="-1" strike="noStrike">
               <a:solidFill>
@@ -2521,7 +2564,7 @@
       </p:sp>
       <p:sp>
         <p:nvSpPr>
-          <p:cNvPr id="21" name="PlaceHolder 2"/>
+          <p:cNvPr id="27" name="PlaceHolder 2"/>
           <p:cNvSpPr>
             <a:spLocks noGrp="1"/>
           </p:cNvSpPr>
@@ -2544,7 +2587,7 @@
         </p:spPr>
         <p:txBody>
           <a:bodyPr lIns="0" rIns="0" tIns="0" bIns="0" anchor="t">
-            <a:normAutofit/>
+            <a:normAutofit fontScale="96865" lnSpcReduction="10000"/>
           </a:bodyPr>
           <a:p>
             <a:pPr marL="432000" indent="-324000">
@@ -2559,51 +2602,126 @@
               <a:buChar char=""/>
             </a:pPr>
             <a:r>
-              <a:rPr b="0" lang="en-US" sz="1500" spc="-1" strike="noStrike">
-                <a:solidFill>
-                  <a:srgbClr val="000000"/>
-                </a:solidFill>
-                <a:latin typeface="Arial"/>
-              </a:rPr>
-              <a:t>Jia, B., Zhang, X., Jiang, Q., Wang, Z., Zhang, Y., Hu, Y., &amp; Wang, Y. (2022). CrisprVi: a software for </a:t>
-            </a:r>
-            <a:r>
-              <a:rPr b="0" lang="en-US" sz="1500" spc="-1" strike="noStrike">
-                <a:solidFill>
-                  <a:srgbClr val="000000"/>
-                </a:solidFill>
-                <a:latin typeface="Arial"/>
-              </a:rPr>
-              <a:t>visulaizing and analyzing CRISPR sequences of prokaryotes. </a:t>
-            </a:r>
-            <a:r>
-              <a:rPr b="0" i="1" lang="en-US" sz="1500" spc="-1" strike="noStrike">
-                <a:solidFill>
-                  <a:srgbClr val="000000"/>
-                </a:solidFill>
-                <a:latin typeface="Arial"/>
-              </a:rPr>
-              <a:t>BMC Bioinformatics</a:t>
-            </a:r>
-            <a:r>
-              <a:rPr b="0" lang="en-US" sz="1500" spc="-1" strike="noStrike">
-                <a:solidFill>
-                  <a:srgbClr val="000000"/>
-                </a:solidFill>
-                <a:latin typeface="Arial"/>
-              </a:rPr>
-              <a:t>, 23(1), 257. </a:t>
-            </a:r>
-            <a:r>
-              <a:rPr b="0" lang="en-US" sz="1500" spc="-1" strike="noStrike">
-                <a:solidFill>
-                  <a:srgbClr val="000000"/>
-                </a:solidFill>
-                <a:latin typeface="Arial"/>
-              </a:rPr>
-              <a:t>https://doi.org/10.1186/s12859-022-04716-9</a:t>
-            </a:r>
-            <a:endParaRPr b="0" lang="en-US" sz="1500" spc="-1" strike="noStrike">
+              <a:rPr b="0" lang="en-US" sz="3200" spc="-1" strike="noStrike">
+                <a:solidFill>
+                  <a:srgbClr val="000000"/>
+                </a:solidFill>
+                <a:latin typeface="Arial"/>
+              </a:rPr>
+              <a:t>Successful development of a graphically </a:t>
+            </a:r>
+            <a:r>
+              <a:rPr b="0" lang="en-US" sz="3200" spc="-1" strike="noStrike">
+                <a:solidFill>
+                  <a:srgbClr val="000000"/>
+                </a:solidFill>
+                <a:latin typeface="Arial"/>
+              </a:rPr>
+              <a:t>interactive software</a:t>
+            </a:r>
+            <a:endParaRPr b="0" lang="en-US" sz="3200" spc="-1" strike="noStrike">
+              <a:solidFill>
+                <a:srgbClr val="000000"/>
+              </a:solidFill>
+              <a:latin typeface="Arial"/>
+            </a:endParaRPr>
+          </a:p>
+          <a:p>
+            <a:pPr marL="432000" indent="-324000">
+              <a:spcBef>
+                <a:spcPts val="1417"/>
+              </a:spcBef>
+              <a:buClr>
+                <a:srgbClr val="000000"/>
+              </a:buClr>
+              <a:buSzPct val="45000"/>
+              <a:buFont typeface="Wingdings" charset="2"/>
+              <a:buChar char=""/>
+            </a:pPr>
+            <a:r>
+              <a:rPr b="0" lang="en-US" sz="3200" spc="-1" strike="noStrike">
+                <a:solidFill>
+                  <a:srgbClr val="000000"/>
+                </a:solidFill>
+                <a:latin typeface="Arial"/>
+              </a:rPr>
+              <a:t>User can customize graphics for DRs/spacers</a:t>
+            </a:r>
+            <a:endParaRPr b="0" lang="en-US" sz="3200" spc="-1" strike="noStrike">
+              <a:solidFill>
+                <a:srgbClr val="000000"/>
+              </a:solidFill>
+              <a:latin typeface="Arial"/>
+            </a:endParaRPr>
+          </a:p>
+          <a:p>
+            <a:pPr marL="432000" indent="-324000">
+              <a:spcBef>
+                <a:spcPts val="1417"/>
+              </a:spcBef>
+              <a:buClr>
+                <a:srgbClr val="000000"/>
+              </a:buClr>
+              <a:buSzPct val="45000"/>
+              <a:buFont typeface="Wingdings" charset="2"/>
+              <a:buChar char=""/>
+            </a:pPr>
+            <a:r>
+              <a:rPr b="0" lang="en-US" sz="3200" spc="-1" strike="noStrike">
+                <a:solidFill>
+                  <a:srgbClr val="000000"/>
+                </a:solidFill>
+                <a:latin typeface="Arial"/>
+              </a:rPr>
+              <a:t>User can perform statistical analysis of the </a:t>
+            </a:r>
+            <a:r>
+              <a:rPr b="0" lang="en-US" sz="3200" spc="-1" strike="noStrike">
+                <a:solidFill>
+                  <a:srgbClr val="000000"/>
+                </a:solidFill>
+                <a:latin typeface="Arial"/>
+              </a:rPr>
+              <a:t>DRs/spacers on selected strains of interest</a:t>
+            </a:r>
+            <a:endParaRPr b="0" lang="en-US" sz="3200" spc="-1" strike="noStrike">
+              <a:solidFill>
+                <a:srgbClr val="000000"/>
+              </a:solidFill>
+              <a:latin typeface="Arial"/>
+            </a:endParaRPr>
+          </a:p>
+          <a:p>
+            <a:pPr marL="432000" indent="-324000">
+              <a:spcBef>
+                <a:spcPts val="1417"/>
+              </a:spcBef>
+              <a:buClr>
+                <a:srgbClr val="000000"/>
+              </a:buClr>
+              <a:buSzPct val="45000"/>
+              <a:buFont typeface="Wingdings" charset="2"/>
+              <a:buChar char=""/>
+            </a:pPr>
+            <a:r>
+              <a:rPr b="0" lang="en-US" sz="3200" spc="-1" strike="noStrike">
+                <a:solidFill>
+                  <a:srgbClr val="000000"/>
+                </a:solidFill>
+                <a:latin typeface="Arial"/>
+              </a:rPr>
+              <a:t>Flexible: allows user to choose CRISPR </a:t>
+            </a:r>
+            <a:r>
+              <a:rPr b="0" lang="en-US" sz="3200" spc="-1" strike="noStrike">
+                <a:solidFill>
+                  <a:srgbClr val="000000"/>
+                </a:solidFill>
+                <a:latin typeface="Arial"/>
+              </a:rPr>
+              <a:t>detection</a:t>
+            </a:r>
+            <a:endParaRPr b="0" lang="en-US" sz="3200" spc="-1" strike="noStrike">
               <a:solidFill>
                 <a:srgbClr val="000000"/>
               </a:solidFill>
@@ -2644,7 +2762,7 @@
       </p:grpSpPr>
       <p:sp>
         <p:nvSpPr>
-          <p:cNvPr id="22" name="PlaceHolder 1"/>
+          <p:cNvPr id="28" name="PlaceHolder 1"/>
           <p:cNvSpPr>
             <a:spLocks noGrp="1"/>
           </p:cNvSpPr>
@@ -2680,7 +2798,7 @@
                 </a:solidFill>
                 <a:latin typeface="Arial"/>
               </a:rPr>
-              <a:t>Questions?</a:t>
+              <a:t>My Thoughts</a:t>
             </a:r>
             <a:endParaRPr b="0" lang="en-US" sz="4400" spc="-1" strike="noStrike">
               <a:solidFill>
@@ -2693,7 +2811,7 @@
       </p:sp>
       <p:sp>
         <p:nvSpPr>
-          <p:cNvPr id="23" name="PlaceHolder 2"/>
+          <p:cNvPr id="29" name="PlaceHolder 2"/>
           <p:cNvSpPr>
             <a:spLocks noGrp="1"/>
           </p:cNvSpPr>
@@ -2719,13 +2837,237 @@
             <a:normAutofit/>
           </a:bodyPr>
           <a:p>
-            <a:pPr indent="0">
+            <a:pPr marL="432000" indent="-324000">
               <a:spcBef>
                 <a:spcPts val="1417"/>
               </a:spcBef>
+              <a:buClr>
+                <a:srgbClr val="000000"/>
+              </a:buClr>
+              <a:buSzPct val="45000"/>
+              <a:buFont typeface="Wingdings" charset="2"/>
+              <a:buChar char=""/>
+            </a:pPr>
+            <a:r>
+              <a:rPr b="0" lang="en-US" sz="3200" spc="-1" strike="noStrike">
+                <a:solidFill>
+                  <a:srgbClr val="000000"/>
+                </a:solidFill>
+                <a:latin typeface="Arial"/>
+              </a:rPr>
+              <a:t>Address a gap in bioinformatics tools</a:t>
+            </a:r>
+            <a:endParaRPr b="0" lang="en-US" sz="3200" spc="-1" strike="noStrike">
+              <a:solidFill>
+                <a:srgbClr val="000000"/>
+              </a:solidFill>
+              <a:latin typeface="Arial"/>
+            </a:endParaRPr>
+          </a:p>
+          <a:p>
+            <a:pPr marL="432000" indent="-324000">
+              <a:spcBef>
+                <a:spcPts val="1417"/>
+              </a:spcBef>
+              <a:buClr>
+                <a:srgbClr val="000000"/>
+              </a:buClr>
+              <a:buSzPct val="45000"/>
+              <a:buFont typeface="Wingdings" charset="2"/>
+              <a:buChar char=""/>
+            </a:pPr>
+            <a:r>
+              <a:rPr b="0" lang="en-US" sz="3200" spc="-1" strike="noStrike">
+                <a:solidFill>
+                  <a:srgbClr val="000000"/>
+                </a:solidFill>
+                <a:latin typeface="Arial"/>
+              </a:rPr>
+              <a:t>Using Python ensures it is user-friendly</a:t>
+            </a:r>
+            <a:endParaRPr b="0" lang="en-US" sz="3200" spc="-1" strike="noStrike">
+              <a:solidFill>
+                <a:srgbClr val="000000"/>
+              </a:solidFill>
+              <a:latin typeface="Arial"/>
+            </a:endParaRPr>
+          </a:p>
+          <a:p>
+            <a:pPr marL="432000" indent="-324000">
+              <a:spcBef>
+                <a:spcPts val="1417"/>
+              </a:spcBef>
+              <a:buClr>
+                <a:srgbClr val="000000"/>
+              </a:buClr>
+              <a:buSzPct val="45000"/>
+              <a:buFont typeface="Wingdings" charset="2"/>
+              <a:buChar char=""/>
+            </a:pPr>
+            <a:r>
+              <a:rPr b="0" lang="en-US" sz="3200" spc="-1" strike="noStrike">
+                <a:solidFill>
+                  <a:srgbClr val="000000"/>
+                </a:solidFill>
+                <a:latin typeface="Arial"/>
+              </a:rPr>
+              <a:t>Contributes to advancements in genetic research and biotechnology</a:t>
+            </a:r>
+            <a:endParaRPr b="0" lang="en-US" sz="3200" spc="-1" strike="noStrike">
+              <a:solidFill>
+                <a:srgbClr val="000000"/>
+              </a:solidFill>
+              <a:latin typeface="Arial"/>
+            </a:endParaRPr>
+          </a:p>
+        </p:txBody>
+      </p:sp>
+    </p:spTree>
+  </p:cSld>
+  <mc:AlternateContent>
+    <mc:Choice Requires="p14">
+      <p:transition spd="slow" p14:dur="2000"/>
+    </mc:Choice>
+    <mc:Fallback>
+      <p:transition spd="slow"/>
+    </mc:Fallback>
+  </mc:AlternateContent>
+</p:sld>
+</file>
+
+<file path=ppt/slides/slide9.xml><?xml version="1.0" encoding="utf-8"?>
+<p:sld xmlns:a="http://schemas.openxmlformats.org/drawingml/2006/main" xmlns:p="http://schemas.openxmlformats.org/presentationml/2006/main" xmlns:r="http://schemas.openxmlformats.org/officeDocument/2006/relationships" xmlns:p14="http://schemas.microsoft.com/office/powerpoint/2010/main" xmlns:p15="http://schemas.microsoft.com/office/powerpoint/2012/main" xmlns:mc="http://schemas.openxmlformats.org/markup-compatibility/2006">
+  <p:cSld>
+    <p:spTree>
+      <p:nvGrpSpPr>
+        <p:cNvPr id="1" name=""/>
+        <p:cNvGrpSpPr/>
+        <p:nvPr/>
+      </p:nvGrpSpPr>
+      <p:grpSpPr>
+        <a:xfrm>
+          <a:off x="0" y="0"/>
+          <a:ext cx="0" cy="0"/>
+          <a:chOff x="0" y="0"/>
+          <a:chExt cx="0" cy="0"/>
+        </a:xfrm>
+      </p:grpSpPr>
+      <p:sp>
+        <p:nvSpPr>
+          <p:cNvPr id="30" name="PlaceHolder 1"/>
+          <p:cNvSpPr>
+            <a:spLocks noGrp="1"/>
+          </p:cNvSpPr>
+          <p:nvPr>
+            <p:ph type="title"/>
+          </p:nvPr>
+        </p:nvSpPr>
+        <p:spPr>
+          <a:xfrm>
+            <a:off x="504000" y="226080"/>
+            <a:ext cx="9071640" cy="946440"/>
+          </a:xfrm>
+          <a:prstGeom prst="rect">
+            <a:avLst/>
+          </a:prstGeom>
+          <a:noFill/>
+          <a:ln w="0">
+            <a:noFill/>
+          </a:ln>
+        </p:spPr>
+        <p:txBody>
+          <a:bodyPr lIns="0" rIns="0" tIns="0" bIns="0" anchor="ctr">
+            <a:noAutofit/>
+          </a:bodyPr>
+          <a:p>
+            <a:pPr indent="0" algn="ctr">
               <a:buNone/>
             </a:pPr>
-            <a:endParaRPr b="0" lang="en-US" sz="3200" spc="-1" strike="noStrike">
+            <a:r>
+              <a:rPr b="0" lang="en-US" sz="4400" spc="-1" strike="noStrike">
+                <a:solidFill>
+                  <a:srgbClr val="000000"/>
+                </a:solidFill>
+                <a:latin typeface="Arial"/>
+              </a:rPr>
+              <a:t>References</a:t>
+            </a:r>
+            <a:endParaRPr b="0" lang="en-US" sz="4400" spc="-1" strike="noStrike">
+              <a:solidFill>
+                <a:srgbClr val="000000"/>
+              </a:solidFill>
+              <a:latin typeface="Arial"/>
+            </a:endParaRPr>
+          </a:p>
+        </p:txBody>
+      </p:sp>
+      <p:sp>
+        <p:nvSpPr>
+          <p:cNvPr id="31" name="PlaceHolder 2"/>
+          <p:cNvSpPr>
+            <a:spLocks noGrp="1"/>
+          </p:cNvSpPr>
+          <p:nvPr>
+            <p:ph/>
+          </p:nvPr>
+        </p:nvSpPr>
+        <p:spPr>
+          <a:xfrm>
+            <a:off x="504000" y="1326600"/>
+            <a:ext cx="9071640" cy="3288240"/>
+          </a:xfrm>
+          <a:prstGeom prst="rect">
+            <a:avLst/>
+          </a:prstGeom>
+          <a:noFill/>
+          <a:ln w="0">
+            <a:noFill/>
+          </a:ln>
+        </p:spPr>
+        <p:txBody>
+          <a:bodyPr lIns="0" rIns="0" tIns="0" bIns="0" anchor="t">
+            <a:normAutofit/>
+          </a:bodyPr>
+          <a:p>
+            <a:pPr marL="432000" indent="-324000">
+              <a:spcBef>
+                <a:spcPts val="1417"/>
+              </a:spcBef>
+              <a:buClr>
+                <a:srgbClr val="000000"/>
+              </a:buClr>
+              <a:buSzPct val="45000"/>
+              <a:buFont typeface="Wingdings" charset="2"/>
+              <a:buChar char=""/>
+            </a:pPr>
+            <a:r>
+              <a:rPr b="0" lang="en-US" sz="1500" spc="-1" strike="noStrike">
+                <a:solidFill>
+                  <a:srgbClr val="000000"/>
+                </a:solidFill>
+                <a:latin typeface="Arial"/>
+              </a:rPr>
+              <a:t>Jia, B., Zhang, X., Jiang, Q., Wang, Z., Zhang, Y., Hu, Y., &amp; Wang, Y. (2022). CrisprVi: a software for visulaizing and analyzing CRISPR sequences of prokaryotes. </a:t>
+            </a:r>
+            <a:r>
+              <a:rPr b="0" i="1" lang="en-US" sz="1500" spc="-1" strike="noStrike">
+                <a:solidFill>
+                  <a:srgbClr val="000000"/>
+                </a:solidFill>
+                <a:latin typeface="Arial"/>
+              </a:rPr>
+              <a:t>BMC Bioinformatics</a:t>
+            </a:r>
+            <a:r>
+              <a:rPr b="0" lang="en-US" sz="1500" spc="-1" strike="noStrike">
+                <a:solidFill>
+                  <a:srgbClr val="000000"/>
+                </a:solidFill>
+                <a:latin typeface="Arial"/>
+              </a:rPr>
+              <a:t>, 23(1), 257. https://doi.org/10.1186/s12859-022-04716-9</a:t>
+            </a:r>
+            <a:endParaRPr b="0" lang="en-US" sz="1500" spc="-1" strike="noStrike">
               <a:solidFill>
                 <a:srgbClr val="000000"/>
               </a:solidFill>

--- a/Peer Review 1.pptx
+++ b/Peer Review 1.pptx
@@ -4,21 +4,1121 @@
   <p:sldMasterIdLst>
     <p:sldMasterId id="2147483648" r:id="rId2"/>
   </p:sldMasterIdLst>
+  <p:notesMasterIdLst>
+    <p:notesMasterId r:id="rId3"/>
+  </p:notesMasterIdLst>
   <p:sldIdLst>
-    <p:sldId id="256" r:id="rId3"/>
-    <p:sldId id="257" r:id="rId4"/>
-    <p:sldId id="258" r:id="rId5"/>
-    <p:sldId id="259" r:id="rId6"/>
-    <p:sldId id="260" r:id="rId7"/>
-    <p:sldId id="261" r:id="rId8"/>
-    <p:sldId id="262" r:id="rId9"/>
-    <p:sldId id="263" r:id="rId10"/>
-    <p:sldId id="264" r:id="rId11"/>
-    <p:sldId id="265" r:id="rId12"/>
+    <p:sldId id="256" r:id="rId4"/>
+    <p:sldId id="257" r:id="rId5"/>
+    <p:sldId id="258" r:id="rId6"/>
+    <p:sldId id="259" r:id="rId7"/>
+    <p:sldId id="260" r:id="rId8"/>
+    <p:sldId id="261" r:id="rId9"/>
+    <p:sldId id="262" r:id="rId10"/>
+    <p:sldId id="263" r:id="rId11"/>
+    <p:sldId id="264" r:id="rId12"/>
+    <p:sldId id="265" r:id="rId13"/>
+    <p:sldId id="266" r:id="rId14"/>
+    <p:sldId id="267" r:id="rId15"/>
+    <p:sldId id="268" r:id="rId16"/>
   </p:sldIdLst>
   <p:sldSz cx="10080625" cy="5670550"/>
   <p:notesSz cx="7772400" cy="10058400"/>
 </p:presentation>
+</file>
+
+<file path=ppt/notesMasters/notesMaster1.xml><?xml version="1.0" encoding="utf-8"?>
+<p:notesMaster xmlns:a="http://schemas.openxmlformats.org/drawingml/2006/main" xmlns:p="http://schemas.openxmlformats.org/presentationml/2006/main" xmlns:r="http://schemas.openxmlformats.org/officeDocument/2006/relationships" xmlns:p14="http://schemas.microsoft.com/office/powerpoint/2010/main" xmlns:p15="http://schemas.microsoft.com/office/powerpoint/2012/main" xmlns:mc="http://schemas.openxmlformats.org/markup-compatibility/2006">
+  <p:cSld>
+    <p:spTree>
+      <p:nvGrpSpPr>
+        <p:cNvPr id="1" name=""/>
+        <p:cNvGrpSpPr/>
+        <p:nvPr/>
+      </p:nvGrpSpPr>
+      <p:grpSpPr>
+        <a:xfrm>
+          <a:off x="0" y="0"/>
+          <a:ext cx="0" cy="0"/>
+          <a:chOff x="0" y="0"/>
+          <a:chExt cx="0" cy="0"/>
+        </a:xfrm>
+      </p:grpSpPr>
+      <p:sp>
+        <p:nvSpPr>
+          <p:cNvPr id="9" name="PlaceHolder 1"/>
+          <p:cNvSpPr>
+            <a:spLocks noGrp="1"/>
+          </p:cNvSpPr>
+          <p:nvPr>
+            <p:ph type="sldImg"/>
+          </p:nvPr>
+        </p:nvSpPr>
+        <p:spPr>
+          <a:xfrm>
+            <a:off x="533520" y="764280"/>
+            <a:ext cx="6704640" cy="3771360"/>
+          </a:xfrm>
+          <a:prstGeom prst="rect">
+            <a:avLst/>
+          </a:prstGeom>
+          <a:noFill/>
+          <a:ln w="0">
+            <a:noFill/>
+          </a:ln>
+        </p:spPr>
+        <p:txBody>
+          <a:bodyPr lIns="0" rIns="0" tIns="0" bIns="0" anchor="ctr">
+            <a:noAutofit/>
+          </a:bodyPr>
+          <a:p>
+            <a:pPr algn="ctr"/>
+            <a:r>
+              <a:rPr b="0" lang="en-US" sz="4400" spc="-1" strike="noStrike">
+                <a:solidFill>
+                  <a:srgbClr val="000000"/>
+                </a:solidFill>
+                <a:latin typeface="Arial"/>
+              </a:rPr>
+              <a:t>Click to move the slide</a:t>
+            </a:r>
+            <a:endParaRPr b="0" lang="en-US" sz="4400" spc="-1" strike="noStrike">
+              <a:solidFill>
+                <a:srgbClr val="000000"/>
+              </a:solidFill>
+              <a:latin typeface="Arial"/>
+            </a:endParaRPr>
+          </a:p>
+        </p:txBody>
+      </p:sp>
+      <p:sp>
+        <p:nvSpPr>
+          <p:cNvPr id="10" name="PlaceHolder 2"/>
+          <p:cNvSpPr>
+            <a:spLocks noGrp="1"/>
+          </p:cNvSpPr>
+          <p:nvPr>
+            <p:ph type="body"/>
+          </p:nvPr>
+        </p:nvSpPr>
+        <p:spPr>
+          <a:xfrm>
+            <a:off x="777240" y="4777560"/>
+            <a:ext cx="6217560" cy="4525920"/>
+          </a:xfrm>
+          <a:prstGeom prst="rect">
+            <a:avLst/>
+          </a:prstGeom>
+          <a:noFill/>
+          <a:ln w="0">
+            <a:noFill/>
+          </a:ln>
+        </p:spPr>
+        <p:txBody>
+          <a:bodyPr lIns="0" rIns="0" tIns="0" bIns="0" anchor="t">
+            <a:noAutofit/>
+          </a:bodyPr>
+          <a:p>
+            <a:pPr marL="216000" indent="-216000">
+              <a:buNone/>
+            </a:pPr>
+            <a:r>
+              <a:rPr b="0" lang="en-US" sz="2000" spc="-1" strike="noStrike">
+                <a:solidFill>
+                  <a:srgbClr val="000000"/>
+                </a:solidFill>
+                <a:latin typeface="Arial"/>
+              </a:rPr>
+              <a:t>Click to edit the notes format</a:t>
+            </a:r>
+            <a:endParaRPr b="0" lang="en-US" sz="2000" spc="-1" strike="noStrike">
+              <a:solidFill>
+                <a:srgbClr val="000000"/>
+              </a:solidFill>
+              <a:latin typeface="Arial"/>
+            </a:endParaRPr>
+          </a:p>
+        </p:txBody>
+      </p:sp>
+      <p:sp>
+        <p:nvSpPr>
+          <p:cNvPr id="11" name="PlaceHolder 3"/>
+          <p:cNvSpPr>
+            <a:spLocks noGrp="1"/>
+          </p:cNvSpPr>
+          <p:nvPr>
+            <p:ph type="hdr"/>
+          </p:nvPr>
+        </p:nvSpPr>
+        <p:spPr>
+          <a:xfrm>
+            <a:off x="0" y="0"/>
+            <a:ext cx="3372840" cy="502560"/>
+          </a:xfrm>
+          <a:prstGeom prst="rect">
+            <a:avLst/>
+          </a:prstGeom>
+          <a:noFill/>
+          <a:ln w="0">
+            <a:noFill/>
+          </a:ln>
+        </p:spPr>
+        <p:txBody>
+          <a:bodyPr lIns="0" rIns="0" tIns="0" bIns="0" anchor="t">
+            <a:noAutofit/>
+          </a:bodyPr>
+          <a:p>
+            <a:pPr indent="0">
+              <a:buNone/>
+            </a:pPr>
+            <a:r>
+              <a:rPr b="0" lang="en-US" sz="1400" spc="-1" strike="noStrike">
+                <a:solidFill>
+                  <a:srgbClr val="000000"/>
+                </a:solidFill>
+                <a:latin typeface="Times New Roman"/>
+              </a:rPr>
+              <a:t>&lt;header&gt;</a:t>
+            </a:r>
+            <a:endParaRPr b="0" lang="en-US" sz="1400" spc="-1" strike="noStrike">
+              <a:solidFill>
+                <a:srgbClr val="000000"/>
+              </a:solidFill>
+              <a:latin typeface="Times New Roman"/>
+            </a:endParaRPr>
+          </a:p>
+        </p:txBody>
+      </p:sp>
+      <p:sp>
+        <p:nvSpPr>
+          <p:cNvPr id="12" name="PlaceHolder 4"/>
+          <p:cNvSpPr>
+            <a:spLocks noGrp="1"/>
+          </p:cNvSpPr>
+          <p:nvPr>
+            <p:ph type="dt" idx="4"/>
+          </p:nvPr>
+        </p:nvSpPr>
+        <p:spPr>
+          <a:xfrm>
+            <a:off x="4399200" y="0"/>
+            <a:ext cx="3372840" cy="502560"/>
+          </a:xfrm>
+          <a:prstGeom prst="rect">
+            <a:avLst/>
+          </a:prstGeom>
+          <a:noFill/>
+          <a:ln w="0">
+            <a:noFill/>
+          </a:ln>
+        </p:spPr>
+        <p:txBody>
+          <a:bodyPr lIns="0" rIns="0" tIns="0" bIns="0" anchor="t">
+            <a:noAutofit/>
+          </a:bodyPr>
+          <a:lstStyle>
+            <a:lvl1pPr indent="0" algn="r">
+              <a:buNone/>
+              <a:defRPr b="0" lang="en-US" sz="1400" spc="-1" strike="noStrike">
+                <a:solidFill>
+                  <a:srgbClr val="000000"/>
+                </a:solidFill>
+                <a:latin typeface="Times New Roman"/>
+              </a:defRPr>
+            </a:lvl1pPr>
+          </a:lstStyle>
+          <a:p>
+            <a:pPr indent="0" algn="r">
+              <a:buNone/>
+            </a:pPr>
+            <a:r>
+              <a:rPr b="0" lang="en-US" sz="1400" spc="-1" strike="noStrike">
+                <a:solidFill>
+                  <a:srgbClr val="000000"/>
+                </a:solidFill>
+                <a:latin typeface="Times New Roman"/>
+              </a:rPr>
+              <a:t>&lt;date/time&gt;</a:t>
+            </a:r>
+            <a:endParaRPr b="0" lang="en-US" sz="1400" spc="-1" strike="noStrike">
+              <a:solidFill>
+                <a:srgbClr val="000000"/>
+              </a:solidFill>
+              <a:latin typeface="Times New Roman"/>
+            </a:endParaRPr>
+          </a:p>
+        </p:txBody>
+      </p:sp>
+      <p:sp>
+        <p:nvSpPr>
+          <p:cNvPr id="13" name="PlaceHolder 5"/>
+          <p:cNvSpPr>
+            <a:spLocks noGrp="1"/>
+          </p:cNvSpPr>
+          <p:nvPr>
+            <p:ph type="ftr" idx="5"/>
+          </p:nvPr>
+        </p:nvSpPr>
+        <p:spPr>
+          <a:xfrm>
+            <a:off x="0" y="9555480"/>
+            <a:ext cx="3372840" cy="502560"/>
+          </a:xfrm>
+          <a:prstGeom prst="rect">
+            <a:avLst/>
+          </a:prstGeom>
+          <a:noFill/>
+          <a:ln w="0">
+            <a:noFill/>
+          </a:ln>
+        </p:spPr>
+        <p:txBody>
+          <a:bodyPr lIns="0" rIns="0" tIns="0" bIns="0" anchor="b">
+            <a:noAutofit/>
+          </a:bodyPr>
+          <a:lstStyle>
+            <a:lvl1pPr indent="0">
+              <a:buNone/>
+              <a:defRPr b="0" lang="en-US" sz="1400" spc="-1" strike="noStrike">
+                <a:solidFill>
+                  <a:srgbClr val="000000"/>
+                </a:solidFill>
+                <a:latin typeface="Times New Roman"/>
+              </a:defRPr>
+            </a:lvl1pPr>
+          </a:lstStyle>
+          <a:p>
+            <a:pPr indent="0">
+              <a:buNone/>
+            </a:pPr>
+            <a:r>
+              <a:rPr b="0" lang="en-US" sz="1400" spc="-1" strike="noStrike">
+                <a:solidFill>
+                  <a:srgbClr val="000000"/>
+                </a:solidFill>
+                <a:latin typeface="Times New Roman"/>
+              </a:rPr>
+              <a:t>&lt;footer&gt;</a:t>
+            </a:r>
+            <a:endParaRPr b="0" lang="en-US" sz="1400" spc="-1" strike="noStrike">
+              <a:solidFill>
+                <a:srgbClr val="000000"/>
+              </a:solidFill>
+              <a:latin typeface="Times New Roman"/>
+            </a:endParaRPr>
+          </a:p>
+        </p:txBody>
+      </p:sp>
+      <p:sp>
+        <p:nvSpPr>
+          <p:cNvPr id="14" name="PlaceHolder 6"/>
+          <p:cNvSpPr>
+            <a:spLocks noGrp="1"/>
+          </p:cNvSpPr>
+          <p:nvPr>
+            <p:ph type="sldNum" idx="6"/>
+          </p:nvPr>
+        </p:nvSpPr>
+        <p:spPr>
+          <a:xfrm>
+            <a:off x="4399200" y="9555480"/>
+            <a:ext cx="3372840" cy="502560"/>
+          </a:xfrm>
+          <a:prstGeom prst="rect">
+            <a:avLst/>
+          </a:prstGeom>
+          <a:noFill/>
+          <a:ln w="0">
+            <a:noFill/>
+          </a:ln>
+        </p:spPr>
+        <p:txBody>
+          <a:bodyPr lIns="0" rIns="0" tIns="0" bIns="0" anchor="b">
+            <a:noAutofit/>
+          </a:bodyPr>
+          <a:lstStyle>
+            <a:lvl1pPr indent="0" algn="r">
+              <a:buNone/>
+              <a:defRPr b="0" lang="en-US" sz="1400" spc="-1" strike="noStrike">
+                <a:solidFill>
+                  <a:srgbClr val="000000"/>
+                </a:solidFill>
+                <a:latin typeface="Times New Roman"/>
+              </a:defRPr>
+            </a:lvl1pPr>
+          </a:lstStyle>
+          <a:p>
+            <a:pPr indent="0" algn="r">
+              <a:buNone/>
+            </a:pPr>
+            <a:fld id="{99E64430-C19B-4357-9DFD-919F300FAB03}" type="slidenum">
+              <a:rPr b="0" lang="en-US" sz="1400" spc="-1" strike="noStrike">
+                <a:solidFill>
+                  <a:srgbClr val="000000"/>
+                </a:solidFill>
+                <a:latin typeface="Times New Roman"/>
+              </a:rPr>
+              <a:t>&lt;number&gt;</a:t>
+            </a:fld>
+            <a:endParaRPr b="0" lang="en-US" sz="1400" spc="-1" strike="noStrike">
+              <a:solidFill>
+                <a:srgbClr val="000000"/>
+              </a:solidFill>
+              <a:latin typeface="Times New Roman"/>
+            </a:endParaRPr>
+          </a:p>
+        </p:txBody>
+      </p:sp>
+    </p:spTree>
+  </p:cSld>
+  <p:clrMap bg1="lt1" bg2="lt2" tx1="dk1" tx2="dk2" accent1="accent1" accent2="accent2" accent3="accent3" accent4="accent4" accent5="accent5" accent6="accent6" hlink="hlink" folHlink="folHlink"/>
+</p:notesMaster>
+</file>
+
+<file path=ppt/notesSlides/notesSlide10.xml><?xml version="1.0" encoding="utf-8"?>
+<p:notes xmlns:a="http://schemas.openxmlformats.org/drawingml/2006/main" xmlns:p="http://schemas.openxmlformats.org/presentationml/2006/main" xmlns:r="http://schemas.openxmlformats.org/officeDocument/2006/relationships" xmlns:p14="http://schemas.microsoft.com/office/powerpoint/2010/main" xmlns:p15="http://schemas.microsoft.com/office/powerpoint/2012/main" xmlns:mc="http://schemas.openxmlformats.org/markup-compatibility/2006">
+  <p:cSld>
+    <p:spTree>
+      <p:nvGrpSpPr>
+        <p:cNvPr id="1" name=""/>
+        <p:cNvGrpSpPr/>
+        <p:nvPr/>
+      </p:nvGrpSpPr>
+      <p:grpSpPr>
+        <a:xfrm>
+          <a:off x="0" y="0"/>
+          <a:ext cx="0" cy="0"/>
+          <a:chOff x="0" y="0"/>
+          <a:chExt cx="0" cy="0"/>
+        </a:xfrm>
+      </p:grpSpPr>
+      <p:sp>
+        <p:nvSpPr>
+          <p:cNvPr id="61" name="PlaceHolder 1"/>
+          <p:cNvSpPr>
+            <a:spLocks noGrp="1"/>
+          </p:cNvSpPr>
+          <p:nvPr>
+            <p:ph type="sldImg"/>
+          </p:nvPr>
+        </p:nvSpPr>
+        <p:spPr>
+          <a:xfrm>
+            <a:off x="533520" y="764280"/>
+            <a:ext cx="6704640" cy="3771360"/>
+          </a:xfrm>
+          <a:prstGeom prst="rect">
+            <a:avLst/>
+          </a:prstGeom>
+          <a:ln w="0">
+            <a:noFill/>
+          </a:ln>
+        </p:spPr>
+      </p:sp>
+      <p:sp>
+        <p:nvSpPr>
+          <p:cNvPr id="62" name="PlaceHolder 2"/>
+          <p:cNvSpPr>
+            <a:spLocks noGrp="1"/>
+          </p:cNvSpPr>
+          <p:nvPr>
+            <p:ph type="body"/>
+          </p:nvPr>
+        </p:nvSpPr>
+        <p:spPr>
+          <a:xfrm>
+            <a:off x="777240" y="4777560"/>
+            <a:ext cx="6217560" cy="4525920"/>
+          </a:xfrm>
+          <a:prstGeom prst="rect">
+            <a:avLst/>
+          </a:prstGeom>
+          <a:noFill/>
+          <a:ln w="0">
+            <a:noFill/>
+          </a:ln>
+        </p:spPr>
+        <p:txBody>
+          <a:bodyPr lIns="0" rIns="0" tIns="0" bIns="0" anchor="t">
+            <a:noAutofit/>
+          </a:bodyPr>
+          <a:p>
+            <a:pPr marL="216000" indent="-216000">
+              <a:buNone/>
+            </a:pPr>
+            <a:r>
+              <a:rPr b="0" lang="en-US" sz="2000" spc="-1" strike="noStrike">
+                <a:solidFill>
+                  <a:srgbClr val="000000"/>
+                </a:solidFill>
+                <a:latin typeface="Arial"/>
+              </a:rPr>
+              <a:t>DRs occurred can be counted and displayed in histograms</a:t>
+            </a:r>
+            <a:endParaRPr b="0" lang="en-US" sz="2000" spc="-1" strike="noStrike">
+              <a:solidFill>
+                <a:srgbClr val="000000"/>
+              </a:solidFill>
+              <a:latin typeface="Arial"/>
+            </a:endParaRPr>
+          </a:p>
+          <a:p>
+            <a:pPr marL="216000" indent="-216000">
+              <a:buNone/>
+            </a:pPr>
+            <a:r>
+              <a:rPr b="0" lang="en-US" sz="2000" spc="-1" strike="noStrike">
+                <a:solidFill>
+                  <a:srgbClr val="000000"/>
+                </a:solidFill>
+                <a:latin typeface="Arial"/>
+              </a:rPr>
+              <a:t>Spacer counts across strains can be calculated and visualized in histograms</a:t>
+            </a:r>
+            <a:endParaRPr b="0" lang="en-US" sz="2000" spc="-1" strike="noStrike">
+              <a:solidFill>
+                <a:srgbClr val="000000"/>
+              </a:solidFill>
+              <a:latin typeface="Arial"/>
+            </a:endParaRPr>
+          </a:p>
+          <a:p>
+            <a:pPr marL="216000" indent="-216000">
+              <a:buNone/>
+            </a:pPr>
+            <a:r>
+              <a:rPr b="0" lang="en-US" sz="2000" spc="-1" strike="noStrike">
+                <a:solidFill>
+                  <a:srgbClr val="000000"/>
+                </a:solidFill>
+                <a:latin typeface="Arial"/>
+              </a:rPr>
+              <a:t>Users can inspect details of the plots using commands in the menu.</a:t>
+            </a:r>
+            <a:endParaRPr b="0" lang="en-US" sz="2000" spc="-1" strike="noStrike">
+              <a:solidFill>
+                <a:srgbClr val="000000"/>
+              </a:solidFill>
+              <a:latin typeface="Arial"/>
+            </a:endParaRPr>
+          </a:p>
+        </p:txBody>
+      </p:sp>
+    </p:spTree>
+  </p:cSld>
+</p:notes>
+</file>
+
+<file path=ppt/notesSlides/notesSlide4.xml><?xml version="1.0" encoding="utf-8"?>
+<p:notes xmlns:a="http://schemas.openxmlformats.org/drawingml/2006/main" xmlns:p="http://schemas.openxmlformats.org/presentationml/2006/main" xmlns:r="http://schemas.openxmlformats.org/officeDocument/2006/relationships" xmlns:p14="http://schemas.microsoft.com/office/powerpoint/2010/main" xmlns:p15="http://schemas.microsoft.com/office/powerpoint/2012/main" xmlns:mc="http://schemas.openxmlformats.org/markup-compatibility/2006">
+  <p:cSld>
+    <p:spTree>
+      <p:nvGrpSpPr>
+        <p:cNvPr id="1" name=""/>
+        <p:cNvGrpSpPr/>
+        <p:nvPr/>
+      </p:nvGrpSpPr>
+      <p:grpSpPr>
+        <a:xfrm>
+          <a:off x="0" y="0"/>
+          <a:ext cx="0" cy="0"/>
+          <a:chOff x="0" y="0"/>
+          <a:chExt cx="0" cy="0"/>
+        </a:xfrm>
+      </p:grpSpPr>
+      <p:sp>
+        <p:nvSpPr>
+          <p:cNvPr id="51" name="PlaceHolder 1"/>
+          <p:cNvSpPr>
+            <a:spLocks noGrp="1"/>
+          </p:cNvSpPr>
+          <p:nvPr>
+            <p:ph type="sldImg"/>
+          </p:nvPr>
+        </p:nvSpPr>
+        <p:spPr>
+          <a:xfrm>
+            <a:off x="533520" y="764280"/>
+            <a:ext cx="6704640" cy="3771360"/>
+          </a:xfrm>
+          <a:prstGeom prst="rect">
+            <a:avLst/>
+          </a:prstGeom>
+          <a:ln w="0">
+            <a:noFill/>
+          </a:ln>
+        </p:spPr>
+      </p:sp>
+      <p:sp>
+        <p:nvSpPr>
+          <p:cNvPr id="52" name="PlaceHolder 2"/>
+          <p:cNvSpPr>
+            <a:spLocks noGrp="1"/>
+          </p:cNvSpPr>
+          <p:nvPr>
+            <p:ph type="body"/>
+          </p:nvPr>
+        </p:nvSpPr>
+        <p:spPr>
+          <a:xfrm>
+            <a:off x="777240" y="4777560"/>
+            <a:ext cx="6217560" cy="4525920"/>
+          </a:xfrm>
+          <a:prstGeom prst="rect">
+            <a:avLst/>
+          </a:prstGeom>
+          <a:noFill/>
+          <a:ln w="0">
+            <a:noFill/>
+          </a:ln>
+        </p:spPr>
+        <p:txBody>
+          <a:bodyPr lIns="0" rIns="0" tIns="0" bIns="0" anchor="t">
+            <a:noAutofit/>
+          </a:bodyPr>
+          <a:p>
+            <a:pPr marL="216000" indent="-216000">
+              <a:buNone/>
+            </a:pPr>
+            <a:r>
+              <a:rPr b="0" lang="en-US" sz="2000" spc="-1" strike="noStrike">
+                <a:solidFill>
+                  <a:srgbClr val="000000"/>
+                </a:solidFill>
+                <a:latin typeface="Arial"/>
+              </a:rPr>
+              <a:t>Cas9: type of CRISPR-associated protein</a:t>
+            </a:r>
+            <a:endParaRPr b="0" lang="en-US" sz="2000" spc="-1" strike="noStrike">
+              <a:solidFill>
+                <a:srgbClr val="000000"/>
+              </a:solidFill>
+              <a:latin typeface="Arial"/>
+            </a:endParaRPr>
+          </a:p>
+          <a:p>
+            <a:pPr marL="216000" indent="-216000">
+              <a:buNone/>
+            </a:pPr>
+            <a:r>
+              <a:rPr b="0" lang="en-US" sz="2000" spc="-1" strike="noStrike">
+                <a:solidFill>
+                  <a:srgbClr val="000000"/>
+                </a:solidFill>
+                <a:latin typeface="Arial"/>
+              </a:rPr>
+              <a:t>Acts as a molecular scissor, capable of cutting DNA at a specific location</a:t>
+            </a:r>
+            <a:endParaRPr b="0" lang="en-US" sz="2000" spc="-1" strike="noStrike">
+              <a:solidFill>
+                <a:srgbClr val="000000"/>
+              </a:solidFill>
+              <a:latin typeface="Arial"/>
+            </a:endParaRPr>
+          </a:p>
+          <a:p>
+            <a:pPr marL="216000" indent="-216000">
+              <a:buNone/>
+            </a:pPr>
+            <a:r>
+              <a:rPr b="0" lang="en-US" sz="2000" spc="-1" strike="noStrike">
+                <a:solidFill>
+                  <a:srgbClr val="000000"/>
+                </a:solidFill>
+                <a:latin typeface="Arial"/>
+              </a:rPr>
+              <a:t>Adapted as a genome editing tool</a:t>
+            </a:r>
+            <a:endParaRPr b="0" lang="en-US" sz="2000" spc="-1" strike="noStrike">
+              <a:solidFill>
+                <a:srgbClr val="000000"/>
+              </a:solidFill>
+              <a:latin typeface="Arial"/>
+            </a:endParaRPr>
+          </a:p>
+          <a:p>
+            <a:pPr marL="216000" indent="-216000">
+              <a:buNone/>
+            </a:pPr>
+            <a:r>
+              <a:rPr b="0" lang="en-US" sz="2000" spc="-1" strike="noStrike">
+                <a:solidFill>
+                  <a:srgbClr val="000000"/>
+                </a:solidFill>
+                <a:latin typeface="Arial"/>
+              </a:rPr>
+              <a:t>Can be programmed with a small RNA molecule to guide it to the specific DNA sequence, where it cuts the DNA</a:t>
+            </a:r>
+            <a:endParaRPr b="0" lang="en-US" sz="2000" spc="-1" strike="noStrike">
+              <a:solidFill>
+                <a:srgbClr val="000000"/>
+              </a:solidFill>
+              <a:latin typeface="Arial"/>
+            </a:endParaRPr>
+          </a:p>
+          <a:p>
+            <a:pPr marL="216000" indent="-216000">
+              <a:buNone/>
+            </a:pPr>
+            <a:endParaRPr b="0" lang="en-US" sz="2000" spc="-1" strike="noStrike">
+              <a:solidFill>
+                <a:srgbClr val="000000"/>
+              </a:solidFill>
+              <a:latin typeface="Arial"/>
+            </a:endParaRPr>
+          </a:p>
+        </p:txBody>
+      </p:sp>
+    </p:spTree>
+  </p:cSld>
+</p:notes>
+</file>
+
+<file path=ppt/notesSlides/notesSlide5.xml><?xml version="1.0" encoding="utf-8"?>
+<p:notes xmlns:a="http://schemas.openxmlformats.org/drawingml/2006/main" xmlns:p="http://schemas.openxmlformats.org/presentationml/2006/main" xmlns:r="http://schemas.openxmlformats.org/officeDocument/2006/relationships" xmlns:p14="http://schemas.microsoft.com/office/powerpoint/2010/main" xmlns:p15="http://schemas.microsoft.com/office/powerpoint/2012/main" xmlns:mc="http://schemas.openxmlformats.org/markup-compatibility/2006">
+  <p:cSld>
+    <p:spTree>
+      <p:nvGrpSpPr>
+        <p:cNvPr id="1" name=""/>
+        <p:cNvGrpSpPr/>
+        <p:nvPr/>
+      </p:nvGrpSpPr>
+      <p:grpSpPr>
+        <a:xfrm>
+          <a:off x="0" y="0"/>
+          <a:ext cx="0" cy="0"/>
+          <a:chOff x="0" y="0"/>
+          <a:chExt cx="0" cy="0"/>
+        </a:xfrm>
+      </p:grpSpPr>
+      <p:sp>
+        <p:nvSpPr>
+          <p:cNvPr id="53" name="PlaceHolder 1"/>
+          <p:cNvSpPr>
+            <a:spLocks noGrp="1"/>
+          </p:cNvSpPr>
+          <p:nvPr>
+            <p:ph type="sldImg"/>
+          </p:nvPr>
+        </p:nvSpPr>
+        <p:spPr>
+          <a:xfrm>
+            <a:off x="533520" y="764280"/>
+            <a:ext cx="6704640" cy="3771360"/>
+          </a:xfrm>
+          <a:prstGeom prst="rect">
+            <a:avLst/>
+          </a:prstGeom>
+          <a:ln w="0">
+            <a:noFill/>
+          </a:ln>
+        </p:spPr>
+      </p:sp>
+      <p:sp>
+        <p:nvSpPr>
+          <p:cNvPr id="54" name="PlaceHolder 2"/>
+          <p:cNvSpPr>
+            <a:spLocks noGrp="1"/>
+          </p:cNvSpPr>
+          <p:nvPr>
+            <p:ph type="body"/>
+          </p:nvPr>
+        </p:nvSpPr>
+        <p:spPr>
+          <a:xfrm>
+            <a:off x="777240" y="4777560"/>
+            <a:ext cx="6217560" cy="4525920"/>
+          </a:xfrm>
+          <a:prstGeom prst="rect">
+            <a:avLst/>
+          </a:prstGeom>
+          <a:noFill/>
+          <a:ln w="0">
+            <a:noFill/>
+          </a:ln>
+        </p:spPr>
+        <p:txBody>
+          <a:bodyPr lIns="0" rIns="0" tIns="0" bIns="0" anchor="t">
+            <a:noAutofit/>
+          </a:bodyPr>
+          <a:p>
+            <a:pPr marL="216000" indent="-216000">
+              <a:buNone/>
+            </a:pPr>
+            <a:r>
+              <a:rPr b="0" lang="en-US" sz="2000" spc="-1" strike="noStrike">
+                <a:solidFill>
+                  <a:srgbClr val="000000"/>
+                </a:solidFill>
+                <a:latin typeface="Arial"/>
+              </a:rPr>
+              <a:t>Tools, such as CrisprStudio, help to provide clear and intuitive visualizations of CRISPR sequences, making it easier for researchers to interpret complex genetic data. </a:t>
+            </a:r>
+            <a:endParaRPr b="0" lang="en-US" sz="2000" spc="-1" strike="noStrike">
+              <a:solidFill>
+                <a:srgbClr val="000000"/>
+              </a:solidFill>
+              <a:latin typeface="Arial"/>
+            </a:endParaRPr>
+          </a:p>
+          <a:p>
+            <a:pPr marL="216000" indent="-216000">
+              <a:buNone/>
+            </a:pPr>
+            <a:endParaRPr b="0" lang="en-US" sz="2000" spc="-1" strike="noStrike">
+              <a:solidFill>
+                <a:srgbClr val="000000"/>
+              </a:solidFill>
+              <a:latin typeface="Arial"/>
+            </a:endParaRPr>
+          </a:p>
+        </p:txBody>
+      </p:sp>
+    </p:spTree>
+  </p:cSld>
+</p:notes>
+</file>
+
+<file path=ppt/notesSlides/notesSlide7.xml><?xml version="1.0" encoding="utf-8"?>
+<p:notes xmlns:a="http://schemas.openxmlformats.org/drawingml/2006/main" xmlns:p="http://schemas.openxmlformats.org/presentationml/2006/main" xmlns:r="http://schemas.openxmlformats.org/officeDocument/2006/relationships" xmlns:p14="http://schemas.microsoft.com/office/powerpoint/2010/main" xmlns:p15="http://schemas.microsoft.com/office/powerpoint/2012/main" xmlns:mc="http://schemas.openxmlformats.org/markup-compatibility/2006">
+  <p:cSld>
+    <p:spTree>
+      <p:nvGrpSpPr>
+        <p:cNvPr id="1" name=""/>
+        <p:cNvGrpSpPr/>
+        <p:nvPr/>
+      </p:nvGrpSpPr>
+      <p:grpSpPr>
+        <a:xfrm>
+          <a:off x="0" y="0"/>
+          <a:ext cx="0" cy="0"/>
+          <a:chOff x="0" y="0"/>
+          <a:chExt cx="0" cy="0"/>
+        </a:xfrm>
+      </p:grpSpPr>
+      <p:sp>
+        <p:nvSpPr>
+          <p:cNvPr id="55" name="PlaceHolder 1"/>
+          <p:cNvSpPr>
+            <a:spLocks noGrp="1"/>
+          </p:cNvSpPr>
+          <p:nvPr>
+            <p:ph type="sldImg"/>
+          </p:nvPr>
+        </p:nvSpPr>
+        <p:spPr>
+          <a:xfrm>
+            <a:off x="533520" y="764280"/>
+            <a:ext cx="6704640" cy="3771360"/>
+          </a:xfrm>
+          <a:prstGeom prst="rect">
+            <a:avLst/>
+          </a:prstGeom>
+          <a:ln w="0">
+            <a:noFill/>
+          </a:ln>
+        </p:spPr>
+      </p:sp>
+      <p:sp>
+        <p:nvSpPr>
+          <p:cNvPr id="56" name="PlaceHolder 2"/>
+          <p:cNvSpPr>
+            <a:spLocks noGrp="1"/>
+          </p:cNvSpPr>
+          <p:nvPr>
+            <p:ph type="body"/>
+          </p:nvPr>
+        </p:nvSpPr>
+        <p:spPr>
+          <a:xfrm>
+            <a:off x="777240" y="4777560"/>
+            <a:ext cx="6217560" cy="4525920"/>
+          </a:xfrm>
+          <a:prstGeom prst="rect">
+            <a:avLst/>
+          </a:prstGeom>
+          <a:noFill/>
+          <a:ln w="0">
+            <a:noFill/>
+          </a:ln>
+        </p:spPr>
+        <p:txBody>
+          <a:bodyPr lIns="0" rIns="0" tIns="0" bIns="0" anchor="t">
+            <a:noAutofit/>
+          </a:bodyPr>
+          <a:p>
+            <a:pPr marL="216000" indent="-216000">
+              <a:buNone/>
+            </a:pPr>
+            <a:r>
+              <a:rPr b="0" lang="en-US" sz="2000" spc="-1" strike="noStrike">
+                <a:solidFill>
+                  <a:srgbClr val="000000"/>
+                </a:solidFill>
+                <a:latin typeface="Arial"/>
+              </a:rPr>
+              <a:t>Implemented pandas and numpy for data processing and computation</a:t>
+            </a:r>
+            <a:endParaRPr b="0" lang="en-US" sz="2000" spc="-1" strike="noStrike">
+              <a:solidFill>
+                <a:srgbClr val="000000"/>
+              </a:solidFill>
+              <a:latin typeface="Arial"/>
+            </a:endParaRPr>
+          </a:p>
+          <a:p>
+            <a:pPr marL="216000" indent="-216000">
+              <a:buNone/>
+            </a:pPr>
+            <a:r>
+              <a:rPr b="0" lang="en-US" sz="2000" spc="-1" strike="noStrike">
+                <a:solidFill>
+                  <a:srgbClr val="000000"/>
+                </a:solidFill>
+                <a:latin typeface="Arial"/>
+              </a:rPr>
+              <a:t>While the matplotlib and seaborn packages are used to visualize results.</a:t>
+            </a:r>
+            <a:endParaRPr b="0" lang="en-US" sz="2000" spc="-1" strike="noStrike">
+              <a:solidFill>
+                <a:srgbClr val="000000"/>
+              </a:solidFill>
+              <a:latin typeface="Arial"/>
+            </a:endParaRPr>
+          </a:p>
+        </p:txBody>
+      </p:sp>
+    </p:spTree>
+  </p:cSld>
+</p:notes>
+</file>
+
+<file path=ppt/notesSlides/notesSlide8.xml><?xml version="1.0" encoding="utf-8"?>
+<p:notes xmlns:a="http://schemas.openxmlformats.org/drawingml/2006/main" xmlns:p="http://schemas.openxmlformats.org/presentationml/2006/main" xmlns:r="http://schemas.openxmlformats.org/officeDocument/2006/relationships" xmlns:p14="http://schemas.microsoft.com/office/powerpoint/2010/main" xmlns:p15="http://schemas.microsoft.com/office/powerpoint/2012/main" xmlns:mc="http://schemas.openxmlformats.org/markup-compatibility/2006">
+  <p:cSld>
+    <p:spTree>
+      <p:nvGrpSpPr>
+        <p:cNvPr id="1" name=""/>
+        <p:cNvGrpSpPr/>
+        <p:nvPr/>
+      </p:nvGrpSpPr>
+      <p:grpSpPr>
+        <a:xfrm>
+          <a:off x="0" y="0"/>
+          <a:ext cx="0" cy="0"/>
+          <a:chOff x="0" y="0"/>
+          <a:chExt cx="0" cy="0"/>
+        </a:xfrm>
+      </p:grpSpPr>
+      <p:sp>
+        <p:nvSpPr>
+          <p:cNvPr id="57" name="PlaceHolder 1"/>
+          <p:cNvSpPr>
+            <a:spLocks noGrp="1"/>
+          </p:cNvSpPr>
+          <p:nvPr>
+            <p:ph type="sldImg"/>
+          </p:nvPr>
+        </p:nvSpPr>
+        <p:spPr>
+          <a:xfrm>
+            <a:off x="533520" y="764280"/>
+            <a:ext cx="6704640" cy="3771360"/>
+          </a:xfrm>
+          <a:prstGeom prst="rect">
+            <a:avLst/>
+          </a:prstGeom>
+          <a:ln w="0">
+            <a:noFill/>
+          </a:ln>
+        </p:spPr>
+      </p:sp>
+      <p:sp>
+        <p:nvSpPr>
+          <p:cNvPr id="58" name="PlaceHolder 2"/>
+          <p:cNvSpPr>
+            <a:spLocks noGrp="1"/>
+          </p:cNvSpPr>
+          <p:nvPr>
+            <p:ph type="body"/>
+          </p:nvPr>
+        </p:nvSpPr>
+        <p:spPr>
+          <a:xfrm>
+            <a:off x="777240" y="4777560"/>
+            <a:ext cx="6217560" cy="4525920"/>
+          </a:xfrm>
+          <a:prstGeom prst="rect">
+            <a:avLst/>
+          </a:prstGeom>
+          <a:noFill/>
+          <a:ln w="0">
+            <a:noFill/>
+          </a:ln>
+        </p:spPr>
+        <p:txBody>
+          <a:bodyPr lIns="0" rIns="0" tIns="0" bIns="0" anchor="t">
+            <a:noAutofit/>
+          </a:bodyPr>
+          <a:p>
+            <a:pPr marL="216000" indent="-216000">
+              <a:buNone/>
+            </a:pPr>
+            <a:r>
+              <a:rPr b="0" lang="en-US" sz="2000" spc="-1" strike="noStrike">
+                <a:solidFill>
+                  <a:srgbClr val="000000"/>
+                </a:solidFill>
+                <a:latin typeface="Arial"/>
+              </a:rPr>
+              <a:t>The researchers were able to successfully develop a python package with a GUI</a:t>
+            </a:r>
+            <a:endParaRPr b="0" lang="en-US" sz="2000" spc="-1" strike="noStrike">
+              <a:solidFill>
+                <a:srgbClr val="000000"/>
+              </a:solidFill>
+              <a:latin typeface="Arial"/>
+            </a:endParaRPr>
+          </a:p>
+          <a:p>
+            <a:pPr marL="216000" indent="-216000">
+              <a:buNone/>
+            </a:pPr>
+            <a:r>
+              <a:rPr b="0" lang="en-US" sz="2000" spc="-1" strike="noStrike">
+                <a:solidFill>
+                  <a:srgbClr val="000000"/>
+                </a:solidFill>
+                <a:latin typeface="Arial"/>
+              </a:rPr>
+              <a:t>CrisprVi is a flexible package that allows various CRISPR finding methods such as CRISPRCasFinder, MinCED, and others. This allows the user to use any CRISPR finding method and even use multiple methods to compare the prediciton accuracy between the tools.</a:t>
+            </a:r>
+            <a:endParaRPr b="0" lang="en-US" sz="2000" spc="-1" strike="noStrike">
+              <a:solidFill>
+                <a:srgbClr val="000000"/>
+              </a:solidFill>
+              <a:latin typeface="Arial"/>
+            </a:endParaRPr>
+          </a:p>
+        </p:txBody>
+      </p:sp>
+    </p:spTree>
+  </p:cSld>
+</p:notes>
+</file>
+
+<file path=ppt/notesSlides/notesSlide9.xml><?xml version="1.0" encoding="utf-8"?>
+<p:notes xmlns:a="http://schemas.openxmlformats.org/drawingml/2006/main" xmlns:p="http://schemas.openxmlformats.org/presentationml/2006/main" xmlns:r="http://schemas.openxmlformats.org/officeDocument/2006/relationships" xmlns:p14="http://schemas.microsoft.com/office/powerpoint/2010/main" xmlns:p15="http://schemas.microsoft.com/office/powerpoint/2012/main" xmlns:mc="http://schemas.openxmlformats.org/markup-compatibility/2006">
+  <p:cSld>
+    <p:spTree>
+      <p:nvGrpSpPr>
+        <p:cNvPr id="1" name=""/>
+        <p:cNvGrpSpPr/>
+        <p:nvPr/>
+      </p:nvGrpSpPr>
+      <p:grpSpPr>
+        <a:xfrm>
+          <a:off x="0" y="0"/>
+          <a:ext cx="0" cy="0"/>
+          <a:chOff x="0" y="0"/>
+          <a:chExt cx="0" cy="0"/>
+        </a:xfrm>
+      </p:grpSpPr>
+      <p:sp>
+        <p:nvSpPr>
+          <p:cNvPr id="59" name="PlaceHolder 1"/>
+          <p:cNvSpPr>
+            <a:spLocks noGrp="1"/>
+          </p:cNvSpPr>
+          <p:nvPr>
+            <p:ph type="sldImg"/>
+          </p:nvPr>
+        </p:nvSpPr>
+        <p:spPr>
+          <a:xfrm>
+            <a:off x="533520" y="764280"/>
+            <a:ext cx="6704640" cy="3771360"/>
+          </a:xfrm>
+          <a:prstGeom prst="rect">
+            <a:avLst/>
+          </a:prstGeom>
+          <a:ln w="0">
+            <a:noFill/>
+          </a:ln>
+        </p:spPr>
+      </p:sp>
+      <p:sp>
+        <p:nvSpPr>
+          <p:cNvPr id="60" name="PlaceHolder 2"/>
+          <p:cNvSpPr>
+            <a:spLocks noGrp="1"/>
+          </p:cNvSpPr>
+          <p:nvPr>
+            <p:ph type="body"/>
+          </p:nvPr>
+        </p:nvSpPr>
+        <p:spPr>
+          <a:xfrm>
+            <a:off x="777240" y="4777560"/>
+            <a:ext cx="6217560" cy="4525920"/>
+          </a:xfrm>
+          <a:prstGeom prst="rect">
+            <a:avLst/>
+          </a:prstGeom>
+          <a:noFill/>
+          <a:ln w="0">
+            <a:noFill/>
+          </a:ln>
+        </p:spPr>
+        <p:txBody>
+          <a:bodyPr lIns="0" rIns="0" tIns="0" bIns="0" anchor="t">
+            <a:noAutofit/>
+          </a:bodyPr>
+          <a:p>
+            <a:pPr marL="216000" indent="-216000">
+              <a:buNone/>
+            </a:pPr>
+            <a:r>
+              <a:rPr b="0" lang="en-US" sz="2000" spc="-1" strike="noStrike">
+                <a:solidFill>
+                  <a:srgbClr val="000000"/>
+                </a:solidFill>
+                <a:latin typeface="Arial"/>
+              </a:rPr>
+              <a:t>User is able to change graphic color manually, sort spacer arrays by length and even highlight identical CRISPRs by red borders.</a:t>
+            </a:r>
+            <a:endParaRPr b="0" lang="en-US" sz="2000" spc="-1" strike="noStrike">
+              <a:solidFill>
+                <a:srgbClr val="000000"/>
+              </a:solidFill>
+              <a:latin typeface="Arial"/>
+            </a:endParaRPr>
+          </a:p>
+          <a:p>
+            <a:pPr marL="216000" indent="-216000">
+              <a:buNone/>
+            </a:pPr>
+            <a:r>
+              <a:rPr b="0" lang="en-US" sz="2000" spc="-1" strike="noStrike">
+                <a:solidFill>
+                  <a:srgbClr val="000000"/>
+                </a:solidFill>
+                <a:latin typeface="Arial"/>
+              </a:rPr>
+              <a:t>Visualized CRISPRs of 12 C.  Coli strains which where predicted by CRISPRCasFinder</a:t>
+            </a:r>
+            <a:endParaRPr b="0" lang="en-US" sz="2000" spc="-1" strike="noStrike">
+              <a:solidFill>
+                <a:srgbClr val="000000"/>
+              </a:solidFill>
+              <a:latin typeface="Arial"/>
+            </a:endParaRPr>
+          </a:p>
+        </p:txBody>
+      </p:sp>
+    </p:spTree>
+  </p:cSld>
+</p:notes>
 </file>
 
 <file path=ppt/slideLayouts/slideLayout1.xml><?xml version="1.0" encoding="utf-8"?>
@@ -155,7 +1255,7 @@
         <p:txBody>
           <a:bodyPr/>
           <a:p>
-            <a:fld id="{AE69E11D-C1C1-4045-8630-0D50561F5005}" type="slidenum">
+            <a:fld id="{696B8E62-67CD-4C7E-9514-30AC6BEB04CB}" type="slidenum">
               <a:t>&lt;#&gt;</a:t>
             </a:fld>
           </a:p>
@@ -318,7 +1418,7 @@
         <p:txBody>
           <a:bodyPr/>
           <a:p>
-            <a:fld id="{F7D04B98-471B-490F-8A71-C43E074956E6}" type="slidenum">
+            <a:fld id="{408DE69C-73C5-470D-B692-E5AE26430EAC}" type="slidenum">
               <a:t>&lt;#&gt;</a:t>
             </a:fld>
           </a:p>
@@ -803,7 +1903,7 @@
             <a:pPr indent="0" algn="r">
               <a:buNone/>
             </a:pPr>
-            <a:fld id="{C8FD2EAA-C413-481F-A52B-1CF4E1149656}" type="slidenum">
+            <a:fld id="{F298B2BF-2D49-45B2-BDF0-2E1456112B10}" type="slidenum">
               <a:rPr b="0" lang="en-US" sz="1400" spc="-1" strike="noStrike">
                 <a:solidFill>
                   <a:srgbClr val="000000"/>
@@ -850,7 +1950,7 @@
       </p:grpSpPr>
       <p:sp>
         <p:nvSpPr>
-          <p:cNvPr id="9" name="PlaceHolder 1"/>
+          <p:cNvPr id="15" name="PlaceHolder 1"/>
           <p:cNvSpPr>
             <a:spLocks noGrp="1"/>
           </p:cNvSpPr>
@@ -929,7 +2029,7 @@
       </p:grpSpPr>
       <p:sp>
         <p:nvSpPr>
-          <p:cNvPr id="32" name="PlaceHolder 1"/>
+          <p:cNvPr id="41" name="PlaceHolder 1"/>
           <p:cNvSpPr>
             <a:spLocks noGrp="1"/>
           </p:cNvSpPr>
@@ -939,8 +2039,8 @@
         </p:nvSpPr>
         <p:spPr>
           <a:xfrm>
-            <a:off x="504000" y="226080"/>
-            <a:ext cx="9071640" cy="946440"/>
+            <a:off x="0" y="-238320"/>
+            <a:ext cx="10744200" cy="1875240"/>
           </a:xfrm>
           <a:prstGeom prst="rect">
             <a:avLst/>
@@ -956,6 +2056,9 @@
           </a:bodyPr>
           <a:p>
             <a:pPr indent="0" algn="ctr">
+              <a:spcBef>
+                <a:spcPts val="1417"/>
+              </a:spcBef>
               <a:buNone/>
             </a:pPr>
             <a:r>
@@ -965,6 +2068,843 @@
                 </a:solidFill>
                 <a:latin typeface="Arial"/>
               </a:rPr>
+              <a:t>Perform statistical analysis of the DRs/spacers on selected strains </a:t>
+            </a:r>
+            <a:endParaRPr b="0" lang="en-US" sz="4400" spc="-1" strike="noStrike">
+              <a:solidFill>
+                <a:srgbClr val="000000"/>
+              </a:solidFill>
+              <a:latin typeface="Arial"/>
+            </a:endParaRPr>
+          </a:p>
+        </p:txBody>
+      </p:sp>
+      <p:pic>
+        <p:nvPicPr>
+          <p:cNvPr id="42" name="" descr=""/>
+          <p:cNvPicPr/>
+          <p:nvPr/>
+        </p:nvPicPr>
+        <p:blipFill>
+          <a:blip r:embed="rId1"/>
+          <a:stretch/>
+        </p:blipFill>
+        <p:spPr>
+          <a:xfrm>
+            <a:off x="685800" y="1640160"/>
+            <a:ext cx="6172200" cy="3846240"/>
+          </a:xfrm>
+          <a:prstGeom prst="rect">
+            <a:avLst/>
+          </a:prstGeom>
+          <a:ln w="0">
+            <a:noFill/>
+          </a:ln>
+        </p:spPr>
+      </p:pic>
+      <p:pic>
+        <p:nvPicPr>
+          <p:cNvPr id="43" name="" descr=""/>
+          <p:cNvPicPr/>
+          <p:nvPr/>
+        </p:nvPicPr>
+        <p:blipFill>
+          <a:blip r:embed="rId2"/>
+          <a:stretch/>
+        </p:blipFill>
+        <p:spPr>
+          <a:xfrm>
+            <a:off x="914400" y="1640160"/>
+            <a:ext cx="6008760" cy="3892320"/>
+          </a:xfrm>
+          <a:prstGeom prst="rect">
+            <a:avLst/>
+          </a:prstGeom>
+          <a:ln w="0">
+            <a:noFill/>
+          </a:ln>
+        </p:spPr>
+      </p:pic>
+      <p:pic>
+        <p:nvPicPr>
+          <p:cNvPr id="44" name="" descr=""/>
+          <p:cNvPicPr/>
+          <p:nvPr/>
+        </p:nvPicPr>
+        <p:blipFill>
+          <a:blip r:embed="rId3"/>
+          <a:stretch/>
+        </p:blipFill>
+        <p:spPr>
+          <a:xfrm>
+            <a:off x="771480" y="1454400"/>
+            <a:ext cx="5857920" cy="4078080"/>
+          </a:xfrm>
+          <a:prstGeom prst="rect">
+            <a:avLst/>
+          </a:prstGeom>
+          <a:ln w="0">
+            <a:noFill/>
+          </a:ln>
+        </p:spPr>
+      </p:pic>
+    </p:spTree>
+  </p:cSld>
+  <mc:AlternateContent>
+    <mc:Choice Requires="p14">
+      <p:transition spd="slow" p14:dur="2000"/>
+    </mc:Choice>
+    <mc:Fallback>
+      <p:transition spd="slow"/>
+    </mc:Fallback>
+  </mc:AlternateContent>
+  <p:timing>
+    <p:tnLst>
+      <p:par>
+        <p:cTn id="7" dur="indefinite" restart="never" nodeType="tmRoot">
+          <p:childTnLst>
+            <p:seq>
+              <p:cTn id="8" dur="indefinite" nodeType="mainSeq">
+                <p:childTnLst>
+                  <p:par>
+                    <p:cTn id="9" fill="hold">
+                      <p:stCondLst>
+                        <p:cond delay="indefinite"/>
+                      </p:stCondLst>
+                      <p:childTnLst>
+                        <p:par>
+                          <p:cTn id="10" fill="hold">
+                            <p:stCondLst>
+                              <p:cond delay="0"/>
+                            </p:stCondLst>
+                            <p:childTnLst>
+                              <p:par>
+                                <p:cTn id="11" nodeType="clickEffect" fill="hold" presetClass="entr" presetID="1">
+                                  <p:stCondLst>
+                                    <p:cond delay="0"/>
+                                  </p:stCondLst>
+                                  <p:childTnLst>
+                                    <p:set>
+                                      <p:cBhvr>
+                                        <p:cTn id="12" dur="1" fill="hold">
+                                          <p:stCondLst>
+                                            <p:cond delay="0"/>
+                                          </p:stCondLst>
+                                        </p:cTn>
+                                        <p:tgtEl>
+                                          <p:spTgt spid="43"/>
+                                        </p:tgtEl>
+                                        <p:attrNameLst>
+                                          <p:attrName>style.visibility</p:attrName>
+                                        </p:attrNameLst>
+                                      </p:cBhvr>
+                                      <p:to>
+                                        <p:strVal val="visible"/>
+                                      </p:to>
+                                    </p:set>
+                                  </p:childTnLst>
+                                </p:cTn>
+                              </p:par>
+                            </p:childTnLst>
+                          </p:cTn>
+                        </p:par>
+                      </p:childTnLst>
+                    </p:cTn>
+                  </p:par>
+                  <p:par>
+                    <p:cTn id="13" fill="hold">
+                      <p:stCondLst>
+                        <p:cond delay="indefinite"/>
+                      </p:stCondLst>
+                      <p:childTnLst>
+                        <p:par>
+                          <p:cTn id="14" fill="hold">
+                            <p:stCondLst>
+                              <p:cond delay="0"/>
+                            </p:stCondLst>
+                            <p:childTnLst>
+                              <p:par>
+                                <p:cTn id="15" nodeType="clickEffect" fill="hold" presetClass="entr" presetID="1">
+                                  <p:stCondLst>
+                                    <p:cond delay="0"/>
+                                  </p:stCondLst>
+                                  <p:childTnLst>
+                                    <p:set>
+                                      <p:cBhvr>
+                                        <p:cTn id="16" dur="1" fill="hold">
+                                          <p:stCondLst>
+                                            <p:cond delay="0"/>
+                                          </p:stCondLst>
+                                        </p:cTn>
+                                        <p:tgtEl>
+                                          <p:spTgt spid="44"/>
+                                        </p:tgtEl>
+                                        <p:attrNameLst>
+                                          <p:attrName>style.visibility</p:attrName>
+                                        </p:attrNameLst>
+                                      </p:cBhvr>
+                                      <p:to>
+                                        <p:strVal val="visible"/>
+                                      </p:to>
+                                    </p:set>
+                                  </p:childTnLst>
+                                </p:cTn>
+                              </p:par>
+                            </p:childTnLst>
+                          </p:cTn>
+                        </p:par>
+                      </p:childTnLst>
+                    </p:cTn>
+                  </p:par>
+                </p:childTnLst>
+              </p:cTn>
+              <p:prevCondLst>
+                <p:cond evt="onPrev">
+                  <p:tgtEl>
+                    <p:sldTgt/>
+                  </p:tgtEl>
+                </p:cond>
+              </p:prevCondLst>
+              <p:nextCondLst>
+                <p:cond evt="onNext">
+                  <p:tgtEl>
+                    <p:sldTgt/>
+                  </p:tgtEl>
+                </p:cond>
+              </p:nextCondLst>
+            </p:seq>
+          </p:childTnLst>
+        </p:cTn>
+      </p:par>
+    </p:tnLst>
+  </p:timing>
+</p:sld>
+</file>
+
+<file path=ppt/slides/slide11.xml><?xml version="1.0" encoding="utf-8"?>
+<p:sld xmlns:a="http://schemas.openxmlformats.org/drawingml/2006/main" xmlns:p="http://schemas.openxmlformats.org/presentationml/2006/main" xmlns:r="http://schemas.openxmlformats.org/officeDocument/2006/relationships" xmlns:p14="http://schemas.microsoft.com/office/powerpoint/2010/main" xmlns:p15="http://schemas.microsoft.com/office/powerpoint/2012/main" xmlns:mc="http://schemas.openxmlformats.org/markup-compatibility/2006">
+  <p:cSld>
+    <p:spTree>
+      <p:nvGrpSpPr>
+        <p:cNvPr id="1" name=""/>
+        <p:cNvGrpSpPr/>
+        <p:nvPr/>
+      </p:nvGrpSpPr>
+      <p:grpSpPr>
+        <a:xfrm>
+          <a:off x="0" y="0"/>
+          <a:ext cx="0" cy="0"/>
+          <a:chOff x="0" y="0"/>
+          <a:chExt cx="0" cy="0"/>
+        </a:xfrm>
+      </p:grpSpPr>
+      <p:sp>
+        <p:nvSpPr>
+          <p:cNvPr id="45" name="PlaceHolder 1"/>
+          <p:cNvSpPr>
+            <a:spLocks noGrp="1"/>
+          </p:cNvSpPr>
+          <p:nvPr>
+            <p:ph type="title"/>
+          </p:nvPr>
+        </p:nvSpPr>
+        <p:spPr>
+          <a:xfrm>
+            <a:off x="504000" y="226080"/>
+            <a:ext cx="9071640" cy="946440"/>
+          </a:xfrm>
+          <a:prstGeom prst="rect">
+            <a:avLst/>
+          </a:prstGeom>
+          <a:noFill/>
+          <a:ln w="0">
+            <a:noFill/>
+          </a:ln>
+        </p:spPr>
+        <p:txBody>
+          <a:bodyPr lIns="0" rIns="0" tIns="0" bIns="0" anchor="ctr">
+            <a:noAutofit/>
+          </a:bodyPr>
+          <a:p>
+            <a:pPr indent="0" algn="ctr">
+              <a:buNone/>
+            </a:pPr>
+            <a:r>
+              <a:rPr b="0" lang="en-US" sz="4400" spc="-1" strike="noStrike">
+                <a:solidFill>
+                  <a:srgbClr val="000000"/>
+                </a:solidFill>
+                <a:latin typeface="Arial"/>
+              </a:rPr>
+              <a:t>My Thoughts</a:t>
+            </a:r>
+            <a:endParaRPr b="0" lang="en-US" sz="4400" spc="-1" strike="noStrike">
+              <a:solidFill>
+                <a:srgbClr val="000000"/>
+              </a:solidFill>
+              <a:latin typeface="Arial"/>
+            </a:endParaRPr>
+          </a:p>
+        </p:txBody>
+      </p:sp>
+      <p:sp>
+        <p:nvSpPr>
+          <p:cNvPr id="46" name="PlaceHolder 2"/>
+          <p:cNvSpPr>
+            <a:spLocks noGrp="1"/>
+          </p:cNvSpPr>
+          <p:nvPr>
+            <p:ph/>
+          </p:nvPr>
+        </p:nvSpPr>
+        <p:spPr>
+          <a:xfrm>
+            <a:off x="504000" y="1326600"/>
+            <a:ext cx="9071640" cy="3288240"/>
+          </a:xfrm>
+          <a:prstGeom prst="rect">
+            <a:avLst/>
+          </a:prstGeom>
+          <a:noFill/>
+          <a:ln w="0">
+            <a:noFill/>
+          </a:ln>
+        </p:spPr>
+        <p:txBody>
+          <a:bodyPr lIns="0" rIns="0" tIns="0" bIns="0" anchor="t">
+            <a:normAutofit/>
+          </a:bodyPr>
+          <a:p>
+            <a:pPr marL="432000" indent="-324000">
+              <a:spcBef>
+                <a:spcPts val="1417"/>
+              </a:spcBef>
+              <a:buClr>
+                <a:srgbClr val="000000"/>
+              </a:buClr>
+              <a:buSzPct val="45000"/>
+              <a:buFont typeface="Wingdings" charset="2"/>
+              <a:buChar char=""/>
+            </a:pPr>
+            <a:r>
+              <a:rPr b="0" lang="en-US" sz="3200" spc="-1" strike="noStrike">
+                <a:solidFill>
+                  <a:srgbClr val="000000"/>
+                </a:solidFill>
+                <a:latin typeface="Arial"/>
+              </a:rPr>
+              <a:t>Address a gap in bioinformatics tools</a:t>
+            </a:r>
+            <a:endParaRPr b="0" lang="en-US" sz="3200" spc="-1" strike="noStrike">
+              <a:solidFill>
+                <a:srgbClr val="000000"/>
+              </a:solidFill>
+              <a:latin typeface="Arial"/>
+            </a:endParaRPr>
+          </a:p>
+          <a:p>
+            <a:pPr marL="432000" indent="-324000">
+              <a:spcBef>
+                <a:spcPts val="1417"/>
+              </a:spcBef>
+              <a:buClr>
+                <a:srgbClr val="000000"/>
+              </a:buClr>
+              <a:buSzPct val="45000"/>
+              <a:buFont typeface="Wingdings" charset="2"/>
+              <a:buChar char=""/>
+            </a:pPr>
+            <a:r>
+              <a:rPr b="0" lang="en-US" sz="3200" spc="-1" strike="noStrike">
+                <a:solidFill>
+                  <a:srgbClr val="000000"/>
+                </a:solidFill>
+                <a:latin typeface="Arial"/>
+              </a:rPr>
+              <a:t>Using Python ensures it is user-friendly</a:t>
+            </a:r>
+            <a:endParaRPr b="0" lang="en-US" sz="3200" spc="-1" strike="noStrike">
+              <a:solidFill>
+                <a:srgbClr val="000000"/>
+              </a:solidFill>
+              <a:latin typeface="Arial"/>
+            </a:endParaRPr>
+          </a:p>
+          <a:p>
+            <a:pPr marL="432000" indent="-324000">
+              <a:spcBef>
+                <a:spcPts val="1417"/>
+              </a:spcBef>
+              <a:buClr>
+                <a:srgbClr val="000000"/>
+              </a:buClr>
+              <a:buSzPct val="45000"/>
+              <a:buFont typeface="Wingdings" charset="2"/>
+              <a:buChar char=""/>
+            </a:pPr>
+            <a:r>
+              <a:rPr b="0" lang="en-US" sz="3200" spc="-1" strike="noStrike">
+                <a:solidFill>
+                  <a:srgbClr val="000000"/>
+                </a:solidFill>
+                <a:latin typeface="Arial"/>
+              </a:rPr>
+              <a:t>Contributes to advancements in genetic research and </a:t>
+            </a:r>
+            <a:r>
+              <a:rPr b="0" lang="en-US" sz="3200" spc="-1" strike="noStrike">
+                <a:solidFill>
+                  <a:srgbClr val="000000"/>
+                </a:solidFill>
+                <a:latin typeface="Arial"/>
+              </a:rPr>
+              <a:t>biotechnology</a:t>
+            </a:r>
+            <a:endParaRPr b="0" lang="en-US" sz="3200" spc="-1" strike="noStrike">
+              <a:solidFill>
+                <a:srgbClr val="000000"/>
+              </a:solidFill>
+              <a:latin typeface="Arial"/>
+            </a:endParaRPr>
+          </a:p>
+        </p:txBody>
+      </p:sp>
+    </p:spTree>
+  </p:cSld>
+  <mc:AlternateContent>
+    <mc:Choice Requires="p14">
+      <p:transition spd="slow" p14:dur="2000"/>
+    </mc:Choice>
+    <mc:Fallback>
+      <p:transition spd="slow"/>
+    </mc:Fallback>
+  </mc:AlternateContent>
+</p:sld>
+</file>
+
+<file path=ppt/slides/slide12.xml><?xml version="1.0" encoding="utf-8"?>
+<p:sld xmlns:a="http://schemas.openxmlformats.org/drawingml/2006/main" xmlns:p="http://schemas.openxmlformats.org/presentationml/2006/main" xmlns:r="http://schemas.openxmlformats.org/officeDocument/2006/relationships" xmlns:p14="http://schemas.microsoft.com/office/powerpoint/2010/main" xmlns:p15="http://schemas.microsoft.com/office/powerpoint/2012/main" xmlns:mc="http://schemas.openxmlformats.org/markup-compatibility/2006">
+  <p:cSld>
+    <p:spTree>
+      <p:nvGrpSpPr>
+        <p:cNvPr id="1" name=""/>
+        <p:cNvGrpSpPr/>
+        <p:nvPr/>
+      </p:nvGrpSpPr>
+      <p:grpSpPr>
+        <a:xfrm>
+          <a:off x="0" y="0"/>
+          <a:ext cx="0" cy="0"/>
+          <a:chOff x="0" y="0"/>
+          <a:chExt cx="0" cy="0"/>
+        </a:xfrm>
+      </p:grpSpPr>
+      <p:sp>
+        <p:nvSpPr>
+          <p:cNvPr id="47" name="PlaceHolder 1"/>
+          <p:cNvSpPr>
+            <a:spLocks noGrp="1"/>
+          </p:cNvSpPr>
+          <p:nvPr>
+            <p:ph type="title"/>
+          </p:nvPr>
+        </p:nvSpPr>
+        <p:spPr>
+          <a:xfrm>
+            <a:off x="504000" y="226080"/>
+            <a:ext cx="9071640" cy="946440"/>
+          </a:xfrm>
+          <a:prstGeom prst="rect">
+            <a:avLst/>
+          </a:prstGeom>
+          <a:noFill/>
+          <a:ln w="0">
+            <a:noFill/>
+          </a:ln>
+        </p:spPr>
+        <p:txBody>
+          <a:bodyPr lIns="0" rIns="0" tIns="0" bIns="0" anchor="ctr">
+            <a:noAutofit/>
+          </a:bodyPr>
+          <a:p>
+            <a:pPr indent="0" algn="ctr">
+              <a:buNone/>
+            </a:pPr>
+            <a:r>
+              <a:rPr b="0" lang="en-US" sz="4400" spc="-1" strike="noStrike">
+                <a:solidFill>
+                  <a:srgbClr val="000000"/>
+                </a:solidFill>
+                <a:latin typeface="Arial"/>
+              </a:rPr>
+              <a:t>References</a:t>
+            </a:r>
+            <a:endParaRPr b="0" lang="en-US" sz="4400" spc="-1" strike="noStrike">
+              <a:solidFill>
+                <a:srgbClr val="000000"/>
+              </a:solidFill>
+              <a:latin typeface="Arial"/>
+            </a:endParaRPr>
+          </a:p>
+        </p:txBody>
+      </p:sp>
+      <p:sp>
+        <p:nvSpPr>
+          <p:cNvPr id="48" name="PlaceHolder 2"/>
+          <p:cNvSpPr>
+            <a:spLocks noGrp="1"/>
+          </p:cNvSpPr>
+          <p:nvPr>
+            <p:ph/>
+          </p:nvPr>
+        </p:nvSpPr>
+        <p:spPr>
+          <a:xfrm>
+            <a:off x="504000" y="1326600"/>
+            <a:ext cx="9071640" cy="3288240"/>
+          </a:xfrm>
+          <a:prstGeom prst="rect">
+            <a:avLst/>
+          </a:prstGeom>
+          <a:noFill/>
+          <a:ln w="0">
+            <a:noFill/>
+          </a:ln>
+        </p:spPr>
+        <p:txBody>
+          <a:bodyPr lIns="0" rIns="0" tIns="0" bIns="0" anchor="t">
+            <a:normAutofit/>
+          </a:bodyPr>
+          <a:p>
+            <a:pPr marL="432000" indent="-324000">
+              <a:spcBef>
+                <a:spcPts val="1417"/>
+              </a:spcBef>
+              <a:buClr>
+                <a:srgbClr val="000000"/>
+              </a:buClr>
+              <a:buSzPct val="45000"/>
+              <a:buFont typeface="Wingdings" charset="2"/>
+              <a:buChar char=""/>
+            </a:pPr>
+            <a:r>
+              <a:rPr b="0" lang="en-US" sz="900" spc="-1" strike="noStrike">
+                <a:solidFill>
+                  <a:srgbClr val="000000"/>
+                </a:solidFill>
+                <a:latin typeface="Arial"/>
+              </a:rPr>
+              <a:t>Biopython. (n.d.). Biopython logo. Retrieved from https://biopython.org/wiki/logo</a:t>
+            </a:r>
+            <a:endParaRPr b="0" lang="en-US" sz="900" spc="-1" strike="noStrike">
+              <a:solidFill>
+                <a:srgbClr val="000000"/>
+              </a:solidFill>
+              <a:latin typeface="Arial"/>
+            </a:endParaRPr>
+          </a:p>
+          <a:p>
+            <a:pPr marL="432000" indent="-324000">
+              <a:spcBef>
+                <a:spcPts val="1417"/>
+              </a:spcBef>
+              <a:buClr>
+                <a:srgbClr val="000000"/>
+              </a:buClr>
+              <a:buSzPct val="45000"/>
+              <a:buFont typeface="Wingdings" charset="2"/>
+              <a:buChar char=""/>
+            </a:pPr>
+            <a:r>
+              <a:rPr b="0" lang="en-US" sz="900" spc="-1" strike="noStrike">
+                <a:solidFill>
+                  <a:srgbClr val="000000"/>
+                </a:solidFill>
+                <a:latin typeface="Arial"/>
+              </a:rPr>
+              <a:t>Jia, B., Zhang, X., Jiang, Q., Wang, Z., Zhang, Y., Hu, Y., &amp; Wang, Y. (2022). CrisprVi: a software for visulaizing and analyzing CRISPR sequences of </a:t>
+            </a:r>
+            <a:r>
+              <a:rPr b="0" lang="en-US" sz="900" spc="-1" strike="noStrike">
+                <a:solidFill>
+                  <a:srgbClr val="000000"/>
+                </a:solidFill>
+                <a:latin typeface="Arial"/>
+              </a:rPr>
+              <a:t>prokaryotes. </a:t>
+            </a:r>
+            <a:r>
+              <a:rPr b="0" i="1" lang="en-US" sz="900" spc="-1" strike="noStrike">
+                <a:solidFill>
+                  <a:srgbClr val="000000"/>
+                </a:solidFill>
+                <a:latin typeface="Arial"/>
+              </a:rPr>
+              <a:t>BMC Bioinformatics</a:t>
+            </a:r>
+            <a:r>
+              <a:rPr b="0" lang="en-US" sz="900" spc="-1" strike="noStrike">
+                <a:solidFill>
+                  <a:srgbClr val="000000"/>
+                </a:solidFill>
+                <a:latin typeface="Arial"/>
+              </a:rPr>
+              <a:t>, 23(1), 257. https://doi.org/10.1186/s12859-022-04716-9</a:t>
+            </a:r>
+            <a:endParaRPr b="0" lang="en-US" sz="900" spc="-1" strike="noStrike">
+              <a:solidFill>
+                <a:srgbClr val="000000"/>
+              </a:solidFill>
+              <a:latin typeface="Arial"/>
+            </a:endParaRPr>
+          </a:p>
+          <a:p>
+            <a:pPr marL="432000" indent="-324000">
+              <a:spcBef>
+                <a:spcPts val="1417"/>
+              </a:spcBef>
+              <a:buClr>
+                <a:srgbClr val="000000"/>
+              </a:buClr>
+              <a:buSzPct val="45000"/>
+              <a:buFont typeface="Wingdings" charset="2"/>
+              <a:buChar char=""/>
+            </a:pPr>
+            <a:r>
+              <a:rPr b="0" lang="en-US" sz="900" spc="-1" strike="noStrike">
+                <a:solidFill>
+                  <a:srgbClr val="000000"/>
+                </a:solidFill>
+                <a:latin typeface="Arial"/>
+              </a:rPr>
+              <a:t>Matplotlib developers. (n.d.). Matplotlib logo. Retrieved from https://matplotlib.org/stable/gallery/misc/logos2.html</a:t>
+            </a:r>
+            <a:endParaRPr b="0" lang="en-US" sz="900" spc="-1" strike="noStrike">
+              <a:solidFill>
+                <a:srgbClr val="000000"/>
+              </a:solidFill>
+              <a:latin typeface="Arial"/>
+            </a:endParaRPr>
+          </a:p>
+          <a:p>
+            <a:pPr marL="432000" indent="-324000">
+              <a:spcBef>
+                <a:spcPts val="1417"/>
+              </a:spcBef>
+              <a:buClr>
+                <a:srgbClr val="000000"/>
+              </a:buClr>
+              <a:buSzPct val="45000"/>
+              <a:buFont typeface="Wingdings" charset="2"/>
+              <a:buChar char=""/>
+            </a:pPr>
+            <a:r>
+              <a:rPr b="0" lang="en-US" sz="900" spc="-1" strike="noStrike">
+                <a:solidFill>
+                  <a:srgbClr val="000000"/>
+                </a:solidFill>
+                <a:latin typeface="Arial"/>
+              </a:rPr>
+              <a:t>NumPy developers. (n.d.). NumPy logo. Retrieved from https://github/com/numpy/numpy/tree/main/branding/logo</a:t>
+            </a:r>
+            <a:endParaRPr b="0" lang="en-US" sz="900" spc="-1" strike="noStrike">
+              <a:solidFill>
+                <a:srgbClr val="000000"/>
+              </a:solidFill>
+              <a:latin typeface="Arial"/>
+            </a:endParaRPr>
+          </a:p>
+          <a:p>
+            <a:pPr marL="432000" indent="-324000">
+              <a:spcBef>
+                <a:spcPts val="1417"/>
+              </a:spcBef>
+              <a:buClr>
+                <a:srgbClr val="000000"/>
+              </a:buClr>
+              <a:buSzPct val="45000"/>
+              <a:buFont typeface="Wingdings" charset="2"/>
+              <a:buChar char=""/>
+            </a:pPr>
+            <a:r>
+              <a:rPr b="0" lang="en-US" sz="900" spc="-1" strike="noStrike">
+                <a:solidFill>
+                  <a:srgbClr val="000000"/>
+                </a:solidFill>
+                <a:latin typeface="Arial"/>
+              </a:rPr>
+              <a:t>pandas development team. (n.d.). Pandas logo. Retrieved from https://pandas.pydata.org/about/citing.html</a:t>
+            </a:r>
+            <a:endParaRPr b="0" lang="en-US" sz="900" spc="-1" strike="noStrike">
+              <a:solidFill>
+                <a:srgbClr val="000000"/>
+              </a:solidFill>
+              <a:latin typeface="Arial"/>
+            </a:endParaRPr>
+          </a:p>
+          <a:p>
+            <a:pPr marL="432000" indent="-324000">
+              <a:spcBef>
+                <a:spcPts val="1417"/>
+              </a:spcBef>
+              <a:buClr>
+                <a:srgbClr val="000000"/>
+              </a:buClr>
+              <a:buSzPct val="45000"/>
+              <a:buFont typeface="Wingdings" charset="2"/>
+              <a:buChar char=""/>
+            </a:pPr>
+            <a:r>
+              <a:rPr b="0" lang="en-US" sz="900" spc="-1" strike="noStrike">
+                <a:solidFill>
+                  <a:srgbClr val="000000"/>
+                </a:solidFill>
+                <a:latin typeface="Arial"/>
+              </a:rPr>
+              <a:t>Python Software Foundation. (n.d.). Python logo. Retrieved from https://www.python.org/community/logos/</a:t>
+            </a:r>
+            <a:endParaRPr b="0" lang="en-US" sz="900" spc="-1" strike="noStrike">
+              <a:solidFill>
+                <a:srgbClr val="000000"/>
+              </a:solidFill>
+              <a:latin typeface="Arial"/>
+            </a:endParaRPr>
+          </a:p>
+          <a:p>
+            <a:pPr marL="432000" indent="-324000">
+              <a:spcBef>
+                <a:spcPts val="1417"/>
+              </a:spcBef>
+              <a:buClr>
+                <a:srgbClr val="000000"/>
+              </a:buClr>
+              <a:buSzPct val="45000"/>
+              <a:buFont typeface="Wingdings" charset="2"/>
+              <a:buChar char=""/>
+            </a:pPr>
+            <a:r>
+              <a:rPr b="0" lang="en-US" sz="900" spc="-1" strike="noStrike">
+                <a:solidFill>
+                  <a:srgbClr val="000000"/>
+                </a:solidFill>
+                <a:latin typeface="Arial"/>
+              </a:rPr>
+              <a:t>Seaborn developers. (n.d.). Seaborn logo. Retrieved from https://seaborn.pydata.org/citing.html</a:t>
+            </a:r>
+            <a:endParaRPr b="0" lang="en-US" sz="900" spc="-1" strike="noStrike">
+              <a:solidFill>
+                <a:srgbClr val="000000"/>
+              </a:solidFill>
+              <a:latin typeface="Arial"/>
+            </a:endParaRPr>
+          </a:p>
+          <a:p>
+            <a:pPr marL="432000" indent="-324000">
+              <a:spcBef>
+                <a:spcPts val="1417"/>
+              </a:spcBef>
+              <a:buClr>
+                <a:srgbClr val="000000"/>
+              </a:buClr>
+              <a:buSzPct val="45000"/>
+              <a:buFont typeface="Wingdings" charset="2"/>
+              <a:buChar char=""/>
+            </a:pPr>
+            <a:r>
+              <a:rPr b="0" lang="en-US" sz="900" spc="-1" strike="noStrike">
+                <a:solidFill>
+                  <a:srgbClr val="000000"/>
+                </a:solidFill>
+                <a:latin typeface="Arial"/>
+              </a:rPr>
+              <a:t>Splettstoesser, T. (n.d.). Cas9 protein structure [Image]. Wikimedia Commons. Retrieved from </a:t>
+            </a:r>
+            <a:r>
+              <a:rPr b="0" lang="en-US" sz="900" spc="-1" strike="noStrike">
+                <a:solidFill>
+                  <a:srgbClr val="000000"/>
+                </a:solidFill>
+                <a:latin typeface="Arial"/>
+              </a:rPr>
+              <a:t>https://en.wikipedia.org/wiki/Cas9#/media/File:Cas9_5AXW.png</a:t>
+            </a:r>
+            <a:endParaRPr b="0" lang="en-US" sz="900" spc="-1" strike="noStrike">
+              <a:solidFill>
+                <a:srgbClr val="000000"/>
+              </a:solidFill>
+              <a:latin typeface="Arial"/>
+            </a:endParaRPr>
+          </a:p>
+        </p:txBody>
+      </p:sp>
+    </p:spTree>
+  </p:cSld>
+  <mc:AlternateContent>
+    <mc:Choice Requires="p14">
+      <p:transition spd="slow" p14:dur="2000"/>
+    </mc:Choice>
+    <mc:Fallback>
+      <p:transition spd="slow"/>
+    </mc:Fallback>
+  </mc:AlternateContent>
+</p:sld>
+</file>
+
+<file path=ppt/slides/slide13.xml><?xml version="1.0" encoding="utf-8"?>
+<p:sld xmlns:a="http://schemas.openxmlformats.org/drawingml/2006/main" xmlns:p="http://schemas.openxmlformats.org/presentationml/2006/main" xmlns:r="http://schemas.openxmlformats.org/officeDocument/2006/relationships" xmlns:p14="http://schemas.microsoft.com/office/powerpoint/2010/main" xmlns:p15="http://schemas.microsoft.com/office/powerpoint/2012/main" xmlns:mc="http://schemas.openxmlformats.org/markup-compatibility/2006">
+  <p:cSld>
+    <p:spTree>
+      <p:nvGrpSpPr>
+        <p:cNvPr id="1" name=""/>
+        <p:cNvGrpSpPr/>
+        <p:nvPr/>
+      </p:nvGrpSpPr>
+      <p:grpSpPr>
+        <a:xfrm>
+          <a:off x="0" y="0"/>
+          <a:ext cx="0" cy="0"/>
+          <a:chOff x="0" y="0"/>
+          <a:chExt cx="0" cy="0"/>
+        </a:xfrm>
+      </p:grpSpPr>
+      <p:sp>
+        <p:nvSpPr>
+          <p:cNvPr id="49" name="PlaceHolder 1"/>
+          <p:cNvSpPr>
+            <a:spLocks noGrp="1"/>
+          </p:cNvSpPr>
+          <p:nvPr>
+            <p:ph type="title"/>
+          </p:nvPr>
+        </p:nvSpPr>
+        <p:spPr>
+          <a:xfrm>
+            <a:off x="504000" y="226080"/>
+            <a:ext cx="9071640" cy="946440"/>
+          </a:xfrm>
+          <a:prstGeom prst="rect">
+            <a:avLst/>
+          </a:prstGeom>
+          <a:noFill/>
+          <a:ln w="0">
+            <a:noFill/>
+          </a:ln>
+        </p:spPr>
+        <p:txBody>
+          <a:bodyPr lIns="0" rIns="0" tIns="0" bIns="0" anchor="ctr">
+            <a:noAutofit/>
+          </a:bodyPr>
+          <a:p>
+            <a:pPr indent="0" algn="ctr">
+              <a:buNone/>
+            </a:pPr>
+            <a:r>
+              <a:rPr b="0" lang="en-US" sz="4400" spc="-1" strike="noStrike">
+                <a:solidFill>
+                  <a:srgbClr val="000000"/>
+                </a:solidFill>
+                <a:latin typeface="Arial"/>
+              </a:rPr>
               <a:t>Questions?</a:t>
             </a:r>
             <a:endParaRPr b="0" lang="en-US" sz="4400" spc="-1" strike="noStrike">
@@ -978,7 +2918,7 @@
       </p:sp>
       <p:sp>
         <p:nvSpPr>
-          <p:cNvPr id="33" name="PlaceHolder 2"/>
+          <p:cNvPr id="50" name="PlaceHolder 2"/>
           <p:cNvSpPr>
             <a:spLocks noGrp="1"/>
           </p:cNvSpPr>
@@ -1051,7 +2991,7 @@
       </p:grpSpPr>
       <p:sp>
         <p:nvSpPr>
-          <p:cNvPr id="10" name="PlaceHolder 1"/>
+          <p:cNvPr id="16" name="PlaceHolder 1"/>
           <p:cNvSpPr>
             <a:spLocks noGrp="1"/>
           </p:cNvSpPr>
@@ -1087,7 +3027,7 @@
                 </a:solidFill>
                 <a:latin typeface="Arial"/>
               </a:rPr>
-              <a:t>What is CRISPR-Cas?</a:t>
+              <a:t>What is CRISPR?</a:t>
             </a:r>
             <a:endParaRPr b="0" lang="en-US" sz="4400" spc="-1" strike="noStrike">
               <a:solidFill>
@@ -1100,7 +3040,7 @@
       </p:sp>
       <p:sp>
         <p:nvSpPr>
-          <p:cNvPr id="11" name="PlaceHolder 2"/>
+          <p:cNvPr id="17" name="PlaceHolder 2"/>
           <p:cNvSpPr>
             <a:spLocks noGrp="1"/>
           </p:cNvSpPr>
@@ -1123,7 +3063,7 @@
         </p:spPr>
         <p:txBody>
           <a:bodyPr lIns="0" rIns="0" tIns="0" bIns="0" anchor="t">
-            <a:normAutofit fontScale="77804"/>
+            <a:normAutofit fontScale="81242" lnSpcReduction="10000"/>
           </a:bodyPr>
           <a:p>
             <a:pPr marL="432000" indent="-324000">
@@ -1138,99 +3078,99 @@
               <a:buChar char=""/>
             </a:pPr>
             <a:r>
-              <a:rPr b="0" lang="en-US" sz="4200" spc="-1" strike="noStrike">
-                <a:solidFill>
-                  <a:srgbClr val="000000"/>
-                </a:solidFill>
-                <a:latin typeface="Arial"/>
-              </a:rPr>
-              <a:t>CRISPR-Cas System</a:t>
-            </a:r>
-            <a:endParaRPr b="0" lang="en-US" sz="4200" spc="-1" strike="noStrike">
-              <a:solidFill>
-                <a:srgbClr val="000000"/>
-              </a:solidFill>
-              <a:latin typeface="Arial"/>
-            </a:endParaRPr>
-          </a:p>
-          <a:p>
-            <a:pPr lvl="1" marL="864000" indent="-324000">
-              <a:spcBef>
-                <a:spcPts val="1134"/>
+              <a:rPr b="0" lang="en-US" sz="3200" spc="-1" strike="noStrike">
+                <a:solidFill>
+                  <a:srgbClr val="000000"/>
+                </a:solidFill>
+                <a:latin typeface="Arial"/>
+              </a:rPr>
+              <a:t>Clustered Regularly Interspaced Short Palindromic Repeats</a:t>
+            </a:r>
+            <a:endParaRPr b="0" lang="en-US" sz="3200" spc="-1" strike="noStrike">
+              <a:solidFill>
+                <a:srgbClr val="000000"/>
+              </a:solidFill>
+              <a:latin typeface="Arial"/>
+            </a:endParaRPr>
+          </a:p>
+          <a:p>
+            <a:pPr marL="432000" indent="-324000">
+              <a:spcBef>
+                <a:spcPts val="1417"/>
               </a:spcBef>
               <a:buClr>
                 <a:srgbClr val="000000"/>
               </a:buClr>
-              <a:buSzPct val="75000"/>
-              <a:buFont typeface="Symbol" charset="2"/>
-              <a:buChar char=""/>
-            </a:pPr>
-            <a:r>
-              <a:rPr b="0" lang="en-US" sz="4200" spc="-1" strike="noStrike">
-                <a:solidFill>
-                  <a:srgbClr val="000000"/>
-                </a:solidFill>
-                <a:latin typeface="Arial"/>
-              </a:rPr>
-              <a:t>Clustered Regularly Interspaced Short Palindromic Repeats-CRISPR-associated</a:t>
-            </a:r>
-            <a:endParaRPr b="0" lang="en-US" sz="4200" spc="-1" strike="noStrike">
-              <a:solidFill>
-                <a:srgbClr val="000000"/>
-              </a:solidFill>
-              <a:latin typeface="Arial"/>
-            </a:endParaRPr>
-          </a:p>
-          <a:p>
-            <a:pPr lvl="1" marL="864000" indent="-324000">
-              <a:spcBef>
-                <a:spcPts val="1134"/>
+              <a:buSzPct val="45000"/>
+              <a:buFont typeface="Wingdings" charset="2"/>
+              <a:buChar char=""/>
+            </a:pPr>
+            <a:r>
+              <a:rPr b="0" lang="en-US" sz="3200" spc="-1" strike="noStrike">
+                <a:solidFill>
+                  <a:srgbClr val="000000"/>
+                </a:solidFill>
+                <a:latin typeface="Arial"/>
+              </a:rPr>
+              <a:t>Natural defense mechanism in bacterial immune system</a:t>
+            </a:r>
+            <a:endParaRPr b="0" lang="en-US" sz="3200" spc="-1" strike="noStrike">
+              <a:solidFill>
+                <a:srgbClr val="000000"/>
+              </a:solidFill>
+              <a:latin typeface="Arial"/>
+            </a:endParaRPr>
+          </a:p>
+          <a:p>
+            <a:pPr marL="432000" indent="-324000">
+              <a:spcBef>
+                <a:spcPts val="1417"/>
               </a:spcBef>
               <a:buClr>
                 <a:srgbClr val="000000"/>
               </a:buClr>
-              <a:buSzPct val="75000"/>
-              <a:buFont typeface="Symbol" charset="2"/>
-              <a:buChar char=""/>
-            </a:pPr>
-            <a:r>
-              <a:rPr b="0" lang="en-US" sz="4200" spc="-1" strike="noStrike">
-                <a:solidFill>
-                  <a:srgbClr val="000000"/>
-                </a:solidFill>
-                <a:latin typeface="Arial"/>
-              </a:rPr>
-              <a:t>Powerful gene editing tool  to make precise changes in DNA of living organisms</a:t>
-            </a:r>
-            <a:endParaRPr b="0" lang="en-US" sz="4200" spc="-1" strike="noStrike">
-              <a:solidFill>
-                <a:srgbClr val="000000"/>
-              </a:solidFill>
-              <a:latin typeface="Arial"/>
-            </a:endParaRPr>
-          </a:p>
-          <a:p>
-            <a:pPr lvl="1" marL="864000" indent="-324000">
-              <a:spcBef>
-                <a:spcPts val="1134"/>
+              <a:buSzPct val="45000"/>
+              <a:buFont typeface="Wingdings" charset="2"/>
+              <a:buChar char=""/>
+            </a:pPr>
+            <a:r>
+              <a:rPr b="0" lang="en-US" sz="3200" spc="-1" strike="noStrike">
+                <a:solidFill>
+                  <a:srgbClr val="000000"/>
+                </a:solidFill>
+                <a:latin typeface="Arial"/>
+              </a:rPr>
+              <a:t>CRISPR regions contain short, repetitive DNA sequences interspaced with unique sequences called spacers</a:t>
+            </a:r>
+            <a:endParaRPr b="0" lang="en-US" sz="3200" spc="-1" strike="noStrike">
+              <a:solidFill>
+                <a:srgbClr val="000000"/>
+              </a:solidFill>
+              <a:latin typeface="Arial"/>
+            </a:endParaRPr>
+          </a:p>
+          <a:p>
+            <a:pPr marL="432000" indent="-324000">
+              <a:spcBef>
+                <a:spcPts val="1417"/>
               </a:spcBef>
               <a:buClr>
                 <a:srgbClr val="000000"/>
               </a:buClr>
-              <a:buSzPct val="75000"/>
-              <a:buFont typeface="Symbol" charset="2"/>
-              <a:buChar char=""/>
-            </a:pPr>
-            <a:r>
-              <a:rPr b="0" lang="en-US" sz="4200" spc="-1" strike="noStrike">
-                <a:solidFill>
-                  <a:srgbClr val="000000"/>
-                </a:solidFill>
-                <a:latin typeface="Arial"/>
-              </a:rPr>
-              <a:t>Essential for bacterial adaptive immunity</a:t>
-            </a:r>
-            <a:endParaRPr b="0" lang="en-US" sz="4200" spc="-1" strike="noStrike">
+              <a:buSzPct val="45000"/>
+              <a:buFont typeface="Wingdings" charset="2"/>
+              <a:buChar char=""/>
+            </a:pPr>
+            <a:r>
+              <a:rPr b="0" lang="en-US" sz="3200" spc="-1" strike="noStrike">
+                <a:solidFill>
+                  <a:srgbClr val="000000"/>
+                </a:solidFill>
+                <a:latin typeface="Arial"/>
+              </a:rPr>
+              <a:t>CRISPR is used to store genetic info from past viral infection and recognize and destroy invading viruses in subsequent encounters</a:t>
+            </a:r>
+            <a:endParaRPr b="0" lang="en-US" sz="3200" spc="-1" strike="noStrike">
               <a:solidFill>
                 <a:srgbClr val="000000"/>
               </a:solidFill>
@@ -1271,7 +3211,7 @@
       </p:grpSpPr>
       <p:sp>
         <p:nvSpPr>
-          <p:cNvPr id="12" name="PlaceHolder 1"/>
+          <p:cNvPr id="18" name="PlaceHolder 1"/>
           <p:cNvSpPr>
             <a:spLocks noGrp="1"/>
           </p:cNvSpPr>
@@ -1300,6 +3240,15 @@
             <a:pPr indent="0" algn="ctr">
               <a:buNone/>
             </a:pPr>
+            <a:r>
+              <a:rPr b="0" lang="en-US" sz="4400" spc="-1" strike="noStrike">
+                <a:solidFill>
+                  <a:srgbClr val="000000"/>
+                </a:solidFill>
+                <a:latin typeface="Arial"/>
+              </a:rPr>
+              <a:t>What is Cas?</a:t>
+            </a:r>
             <a:endParaRPr b="0" lang="en-US" sz="4400" spc="-1" strike="noStrike">
               <a:solidFill>
                 <a:srgbClr val="000000"/>
@@ -1309,29 +3258,147 @@
           </a:p>
         </p:txBody>
       </p:sp>
-      <p:pic>
-        <p:nvPicPr>
-          <p:cNvPr id="13" name="" descr=""/>
-          <p:cNvPicPr/>
-          <p:nvPr/>
-        </p:nvPicPr>
-        <p:blipFill>
-          <a:blip r:embed="rId1"/>
-          <a:stretch/>
-        </p:blipFill>
-        <p:spPr>
-          <a:xfrm>
-            <a:off x="1527480" y="914400"/>
-            <a:ext cx="6702120" cy="4800600"/>
-          </a:xfrm>
-          <a:prstGeom prst="rect">
-            <a:avLst/>
-          </a:prstGeom>
-          <a:ln w="0">
-            <a:noFill/>
-          </a:ln>
-        </p:spPr>
-      </p:pic>
+      <p:sp>
+        <p:nvSpPr>
+          <p:cNvPr id="19" name="PlaceHolder 2"/>
+          <p:cNvSpPr>
+            <a:spLocks noGrp="1"/>
+          </p:cNvSpPr>
+          <p:nvPr>
+            <p:ph/>
+          </p:nvPr>
+        </p:nvSpPr>
+        <p:spPr>
+          <a:xfrm>
+            <a:off x="504000" y="1326600"/>
+            <a:ext cx="9071640" cy="3288240"/>
+          </a:xfrm>
+          <a:prstGeom prst="rect">
+            <a:avLst/>
+          </a:prstGeom>
+          <a:noFill/>
+          <a:ln w="0">
+            <a:noFill/>
+          </a:ln>
+        </p:spPr>
+        <p:txBody>
+          <a:bodyPr lIns="0" rIns="0" tIns="0" bIns="0" anchor="t">
+            <a:normAutofit fontScale="77804"/>
+          </a:bodyPr>
+          <a:p>
+            <a:pPr marL="432000" indent="-324000">
+              <a:spcBef>
+                <a:spcPts val="1417"/>
+              </a:spcBef>
+              <a:buClr>
+                <a:srgbClr val="000000"/>
+              </a:buClr>
+              <a:buSzPct val="45000"/>
+              <a:buFont typeface="Wingdings" charset="2"/>
+              <a:buChar char=""/>
+            </a:pPr>
+            <a:r>
+              <a:rPr b="0" lang="en-US" sz="4200" spc="-1" strike="noStrike">
+                <a:solidFill>
+                  <a:srgbClr val="000000"/>
+                </a:solidFill>
+                <a:latin typeface="Arial"/>
+              </a:rPr>
+              <a:t>CRISPR-Cas System</a:t>
+            </a:r>
+            <a:endParaRPr b="0" lang="en-US" sz="4200" spc="-1" strike="noStrike">
+              <a:solidFill>
+                <a:srgbClr val="000000"/>
+              </a:solidFill>
+              <a:latin typeface="Arial"/>
+            </a:endParaRPr>
+          </a:p>
+          <a:p>
+            <a:pPr lvl="1" marL="864000" indent="-324000">
+              <a:spcBef>
+                <a:spcPts val="1134"/>
+              </a:spcBef>
+              <a:buClr>
+                <a:srgbClr val="000000"/>
+              </a:buClr>
+              <a:buSzPct val="75000"/>
+              <a:buFont typeface="Symbol" charset="2"/>
+              <a:buChar char=""/>
+            </a:pPr>
+            <a:r>
+              <a:rPr b="0" lang="en-US" sz="4200" spc="-1" strike="noStrike">
+                <a:solidFill>
+                  <a:srgbClr val="000000"/>
+                </a:solidFill>
+                <a:latin typeface="Arial"/>
+              </a:rPr>
+              <a:t>Clustered Regularly Interspaced Short Palindromic Repeats-CRISPR-associated</a:t>
+            </a:r>
+            <a:endParaRPr b="0" lang="en-US" sz="4200" spc="-1" strike="noStrike">
+              <a:solidFill>
+                <a:srgbClr val="000000"/>
+              </a:solidFill>
+              <a:latin typeface="Arial"/>
+            </a:endParaRPr>
+          </a:p>
+          <a:p>
+            <a:pPr lvl="1" marL="864000" indent="-324000">
+              <a:spcBef>
+                <a:spcPts val="1134"/>
+              </a:spcBef>
+              <a:buClr>
+                <a:srgbClr val="000000"/>
+              </a:buClr>
+              <a:buSzPct val="75000"/>
+              <a:buFont typeface="Symbol" charset="2"/>
+              <a:buChar char=""/>
+            </a:pPr>
+            <a:r>
+              <a:rPr b="0" lang="en-US" sz="4200" spc="-1" strike="noStrike">
+                <a:solidFill>
+                  <a:srgbClr val="000000"/>
+                </a:solidFill>
+                <a:latin typeface="Arial"/>
+              </a:rPr>
+              <a:t>Powerful gene editing tool  to make precise changes in DNA of living organisms</a:t>
+            </a:r>
+            <a:endParaRPr b="0" lang="en-US" sz="4200" spc="-1" strike="noStrike">
+              <a:solidFill>
+                <a:srgbClr val="000000"/>
+              </a:solidFill>
+              <a:latin typeface="Arial"/>
+            </a:endParaRPr>
+          </a:p>
+          <a:p>
+            <a:pPr lvl="1" marL="864000" indent="-324000">
+              <a:spcBef>
+                <a:spcPts val="1134"/>
+              </a:spcBef>
+              <a:buClr>
+                <a:srgbClr val="000000"/>
+              </a:buClr>
+              <a:buSzPct val="75000"/>
+              <a:buFont typeface="Symbol" charset="2"/>
+              <a:buChar char=""/>
+            </a:pPr>
+            <a:r>
+              <a:rPr b="0" lang="en-US" sz="4200" spc="-1" strike="noStrike">
+                <a:solidFill>
+                  <a:srgbClr val="000000"/>
+                </a:solidFill>
+                <a:latin typeface="Arial"/>
+              </a:rPr>
+              <a:t>Essential for bacterial adaptive immunity</a:t>
+            </a:r>
+            <a:endParaRPr b="0" lang="en-US" sz="4200" spc="-1" strike="noStrike">
+              <a:solidFill>
+                <a:srgbClr val="000000"/>
+              </a:solidFill>
+              <a:latin typeface="Arial"/>
+            </a:endParaRPr>
+          </a:p>
+        </p:txBody>
+      </p:sp>
     </p:spTree>
   </p:cSld>
   <mc:AlternateContent>
@@ -1364,7 +3431,7 @@
       </p:grpSpPr>
       <p:sp>
         <p:nvSpPr>
-          <p:cNvPr id="14" name="PlaceHolder 1"/>
+          <p:cNvPr id="20" name="PlaceHolder 1"/>
           <p:cNvSpPr>
             <a:spLocks noGrp="1"/>
           </p:cNvSpPr>
@@ -1374,8 +3441,8 @@
         </p:nvSpPr>
         <p:spPr>
           <a:xfrm>
-            <a:off x="504000" y="74160"/>
-            <a:ext cx="9071640" cy="1250280"/>
+            <a:off x="504000" y="226080"/>
+            <a:ext cx="9071640" cy="946440"/>
           </a:xfrm>
           <a:prstGeom prst="rect">
             <a:avLst/>
@@ -1393,15 +3460,6 @@
             <a:pPr indent="0" algn="ctr">
               <a:buNone/>
             </a:pPr>
-            <a:r>
-              <a:rPr b="0" lang="en-US" sz="4400" spc="-1" strike="noStrike">
-                <a:solidFill>
-                  <a:srgbClr val="000000"/>
-                </a:solidFill>
-                <a:latin typeface="Arial"/>
-              </a:rPr>
-              <a:t>The Problem with CRISPR Visualization and Analysis</a:t>
-            </a:r>
             <a:endParaRPr b="0" lang="en-US" sz="4400" spc="-1" strike="noStrike">
               <a:solidFill>
                 <a:srgbClr val="000000"/>
@@ -1411,315 +3469,29 @@
           </a:p>
         </p:txBody>
       </p:sp>
-      <p:sp>
-        <p:nvSpPr>
-          <p:cNvPr id="15" name="PlaceHolder 2"/>
-          <p:cNvSpPr>
-            <a:spLocks noGrp="1"/>
-          </p:cNvSpPr>
-          <p:nvPr>
-            <p:ph/>
-          </p:nvPr>
-        </p:nvSpPr>
-        <p:spPr>
-          <a:xfrm>
-            <a:off x="457200" y="1371600"/>
-            <a:ext cx="5486400" cy="4114800"/>
-          </a:xfrm>
-          <a:prstGeom prst="rect">
-            <a:avLst/>
-          </a:prstGeom>
-          <a:noFill/>
-          <a:ln w="0">
-            <a:noFill/>
-          </a:ln>
-        </p:spPr>
-        <p:txBody>
-          <a:bodyPr lIns="0" rIns="0" tIns="0" bIns="0" anchor="t">
-            <a:normAutofit fontScale="37134"/>
-          </a:bodyPr>
-          <a:p>
-            <a:pPr marL="432000" indent="-324000">
-              <a:spcBef>
-                <a:spcPts val="1417"/>
-              </a:spcBef>
-              <a:buClr>
-                <a:srgbClr val="000000"/>
-              </a:buClr>
-              <a:buSzPct val="45000"/>
-              <a:buFont typeface="Wingdings" charset="2"/>
-              <a:buChar char=""/>
-            </a:pPr>
-            <a:r>
-              <a:rPr b="0" lang="en-US" sz="4200" spc="-1" strike="noStrike">
-                <a:solidFill>
-                  <a:srgbClr val="000000"/>
-                </a:solidFill>
-                <a:latin typeface="Arial"/>
-              </a:rPr>
-              <a:t>Comprehensive Tools</a:t>
-            </a:r>
-            <a:endParaRPr b="0" lang="en-US" sz="4200" spc="-1" strike="noStrike">
-              <a:solidFill>
-                <a:srgbClr val="000000"/>
-              </a:solidFill>
-              <a:latin typeface="Arial"/>
-            </a:endParaRPr>
-          </a:p>
-          <a:p>
-            <a:pPr lvl="1" marL="864000" indent="-324000">
-              <a:spcBef>
-                <a:spcPts val="1134"/>
-              </a:spcBef>
-              <a:buClr>
-                <a:srgbClr val="000000"/>
-              </a:buClr>
-              <a:buSzPct val="75000"/>
-              <a:buFont typeface="Symbol" charset="2"/>
-              <a:buChar char=""/>
-            </a:pPr>
-            <a:r>
-              <a:rPr b="0" lang="en-US" sz="4200" spc="-1" strike="noStrike">
-                <a:solidFill>
-                  <a:srgbClr val="000000"/>
-                </a:solidFill>
-                <a:latin typeface="Arial"/>
-              </a:rPr>
-              <a:t>Investigate loci and sequences of DRs and spacers</a:t>
-            </a:r>
-            <a:endParaRPr b="0" lang="en-US" sz="4200" spc="-1" strike="noStrike">
-              <a:solidFill>
-                <a:srgbClr val="000000"/>
-              </a:solidFill>
-              <a:latin typeface="Arial"/>
-            </a:endParaRPr>
-          </a:p>
-          <a:p>
-            <a:pPr lvl="1" marL="864000" indent="-324000">
-              <a:spcBef>
-                <a:spcPts val="1134"/>
-              </a:spcBef>
-              <a:buClr>
-                <a:srgbClr val="000000"/>
-              </a:buClr>
-              <a:buSzPct val="75000"/>
-              <a:buFont typeface="Symbol" charset="2"/>
-              <a:buChar char=""/>
-            </a:pPr>
-            <a:r>
-              <a:rPr b="0" lang="en-US" sz="4200" spc="-1" strike="noStrike">
-                <a:solidFill>
-                  <a:srgbClr val="000000"/>
-                </a:solidFill>
-                <a:latin typeface="Arial"/>
-              </a:rPr>
-              <a:t>Existing tools: CRT, PILER-CR, CRISPRFinder, etc.</a:t>
-            </a:r>
-            <a:endParaRPr b="0" lang="en-US" sz="4200" spc="-1" strike="noStrike">
-              <a:solidFill>
-                <a:srgbClr val="000000"/>
-              </a:solidFill>
-              <a:latin typeface="Arial"/>
-            </a:endParaRPr>
-          </a:p>
-          <a:p>
-            <a:pPr marL="432000" indent="-324000">
-              <a:spcBef>
-                <a:spcPts val="1417"/>
-              </a:spcBef>
-              <a:buClr>
-                <a:srgbClr val="000000"/>
-              </a:buClr>
-              <a:buSzPct val="45000"/>
-              <a:buFont typeface="Wingdings" charset="2"/>
-              <a:buChar char=""/>
-            </a:pPr>
-            <a:r>
-              <a:rPr b="0" lang="en-US" sz="4200" spc="-1" strike="noStrike">
-                <a:solidFill>
-                  <a:srgbClr val="000000"/>
-                </a:solidFill>
-                <a:latin typeface="Arial"/>
-              </a:rPr>
-              <a:t>Limitations of Current Tools:</a:t>
-            </a:r>
-            <a:endParaRPr b="0" lang="en-US" sz="4200" spc="-1" strike="noStrike">
-              <a:solidFill>
-                <a:srgbClr val="000000"/>
-              </a:solidFill>
-              <a:latin typeface="Arial"/>
-            </a:endParaRPr>
-          </a:p>
-          <a:p>
-            <a:pPr lvl="1" marL="864000" indent="-324000">
-              <a:spcBef>
-                <a:spcPts val="1134"/>
-              </a:spcBef>
-              <a:buClr>
-                <a:srgbClr val="000000"/>
-              </a:buClr>
-              <a:buSzPct val="75000"/>
-              <a:buFont typeface="Symbol" charset="2"/>
-              <a:buChar char=""/>
-            </a:pPr>
-            <a:r>
-              <a:rPr b="0" lang="en-US" sz="4200" spc="-1" strike="noStrike">
-                <a:solidFill>
-                  <a:srgbClr val="000000"/>
-                </a:solidFill>
-                <a:latin typeface="Arial"/>
-              </a:rPr>
-              <a:t>Lack interactive and user-friendly visualization</a:t>
-            </a:r>
-            <a:endParaRPr b="0" lang="en-US" sz="4200" spc="-1" strike="noStrike">
-              <a:solidFill>
-                <a:srgbClr val="000000"/>
-              </a:solidFill>
-              <a:latin typeface="Arial"/>
-            </a:endParaRPr>
-          </a:p>
-          <a:p>
-            <a:pPr lvl="1" marL="864000" indent="-324000">
-              <a:spcBef>
-                <a:spcPts val="1134"/>
-              </a:spcBef>
-              <a:buClr>
-                <a:srgbClr val="000000"/>
-              </a:buClr>
-              <a:buSzPct val="75000"/>
-              <a:buFont typeface="Symbol" charset="2"/>
-              <a:buChar char=""/>
-            </a:pPr>
-            <a:r>
-              <a:rPr b="0" lang="en-US" sz="4200" spc="-1" strike="noStrike">
-                <a:solidFill>
-                  <a:srgbClr val="000000"/>
-                </a:solidFill>
-                <a:latin typeface="Arial"/>
-              </a:rPr>
-              <a:t>Complexity and non-interactivity of Excel macros</a:t>
-            </a:r>
-            <a:endParaRPr b="0" lang="en-US" sz="4200" spc="-1" strike="noStrike">
-              <a:solidFill>
-                <a:srgbClr val="000000"/>
-              </a:solidFill>
-              <a:latin typeface="Arial"/>
-            </a:endParaRPr>
-          </a:p>
-          <a:p>
-            <a:pPr lvl="1" marL="864000" indent="-324000">
-              <a:spcBef>
-                <a:spcPts val="1134"/>
-              </a:spcBef>
-              <a:buClr>
-                <a:srgbClr val="000000"/>
-              </a:buClr>
-              <a:buSzPct val="75000"/>
-              <a:buFont typeface="Symbol" charset="2"/>
-              <a:buChar char=""/>
-            </a:pPr>
-            <a:r>
-              <a:rPr b="0" lang="en-US" sz="4200" spc="-1" strike="noStrike">
-                <a:solidFill>
-                  <a:srgbClr val="000000"/>
-                </a:solidFill>
-                <a:latin typeface="Arial"/>
-              </a:rPr>
-              <a:t>Over-reliance on specific detection tools</a:t>
-            </a:r>
-            <a:endParaRPr b="0" lang="en-US" sz="4200" spc="-1" strike="noStrike">
-              <a:solidFill>
-                <a:srgbClr val="000000"/>
-              </a:solidFill>
-              <a:latin typeface="Arial"/>
-            </a:endParaRPr>
-          </a:p>
-          <a:p>
-            <a:pPr lvl="1" marL="864000" indent="-324000">
-              <a:spcBef>
-                <a:spcPts val="1134"/>
-              </a:spcBef>
-              <a:buClr>
-                <a:srgbClr val="000000"/>
-              </a:buClr>
-              <a:buSzPct val="75000"/>
-              <a:buFont typeface="Symbol" charset="2"/>
-              <a:buChar char=""/>
-            </a:pPr>
-            <a:r>
-              <a:rPr b="0" lang="en-US" sz="4200" spc="-1" strike="noStrike">
-                <a:solidFill>
-                  <a:srgbClr val="000000"/>
-                </a:solidFill>
-                <a:latin typeface="Arial"/>
-              </a:rPr>
-              <a:t>Confusing visual outputs with complex datasets</a:t>
-            </a:r>
-            <a:endParaRPr b="0" lang="en-US" sz="4200" spc="-1" strike="noStrike">
-              <a:solidFill>
-                <a:srgbClr val="000000"/>
-              </a:solidFill>
-              <a:latin typeface="Arial"/>
-            </a:endParaRPr>
-          </a:p>
-          <a:p>
-            <a:pPr marL="432000" indent="-324000">
-              <a:spcBef>
-                <a:spcPts val="1417"/>
-              </a:spcBef>
-              <a:buClr>
-                <a:srgbClr val="000000"/>
-              </a:buClr>
-              <a:buSzPct val="45000"/>
-              <a:buFont typeface="Wingdings" charset="2"/>
-              <a:buChar char=""/>
-            </a:pPr>
-            <a:r>
-              <a:rPr b="0" lang="en-US" sz="4200" spc="-1" strike="noStrike">
-                <a:solidFill>
-                  <a:srgbClr val="000000"/>
-                </a:solidFill>
-                <a:latin typeface="Arial"/>
-              </a:rPr>
-              <a:t>Gap in the market</a:t>
-            </a:r>
-            <a:endParaRPr b="0" lang="en-US" sz="4200" spc="-1" strike="noStrike">
-              <a:solidFill>
-                <a:srgbClr val="000000"/>
-              </a:solidFill>
-              <a:latin typeface="Arial"/>
-            </a:endParaRPr>
-          </a:p>
-          <a:p>
-            <a:pPr lvl="1" marL="864000" indent="-324000">
-              <a:spcBef>
-                <a:spcPts val="1134"/>
-              </a:spcBef>
-              <a:buClr>
-                <a:srgbClr val="000000"/>
-              </a:buClr>
-              <a:buSzPct val="75000"/>
-              <a:buFont typeface="Symbol" charset="2"/>
-              <a:buChar char=""/>
-            </a:pPr>
-            <a:r>
-              <a:rPr b="0" lang="en-US" sz="4200" spc="-1" strike="noStrike">
-                <a:solidFill>
-                  <a:srgbClr val="000000"/>
-                </a:solidFill>
-                <a:latin typeface="Arial"/>
-              </a:rPr>
-              <a:t>Need for an all-in-one tool to visualize, manipulate, and analyze CRISPR arrays effectively</a:t>
-            </a:r>
-            <a:endParaRPr b="0" lang="en-US" sz="4200" spc="-1" strike="noStrike">
-              <a:solidFill>
-                <a:srgbClr val="000000"/>
-              </a:solidFill>
-              <a:latin typeface="Arial"/>
-            </a:endParaRPr>
-          </a:p>
-        </p:txBody>
-      </p:sp>
+      <p:pic>
+        <p:nvPicPr>
+          <p:cNvPr id="21" name="" descr=""/>
+          <p:cNvPicPr/>
+          <p:nvPr/>
+        </p:nvPicPr>
+        <p:blipFill>
+          <a:blip r:embed="rId1"/>
+          <a:stretch/>
+        </p:blipFill>
+        <p:spPr>
+          <a:xfrm>
+            <a:off x="1527480" y="914400"/>
+            <a:ext cx="6702120" cy="4800600"/>
+          </a:xfrm>
+          <a:prstGeom prst="rect">
+            <a:avLst/>
+          </a:prstGeom>
+          <a:ln w="0">
+            <a:noFill/>
+          </a:ln>
+        </p:spPr>
+      </p:pic>
     </p:spTree>
   </p:cSld>
   <mc:AlternateContent>
@@ -1752,7 +3524,7 @@
       </p:grpSpPr>
       <p:sp>
         <p:nvSpPr>
-          <p:cNvPr id="16" name="PlaceHolder 1"/>
+          <p:cNvPr id="22" name="PlaceHolder 1"/>
           <p:cNvSpPr>
             <a:spLocks noGrp="1"/>
           </p:cNvSpPr>
@@ -1762,8 +3534,8 @@
         </p:nvSpPr>
         <p:spPr>
           <a:xfrm>
-            <a:off x="504000" y="226080"/>
-            <a:ext cx="9071640" cy="946440"/>
+            <a:off x="504000" y="74160"/>
+            <a:ext cx="9071640" cy="1250280"/>
           </a:xfrm>
           <a:prstGeom prst="rect">
             <a:avLst/>
@@ -1788,7 +3560,7 @@
                 </a:solidFill>
                 <a:latin typeface="Arial"/>
               </a:rPr>
-              <a:t>Why use Python?</a:t>
+              <a:t>The Problem with CRISPR Visualization and Analysis</a:t>
             </a:r>
             <a:endParaRPr b="0" lang="en-US" sz="4400" spc="-1" strike="noStrike">
               <a:solidFill>
@@ -1801,7 +3573,7 @@
       </p:sp>
       <p:sp>
         <p:nvSpPr>
-          <p:cNvPr id="17" name="PlaceHolder 2"/>
+          <p:cNvPr id="23" name="PlaceHolder 2"/>
           <p:cNvSpPr>
             <a:spLocks noGrp="1"/>
           </p:cNvSpPr>
@@ -1811,8 +3583,8 @@
         </p:nvSpPr>
         <p:spPr>
           <a:xfrm>
-            <a:off x="504000" y="1326600"/>
-            <a:ext cx="4982400" cy="4159800"/>
+            <a:off x="457200" y="1371600"/>
+            <a:ext cx="5486400" cy="4114800"/>
           </a:xfrm>
           <a:prstGeom prst="rect">
             <a:avLst/>
@@ -1824,7 +3596,7 @@
         </p:spPr>
         <p:txBody>
           <a:bodyPr lIns="0" rIns="0" tIns="0" bIns="0" anchor="t">
-            <a:normAutofit fontScale="62493"/>
+            <a:normAutofit fontScale="37134"/>
           </a:bodyPr>
           <a:p>
             <a:pPr marL="432000" indent="-324000">
@@ -1839,15 +3611,15 @@
               <a:buChar char=""/>
             </a:pPr>
             <a:r>
-              <a:rPr b="0" lang="en-US" sz="3200" spc="-1" strike="noStrike">
-                <a:solidFill>
-                  <a:srgbClr val="000000"/>
-                </a:solidFill>
-                <a:latin typeface="Arial"/>
-              </a:rPr>
-              <a:t>Extensive Bioinformatics libraries</a:t>
-            </a:r>
-            <a:endParaRPr b="0" lang="en-US" sz="3200" spc="-1" strike="noStrike">
+              <a:rPr b="0" lang="en-US" sz="4200" spc="-1" strike="noStrike">
+                <a:solidFill>
+                  <a:srgbClr val="000000"/>
+                </a:solidFill>
+                <a:latin typeface="Arial"/>
+              </a:rPr>
+              <a:t>Comprehensive Tools</a:t>
+            </a:r>
+            <a:endParaRPr b="0" lang="en-US" sz="4200" spc="-1" strike="noStrike">
               <a:solidFill>
                 <a:srgbClr val="000000"/>
               </a:solidFill>
@@ -1867,15 +3639,24 @@
               <a:buChar char=""/>
             </a:pPr>
             <a:r>
-              <a:rPr b="0" lang="en-US" sz="2800" spc="-1" strike="noStrike">
-                <a:solidFill>
-                  <a:srgbClr val="000000"/>
-                </a:solidFill>
-                <a:latin typeface="Arial"/>
-              </a:rPr>
-              <a:t>Biopython: sequence analysis and data manipulation</a:t>
-            </a:r>
-            <a:endParaRPr b="0" lang="en-US" sz="2800" spc="-1" strike="noStrike">
+              <a:rPr b="0" lang="en-US" sz="4200" spc="-1" strike="noStrike">
+                <a:solidFill>
+                  <a:srgbClr val="000000"/>
+                </a:solidFill>
+                <a:latin typeface="Arial"/>
+              </a:rPr>
+              <a:t>Investigate loci and sequences of </a:t>
+            </a:r>
+            <a:r>
+              <a:rPr b="0" lang="en-US" sz="4200" spc="-1" strike="noStrike">
+                <a:solidFill>
+                  <a:srgbClr val="000000"/>
+                </a:solidFill>
+                <a:latin typeface="Arial"/>
+              </a:rPr>
+              <a:t>DRs and spacers</a:t>
+            </a:r>
+            <a:endParaRPr b="0" lang="en-US" sz="4200" spc="-1" strike="noStrike">
               <a:solidFill>
                 <a:srgbClr val="000000"/>
               </a:solidFill>
@@ -1895,15 +3676,52 @@
               <a:buChar char=""/>
             </a:pPr>
             <a:r>
-              <a:rPr b="0" lang="en-US" sz="2800" spc="-1" strike="noStrike">
-                <a:solidFill>
-                  <a:srgbClr val="000000"/>
-                </a:solidFill>
-                <a:latin typeface="Arial"/>
-              </a:rPr>
-              <a:t>Pandas: efficient data handling and analysis</a:t>
-            </a:r>
-            <a:endParaRPr b="0" lang="en-US" sz="2800" spc="-1" strike="noStrike">
+              <a:rPr b="0" lang="en-US" sz="4200" spc="-1" strike="noStrike">
+                <a:solidFill>
+                  <a:srgbClr val="000000"/>
+                </a:solidFill>
+                <a:latin typeface="Arial"/>
+              </a:rPr>
+              <a:t>Existing tools: CRT, PILER-CR, </a:t>
+            </a:r>
+            <a:r>
+              <a:rPr b="0" lang="en-US" sz="4200" spc="-1" strike="noStrike">
+                <a:solidFill>
+                  <a:srgbClr val="000000"/>
+                </a:solidFill>
+                <a:latin typeface="Arial"/>
+              </a:rPr>
+              <a:t>CRISPRFinder, etc.</a:t>
+            </a:r>
+            <a:endParaRPr b="0" lang="en-US" sz="4200" spc="-1" strike="noStrike">
+              <a:solidFill>
+                <a:srgbClr val="000000"/>
+              </a:solidFill>
+              <a:latin typeface="Arial"/>
+            </a:endParaRPr>
+          </a:p>
+          <a:p>
+            <a:pPr marL="432000" indent="-324000">
+              <a:spcBef>
+                <a:spcPts val="1417"/>
+              </a:spcBef>
+              <a:buClr>
+                <a:srgbClr val="000000"/>
+              </a:buClr>
+              <a:buSzPct val="45000"/>
+              <a:buFont typeface="Wingdings" charset="2"/>
+              <a:buChar char=""/>
+            </a:pPr>
+            <a:r>
+              <a:rPr b="0" lang="en-US" sz="4200" spc="-1" strike="noStrike">
+                <a:solidFill>
+                  <a:srgbClr val="000000"/>
+                </a:solidFill>
+                <a:latin typeface="Arial"/>
+              </a:rPr>
+              <a:t>Limitations of Current Tools:</a:t>
+            </a:r>
+            <a:endParaRPr b="0" lang="en-US" sz="4200" spc="-1" strike="noStrike">
               <a:solidFill>
                 <a:srgbClr val="000000"/>
               </a:solidFill>
@@ -1923,15 +3741,135 @@
               <a:buChar char=""/>
             </a:pPr>
             <a:r>
-              <a:rPr b="0" lang="en-US" sz="2800" spc="-1" strike="noStrike">
-                <a:solidFill>
-                  <a:srgbClr val="000000"/>
-                </a:solidFill>
-                <a:latin typeface="Arial"/>
-              </a:rPr>
-              <a:t>Matplotlib &amp; Seaborn: powerful data visualization tools</a:t>
-            </a:r>
-            <a:endParaRPr b="0" lang="en-US" sz="2800" spc="-1" strike="noStrike">
+              <a:rPr b="0" lang="en-US" sz="4200" spc="-1" strike="noStrike">
+                <a:solidFill>
+                  <a:srgbClr val="000000"/>
+                </a:solidFill>
+                <a:latin typeface="Arial"/>
+              </a:rPr>
+              <a:t>Lack interactive and user-friendly </a:t>
+            </a:r>
+            <a:r>
+              <a:rPr b="0" lang="en-US" sz="4200" spc="-1" strike="noStrike">
+                <a:solidFill>
+                  <a:srgbClr val="000000"/>
+                </a:solidFill>
+                <a:latin typeface="Arial"/>
+              </a:rPr>
+              <a:t>visualization</a:t>
+            </a:r>
+            <a:endParaRPr b="0" lang="en-US" sz="4200" spc="-1" strike="noStrike">
+              <a:solidFill>
+                <a:srgbClr val="000000"/>
+              </a:solidFill>
+              <a:latin typeface="Arial"/>
+            </a:endParaRPr>
+          </a:p>
+          <a:p>
+            <a:pPr lvl="1" marL="864000" indent="-324000">
+              <a:spcBef>
+                <a:spcPts val="1134"/>
+              </a:spcBef>
+              <a:buClr>
+                <a:srgbClr val="000000"/>
+              </a:buClr>
+              <a:buSzPct val="75000"/>
+              <a:buFont typeface="Symbol" charset="2"/>
+              <a:buChar char=""/>
+            </a:pPr>
+            <a:r>
+              <a:rPr b="0" lang="en-US" sz="4200" spc="-1" strike="noStrike">
+                <a:solidFill>
+                  <a:srgbClr val="000000"/>
+                </a:solidFill>
+                <a:latin typeface="Arial"/>
+              </a:rPr>
+              <a:t>Complexity and non-interactivity of </a:t>
+            </a:r>
+            <a:r>
+              <a:rPr b="0" lang="en-US" sz="4200" spc="-1" strike="noStrike">
+                <a:solidFill>
+                  <a:srgbClr val="000000"/>
+                </a:solidFill>
+                <a:latin typeface="Arial"/>
+              </a:rPr>
+              <a:t>Excel macros</a:t>
+            </a:r>
+            <a:endParaRPr b="0" lang="en-US" sz="4200" spc="-1" strike="noStrike">
+              <a:solidFill>
+                <a:srgbClr val="000000"/>
+              </a:solidFill>
+              <a:latin typeface="Arial"/>
+            </a:endParaRPr>
+          </a:p>
+          <a:p>
+            <a:pPr lvl="1" marL="864000" indent="-324000">
+              <a:spcBef>
+                <a:spcPts val="1134"/>
+              </a:spcBef>
+              <a:buClr>
+                <a:srgbClr val="000000"/>
+              </a:buClr>
+              <a:buSzPct val="75000"/>
+              <a:buFont typeface="Symbol" charset="2"/>
+              <a:buChar char=""/>
+            </a:pPr>
+            <a:r>
+              <a:rPr b="0" lang="en-US" sz="4200" spc="-1" strike="noStrike">
+                <a:solidFill>
+                  <a:srgbClr val="000000"/>
+                </a:solidFill>
+                <a:latin typeface="Arial"/>
+              </a:rPr>
+              <a:t>Over-reliance on specific detection </a:t>
+            </a:r>
+            <a:r>
+              <a:rPr b="0" lang="en-US" sz="4200" spc="-1" strike="noStrike">
+                <a:solidFill>
+                  <a:srgbClr val="000000"/>
+                </a:solidFill>
+                <a:latin typeface="Arial"/>
+              </a:rPr>
+              <a:t>tools</a:t>
+            </a:r>
+            <a:endParaRPr b="0" lang="en-US" sz="4200" spc="-1" strike="noStrike">
+              <a:solidFill>
+                <a:srgbClr val="000000"/>
+              </a:solidFill>
+              <a:latin typeface="Arial"/>
+            </a:endParaRPr>
+          </a:p>
+          <a:p>
+            <a:pPr lvl="1" marL="864000" indent="-324000">
+              <a:spcBef>
+                <a:spcPts val="1134"/>
+              </a:spcBef>
+              <a:buClr>
+                <a:srgbClr val="000000"/>
+              </a:buClr>
+              <a:buSzPct val="75000"/>
+              <a:buFont typeface="Symbol" charset="2"/>
+              <a:buChar char=""/>
+            </a:pPr>
+            <a:r>
+              <a:rPr b="0" lang="en-US" sz="4200" spc="-1" strike="noStrike">
+                <a:solidFill>
+                  <a:srgbClr val="000000"/>
+                </a:solidFill>
+                <a:latin typeface="Arial"/>
+              </a:rPr>
+              <a:t>Confusing visual outputs with </a:t>
+            </a:r>
+            <a:r>
+              <a:rPr b="0" lang="en-US" sz="4200" spc="-1" strike="noStrike">
+                <a:solidFill>
+                  <a:srgbClr val="000000"/>
+                </a:solidFill>
+                <a:latin typeface="Arial"/>
+              </a:rPr>
+              <a:t>complex datasets</a:t>
+            </a:r>
+            <a:endParaRPr b="0" lang="en-US" sz="4200" spc="-1" strike="noStrike">
               <a:solidFill>
                 <a:srgbClr val="000000"/>
               </a:solidFill>
@@ -1951,71 +3889,61 @@
               <a:buChar char=""/>
             </a:pPr>
             <a:r>
-              <a:rPr b="0" lang="en-US" sz="3200" spc="-1" strike="noStrike">
-                <a:solidFill>
-                  <a:srgbClr val="000000"/>
-                </a:solidFill>
-                <a:latin typeface="Arial"/>
-              </a:rPr>
-              <a:t>Seamless integration with existing bioinformatics tools</a:t>
-            </a:r>
-            <a:endParaRPr b="0" lang="en-US" sz="3200" spc="-1" strike="noStrike">
-              <a:solidFill>
-                <a:srgbClr val="000000"/>
-              </a:solidFill>
-              <a:latin typeface="Arial"/>
-            </a:endParaRPr>
-          </a:p>
-          <a:p>
-            <a:pPr marL="432000" indent="-324000">
-              <a:spcBef>
-                <a:spcPts val="1417"/>
+              <a:rPr b="0" lang="en-US" sz="4200" spc="-1" strike="noStrike">
+                <a:solidFill>
+                  <a:srgbClr val="000000"/>
+                </a:solidFill>
+                <a:latin typeface="Arial"/>
+              </a:rPr>
+              <a:t>Gap in the market</a:t>
+            </a:r>
+            <a:endParaRPr b="0" lang="en-US" sz="4200" spc="-1" strike="noStrike">
+              <a:solidFill>
+                <a:srgbClr val="000000"/>
+              </a:solidFill>
+              <a:latin typeface="Arial"/>
+            </a:endParaRPr>
+          </a:p>
+          <a:p>
+            <a:pPr lvl="1" marL="864000" indent="-324000">
+              <a:spcBef>
+                <a:spcPts val="1134"/>
               </a:spcBef>
               <a:buClr>
                 <a:srgbClr val="000000"/>
               </a:buClr>
-              <a:buSzPct val="45000"/>
-              <a:buFont typeface="Wingdings" charset="2"/>
-              <a:buChar char=""/>
-            </a:pPr>
-            <a:r>
-              <a:rPr b="0" lang="en-US" sz="3200" spc="-1" strike="noStrike">
-                <a:solidFill>
-                  <a:srgbClr val="000000"/>
-                </a:solidFill>
-                <a:latin typeface="Arial"/>
-              </a:rPr>
-              <a:t>Large, active community</a:t>
-            </a:r>
-            <a:endParaRPr b="0" lang="en-US" sz="3200" spc="-1" strike="noStrike">
-              <a:solidFill>
-                <a:srgbClr val="000000"/>
-              </a:solidFill>
-              <a:latin typeface="Arial"/>
-            </a:endParaRPr>
-          </a:p>
-          <a:p>
-            <a:pPr marL="432000" indent="-324000">
-              <a:spcBef>
-                <a:spcPts val="1417"/>
-              </a:spcBef>
-              <a:buClr>
-                <a:srgbClr val="000000"/>
-              </a:buClr>
-              <a:buSzPct val="45000"/>
-              <a:buFont typeface="Wingdings" charset="2"/>
-              <a:buChar char=""/>
-            </a:pPr>
-            <a:r>
-              <a:rPr b="0" lang="en-US" sz="3200" spc="-1" strike="noStrike">
-                <a:solidFill>
-                  <a:srgbClr val="000000"/>
-                </a:solidFill>
-                <a:latin typeface="Arial"/>
-              </a:rPr>
-              <a:t>Capable of handling large datasets efficiently </a:t>
-            </a:r>
-            <a:endParaRPr b="0" lang="en-US" sz="3200" spc="-1" strike="noStrike">
+              <a:buSzPct val="75000"/>
+              <a:buFont typeface="Symbol" charset="2"/>
+              <a:buChar char=""/>
+            </a:pPr>
+            <a:r>
+              <a:rPr b="0" lang="en-US" sz="4200" spc="-1" strike="noStrike">
+                <a:solidFill>
+                  <a:srgbClr val="000000"/>
+                </a:solidFill>
+                <a:latin typeface="Arial"/>
+              </a:rPr>
+              <a:t>Need for an all-in-one tool to </a:t>
+            </a:r>
+            <a:r>
+              <a:rPr b="0" lang="en-US" sz="4200" spc="-1" strike="noStrike">
+                <a:solidFill>
+                  <a:srgbClr val="000000"/>
+                </a:solidFill>
+                <a:latin typeface="Arial"/>
+              </a:rPr>
+              <a:t>visualize, manipulate, and analyze </a:t>
+            </a:r>
+            <a:r>
+              <a:rPr b="0" lang="en-US" sz="4200" spc="-1" strike="noStrike">
+                <a:solidFill>
+                  <a:srgbClr val="000000"/>
+                </a:solidFill>
+                <a:latin typeface="Arial"/>
+              </a:rPr>
+              <a:t>CRISPR arrays effectively</a:t>
+            </a:r>
+            <a:endParaRPr b="0" lang="en-US" sz="4200" spc="-1" strike="noStrike">
               <a:solidFill>
                 <a:srgbClr val="000000"/>
               </a:solidFill>
@@ -2024,29 +3952,6 @@
           </a:p>
         </p:txBody>
       </p:sp>
-      <p:pic>
-        <p:nvPicPr>
-          <p:cNvPr id="18" name="" descr=""/>
-          <p:cNvPicPr/>
-          <p:nvPr/>
-        </p:nvPicPr>
-        <p:blipFill>
-          <a:blip r:embed="rId1"/>
-          <a:stretch/>
-        </p:blipFill>
-        <p:spPr>
-          <a:xfrm rot="18000">
-            <a:off x="8233200" y="231840"/>
-            <a:ext cx="1369800" cy="1364400"/>
-          </a:xfrm>
-          <a:prstGeom prst="rect">
-            <a:avLst/>
-          </a:prstGeom>
-          <a:ln w="0">
-            <a:noFill/>
-          </a:ln>
-        </p:spPr>
-      </p:pic>
     </p:spTree>
   </p:cSld>
   <mc:AlternateContent>
@@ -2079,7 +3984,7 @@
       </p:grpSpPr>
       <p:sp>
         <p:nvSpPr>
-          <p:cNvPr id="19" name="PlaceHolder 1"/>
+          <p:cNvPr id="24" name="PlaceHolder 1"/>
           <p:cNvSpPr>
             <a:spLocks noGrp="1"/>
           </p:cNvSpPr>
@@ -2115,7 +4020,7 @@
                 </a:solidFill>
                 <a:latin typeface="Arial"/>
               </a:rPr>
-              <a:t>Python Libraries Used</a:t>
+              <a:t>Why use Python?</a:t>
             </a:r>
             <a:endParaRPr b="0" lang="en-US" sz="4400" spc="-1" strike="noStrike">
               <a:solidFill>
@@ -2128,7 +4033,7 @@
       </p:sp>
       <p:sp>
         <p:nvSpPr>
-          <p:cNvPr id="20" name="PlaceHolder 2"/>
+          <p:cNvPr id="25" name="PlaceHolder 2"/>
           <p:cNvSpPr>
             <a:spLocks noGrp="1"/>
           </p:cNvSpPr>
@@ -2138,8 +4043,8 @@
         </p:nvSpPr>
         <p:spPr>
           <a:xfrm>
-            <a:off x="529560" y="1326600"/>
-            <a:ext cx="4042440" cy="3931200"/>
+            <a:off x="504000" y="1326600"/>
+            <a:ext cx="4982400" cy="4159800"/>
           </a:xfrm>
           <a:prstGeom prst="rect">
             <a:avLst/>
@@ -2151,7 +4056,7 @@
         </p:spPr>
         <p:txBody>
           <a:bodyPr lIns="0" rIns="0" tIns="0" bIns="0" anchor="t">
-            <a:normAutofit fontScale="68743"/>
+            <a:normAutofit fontScale="62493"/>
           </a:bodyPr>
           <a:p>
             <a:pPr marL="432000" indent="-324000">
@@ -2166,24 +4071,99 @@
               <a:buChar char=""/>
             </a:pPr>
             <a:r>
-              <a:rPr b="1" lang="en-US" sz="3200" spc="-1" strike="noStrike">
-                <a:solidFill>
-                  <a:srgbClr val="000000"/>
-                </a:solidFill>
-                <a:latin typeface="Arial"/>
-              </a:rPr>
-              <a:t>Biopython</a:t>
-            </a:r>
-            <a:r>
               <a:rPr b="0" lang="en-US" sz="3200" spc="-1" strike="noStrike">
                 <a:solidFill>
                   <a:srgbClr val="000000"/>
                 </a:solidFill>
                 <a:latin typeface="Arial"/>
               </a:rPr>
-              <a:t>: sequence analysis and manipulation</a:t>
+              <a:t>Extensive Bioinformatics libraries</a:t>
             </a:r>
             <a:endParaRPr b="0" lang="en-US" sz="3200" spc="-1" strike="noStrike">
+              <a:solidFill>
+                <a:srgbClr val="000000"/>
+              </a:solidFill>
+              <a:latin typeface="Arial"/>
+            </a:endParaRPr>
+          </a:p>
+          <a:p>
+            <a:pPr lvl="1" marL="864000" indent="-324000">
+              <a:spcBef>
+                <a:spcPts val="1134"/>
+              </a:spcBef>
+              <a:buClr>
+                <a:srgbClr val="000000"/>
+              </a:buClr>
+              <a:buSzPct val="75000"/>
+              <a:buFont typeface="Symbol" charset="2"/>
+              <a:buChar char=""/>
+            </a:pPr>
+            <a:r>
+              <a:rPr b="0" lang="en-US" sz="2800" spc="-1" strike="noStrike">
+                <a:solidFill>
+                  <a:srgbClr val="000000"/>
+                </a:solidFill>
+                <a:latin typeface="Arial"/>
+              </a:rPr>
+              <a:t>Biopython: sequence analysis and data manipulation</a:t>
+            </a:r>
+            <a:endParaRPr b="0" lang="en-US" sz="2800" spc="-1" strike="noStrike">
+              <a:solidFill>
+                <a:srgbClr val="000000"/>
+              </a:solidFill>
+              <a:latin typeface="Arial"/>
+            </a:endParaRPr>
+          </a:p>
+          <a:p>
+            <a:pPr lvl="1" marL="864000" indent="-324000">
+              <a:spcBef>
+                <a:spcPts val="1134"/>
+              </a:spcBef>
+              <a:buClr>
+                <a:srgbClr val="000000"/>
+              </a:buClr>
+              <a:buSzPct val="75000"/>
+              <a:buFont typeface="Symbol" charset="2"/>
+              <a:buChar char=""/>
+            </a:pPr>
+            <a:r>
+              <a:rPr b="0" lang="en-US" sz="2800" spc="-1" strike="noStrike">
+                <a:solidFill>
+                  <a:srgbClr val="000000"/>
+                </a:solidFill>
+                <a:latin typeface="Arial"/>
+              </a:rPr>
+              <a:t>Pandas: efficient data handling and analysis</a:t>
+            </a:r>
+            <a:endParaRPr b="0" lang="en-US" sz="2800" spc="-1" strike="noStrike">
+              <a:solidFill>
+                <a:srgbClr val="000000"/>
+              </a:solidFill>
+              <a:latin typeface="Arial"/>
+            </a:endParaRPr>
+          </a:p>
+          <a:p>
+            <a:pPr lvl="1" marL="864000" indent="-324000">
+              <a:spcBef>
+                <a:spcPts val="1134"/>
+              </a:spcBef>
+              <a:buClr>
+                <a:srgbClr val="000000"/>
+              </a:buClr>
+              <a:buSzPct val="75000"/>
+              <a:buFont typeface="Symbol" charset="2"/>
+              <a:buChar char=""/>
+            </a:pPr>
+            <a:r>
+              <a:rPr b="0" lang="en-US" sz="2800" spc="-1" strike="noStrike">
+                <a:solidFill>
+                  <a:srgbClr val="000000"/>
+                </a:solidFill>
+                <a:latin typeface="Arial"/>
+              </a:rPr>
+              <a:t>Matplotlib &amp; Seaborn: powerful data visualization tools</a:t>
+            </a:r>
+            <a:endParaRPr b="0" lang="en-US" sz="2800" spc="-1" strike="noStrike">
               <a:solidFill>
                 <a:srgbClr val="000000"/>
               </a:solidFill>
@@ -2203,24 +4183,13 @@
               <a:buChar char=""/>
             </a:pPr>
             <a:r>
-              <a:rPr b="1" lang="en-US" sz="3200" spc="-1" strike="noStrike">
-                <a:solidFill>
-                  <a:srgbClr val="000000"/>
-                </a:solidFill>
-                <a:latin typeface="Arial"/>
-                <a:ea typeface="PingFang SC"/>
-              </a:rPr>
-              <a:t>Pandas</a:t>
-            </a:r>
-            <a:r>
               <a:rPr b="0" lang="en-US" sz="3200" spc="-1" strike="noStrike">
                 <a:solidFill>
                   <a:srgbClr val="000000"/>
                 </a:solidFill>
                 <a:latin typeface="Arial"/>
-                <a:ea typeface="PingFang SC"/>
-              </a:rPr>
-              <a:t>: efficient data organization and management</a:t>
+              </a:rPr>
+              <a:t>Seamless integration with existing bioinformatics tools</a:t>
             </a:r>
             <a:endParaRPr b="0" lang="en-US" sz="3200" spc="-1" strike="noStrike">
               <a:solidFill>
@@ -2242,22 +4211,13 @@
               <a:buChar char=""/>
             </a:pPr>
             <a:r>
-              <a:rPr b="1" lang="en-US" sz="3200" spc="-1" strike="noStrike">
-                <a:solidFill>
-                  <a:srgbClr val="000000"/>
-                </a:solidFill>
-                <a:latin typeface="Arial"/>
-              </a:rPr>
-              <a:t>NumPy</a:t>
-            </a:r>
-            <a:r>
               <a:rPr b="0" lang="en-US" sz="3200" spc="-1" strike="noStrike">
                 <a:solidFill>
                   <a:srgbClr val="000000"/>
                 </a:solidFill>
                 <a:latin typeface="Arial"/>
               </a:rPr>
-              <a:t>: handling large datasets</a:t>
+              <a:t>Large, active community</a:t>
             </a:r>
             <a:endParaRPr b="0" lang="en-US" sz="3200" spc="-1" strike="noStrike">
               <a:solidFill>
@@ -2279,74 +4239,14 @@
               <a:buChar char=""/>
             </a:pPr>
             <a:r>
-              <a:rPr b="1" lang="en-US" sz="3200" spc="-1" strike="noStrike">
-                <a:solidFill>
-                  <a:srgbClr val="000000"/>
-                </a:solidFill>
-                <a:latin typeface="Arial"/>
-              </a:rPr>
-              <a:t>Matplotlib</a:t>
-            </a:r>
-            <a:r>
               <a:rPr b="0" lang="en-US" sz="3200" spc="-1" strike="noStrike">
                 <a:solidFill>
                   <a:srgbClr val="000000"/>
                 </a:solidFill>
                 <a:latin typeface="Arial"/>
               </a:rPr>
-              <a:t>: creating visuals</a:t>
-            </a:r>
-            <a:endParaRPr b="0" lang="en-US" sz="3200" spc="-1" strike="noStrike">
-              <a:solidFill>
-                <a:srgbClr val="000000"/>
-              </a:solidFill>
-              <a:latin typeface="Arial"/>
-            </a:endParaRPr>
-          </a:p>
-          <a:p>
-            <a:pPr marL="432000" indent="-324000">
-              <a:spcBef>
-                <a:spcPts val="1417"/>
-              </a:spcBef>
-              <a:buClr>
-                <a:srgbClr val="000000"/>
-              </a:buClr>
-              <a:buSzPct val="45000"/>
-              <a:buFont typeface="Wingdings" charset="2"/>
-              <a:buChar char=""/>
-            </a:pPr>
-            <a:r>
-              <a:rPr b="1" lang="en-US" sz="3200" spc="-1" strike="noStrike">
-                <a:solidFill>
-                  <a:srgbClr val="000000"/>
-                </a:solidFill>
-                <a:latin typeface="Arial"/>
-              </a:rPr>
-              <a:t>Seaborn</a:t>
-            </a:r>
-            <a:r>
-              <a:rPr b="0" lang="en-US" sz="3200" spc="-1" strike="noStrike">
-                <a:solidFill>
-                  <a:srgbClr val="000000"/>
-                </a:solidFill>
-                <a:latin typeface="Arial"/>
-              </a:rPr>
-              <a:t>: high-level statistical graphics</a:t>
-            </a:r>
-            <a:endParaRPr b="0" lang="en-US" sz="3200" spc="-1" strike="noStrike">
-              <a:solidFill>
-                <a:srgbClr val="000000"/>
-              </a:solidFill>
-              <a:latin typeface="Arial"/>
-            </a:endParaRPr>
-          </a:p>
-          <a:p>
-            <a:pPr marL="432000" indent="0">
-              <a:spcBef>
-                <a:spcPts val="1417"/>
-              </a:spcBef>
-              <a:buNone/>
-            </a:pPr>
+              <a:t>Capable of handling large datasets efficiently </a:t>
+            </a:r>
             <a:endParaRPr b="0" lang="en-US" sz="3200" spc="-1" strike="noStrike">
               <a:solidFill>
                 <a:srgbClr val="000000"/>
@@ -2358,7 +4258,7 @@
       </p:sp>
       <p:pic>
         <p:nvPicPr>
-          <p:cNvPr id="21" name="" descr=""/>
+          <p:cNvPr id="26" name="" descr=""/>
           <p:cNvPicPr/>
           <p:nvPr/>
         </p:nvPicPr>
@@ -2368,112 +4268,8 @@
         </p:blipFill>
         <p:spPr>
           <a:xfrm>
-            <a:off x="7772400" y="990720"/>
-            <a:ext cx="2057400" cy="1371600"/>
-          </a:xfrm>
-          <a:prstGeom prst="rect">
-            <a:avLst/>
-          </a:prstGeom>
-          <a:ln w="0">
-            <a:noFill/>
-          </a:ln>
-        </p:spPr>
-      </p:pic>
-      <p:pic>
-        <p:nvPicPr>
-          <p:cNvPr id="22" name="" descr=""/>
-          <p:cNvPicPr/>
-          <p:nvPr/>
-        </p:nvPicPr>
-        <p:blipFill>
-          <a:blip r:embed="rId2">
-            <a:extLst>
-              <a:ext uri="{96DAC541-7B7A-43D3-8B79-37D633B846F1}">
-                <asvg:svgBlip xmlns:asvg="http://schemas.microsoft.com/office/drawing/2016/SVG/main" r:embed="rId3"/>
-              </a:ext>
-            </a:extLst>
-          </a:blip>
-          <a:stretch/>
-        </p:blipFill>
-        <p:spPr>
-          <a:xfrm>
-            <a:off x="4572000" y="2057400"/>
-            <a:ext cx="2286000" cy="926640"/>
-          </a:xfrm>
-          <a:prstGeom prst="rect">
-            <a:avLst/>
-          </a:prstGeom>
-          <a:ln w="0">
-            <a:noFill/>
-          </a:ln>
-        </p:spPr>
-      </p:pic>
-      <p:pic>
-        <p:nvPicPr>
-          <p:cNvPr id="23" name="" descr=""/>
-          <p:cNvPicPr/>
-          <p:nvPr/>
-        </p:nvPicPr>
-        <p:blipFill>
-          <a:blip r:embed="rId4"/>
-          <a:stretch/>
-        </p:blipFill>
-        <p:spPr>
-          <a:xfrm>
-            <a:off x="7086600" y="2778120"/>
-            <a:ext cx="2743200" cy="1233720"/>
-          </a:xfrm>
-          <a:prstGeom prst="rect">
-            <a:avLst/>
-          </a:prstGeom>
-          <a:ln w="0">
-            <a:noFill/>
-          </a:ln>
-        </p:spPr>
-      </p:pic>
-      <p:pic>
-        <p:nvPicPr>
-          <p:cNvPr id="24" name="" descr=""/>
-          <p:cNvPicPr/>
-          <p:nvPr/>
-        </p:nvPicPr>
-        <p:blipFill>
-          <a:blip r:embed="rId5"/>
-          <a:stretch/>
-        </p:blipFill>
-        <p:spPr>
-          <a:xfrm>
-            <a:off x="4960800" y="4114800"/>
-            <a:ext cx="2354400" cy="470520"/>
-          </a:xfrm>
-          <a:prstGeom prst="rect">
-            <a:avLst/>
-          </a:prstGeom>
-          <a:ln w="0">
-            <a:noFill/>
-          </a:ln>
-        </p:spPr>
-      </p:pic>
-      <p:pic>
-        <p:nvPicPr>
-          <p:cNvPr id="25" name="" descr=""/>
-          <p:cNvPicPr/>
-          <p:nvPr/>
-        </p:nvPicPr>
-        <p:blipFill>
-          <a:blip r:embed="rId6">
-            <a:extLst>
-              <a:ext uri="{96DAC541-7B7A-43D3-8B79-37D633B846F1}">
-                <asvg:svgBlip xmlns:asvg="http://schemas.microsoft.com/office/drawing/2016/SVG/main" r:embed="rId7"/>
-              </a:ext>
-            </a:extLst>
-          </a:blip>
-          <a:stretch/>
-        </p:blipFill>
-        <p:spPr>
-          <a:xfrm>
-            <a:off x="8229600" y="4293720"/>
-            <a:ext cx="1143000" cy="1376280"/>
+            <a:off x="8195760" y="228600"/>
+            <a:ext cx="1320120" cy="1600200"/>
           </a:xfrm>
           <a:prstGeom prst="rect">
             <a:avLst/>
@@ -2515,7 +4311,7 @@
       </p:grpSpPr>
       <p:sp>
         <p:nvSpPr>
-          <p:cNvPr id="26" name="PlaceHolder 1"/>
+          <p:cNvPr id="27" name="PlaceHolder 1"/>
           <p:cNvSpPr>
             <a:spLocks noGrp="1"/>
           </p:cNvSpPr>
@@ -2551,7 +4347,7 @@
                 </a:solidFill>
                 <a:latin typeface="Arial"/>
               </a:rPr>
-              <a:t>Results</a:t>
+              <a:t>Python Libraries Used</a:t>
             </a:r>
             <a:endParaRPr b="0" lang="en-US" sz="4400" spc="-1" strike="noStrike">
               <a:solidFill>
@@ -2564,7 +4360,7 @@
       </p:sp>
       <p:sp>
         <p:nvSpPr>
-          <p:cNvPr id="27" name="PlaceHolder 2"/>
+          <p:cNvPr id="28" name="PlaceHolder 2"/>
           <p:cNvSpPr>
             <a:spLocks noGrp="1"/>
           </p:cNvSpPr>
@@ -2574,8 +4370,8 @@
         </p:nvSpPr>
         <p:spPr>
           <a:xfrm>
-            <a:off x="504000" y="1326600"/>
-            <a:ext cx="9071640" cy="3288240"/>
+            <a:off x="529560" y="1326600"/>
+            <a:ext cx="4042440" cy="3931200"/>
           </a:xfrm>
           <a:prstGeom prst="rect">
             <a:avLst/>
@@ -2587,7 +4383,7 @@
         </p:spPr>
         <p:txBody>
           <a:bodyPr lIns="0" rIns="0" tIns="0" bIns="0" anchor="t">
-            <a:normAutofit fontScale="96865" lnSpcReduction="10000"/>
+            <a:normAutofit fontScale="68743"/>
           </a:bodyPr>
           <a:p>
             <a:pPr marL="432000" indent="-324000">
@@ -2602,13 +4398,22 @@
               <a:buChar char=""/>
             </a:pPr>
             <a:r>
+              <a:rPr b="1" lang="en-US" sz="3200" spc="-1" strike="noStrike">
+                <a:solidFill>
+                  <a:srgbClr val="000000"/>
+                </a:solidFill>
+                <a:latin typeface="Arial"/>
+              </a:rPr>
+              <a:t>Biopython</a:t>
+            </a:r>
+            <a:r>
               <a:rPr b="0" lang="en-US" sz="3200" spc="-1" strike="noStrike">
                 <a:solidFill>
                   <a:srgbClr val="000000"/>
                 </a:solidFill>
                 <a:latin typeface="Arial"/>
               </a:rPr>
-              <a:t>Successful development of a graphically </a:t>
+              <a:t>: sequence analysis and </a:t>
             </a:r>
             <a:r>
               <a:rPr b="0" lang="en-US" sz="3200" spc="-1" strike="noStrike">
@@ -2617,7 +4422,7 @@
                 </a:solidFill>
                 <a:latin typeface="Arial"/>
               </a:rPr>
-              <a:t>interactive software</a:t>
+              <a:t>manipulation</a:t>
             </a:r>
             <a:endParaRPr b="0" lang="en-US" sz="3200" spc="-1" strike="noStrike">
               <a:solidFill>
@@ -2639,13 +4444,34 @@
               <a:buChar char=""/>
             </a:pPr>
             <a:r>
+              <a:rPr b="1" lang="en-US" sz="3200" spc="-1" strike="noStrike">
+                <a:solidFill>
+                  <a:srgbClr val="000000"/>
+                </a:solidFill>
+                <a:latin typeface="Arial"/>
+                <a:ea typeface="PingFang SC"/>
+              </a:rPr>
+              <a:t>Pandas</a:t>
+            </a:r>
+            <a:r>
               <a:rPr b="0" lang="en-US" sz="3200" spc="-1" strike="noStrike">
                 <a:solidFill>
                   <a:srgbClr val="000000"/>
                 </a:solidFill>
                 <a:latin typeface="Arial"/>
-              </a:rPr>
-              <a:t>User can customize graphics for DRs/spacers</a:t>
+                <a:ea typeface="PingFang SC"/>
+              </a:rPr>
+              <a:t>: efficient data organization and </a:t>
+            </a:r>
+            <a:r>
+              <a:rPr b="0" lang="en-US" sz="3200" spc="-1" strike="noStrike">
+                <a:solidFill>
+                  <a:srgbClr val="000000"/>
+                </a:solidFill>
+                <a:latin typeface="Arial"/>
+                <a:ea typeface="PingFang SC"/>
+              </a:rPr>
+              <a:t>management</a:t>
             </a:r>
             <a:endParaRPr b="0" lang="en-US" sz="3200" spc="-1" strike="noStrike">
               <a:solidFill>
@@ -2667,22 +4493,22 @@
               <a:buChar char=""/>
             </a:pPr>
             <a:r>
+              <a:rPr b="1" lang="en-US" sz="3200" spc="-1" strike="noStrike">
+                <a:solidFill>
+                  <a:srgbClr val="000000"/>
+                </a:solidFill>
+                <a:latin typeface="Arial"/>
+              </a:rPr>
+              <a:t>NumPy</a:t>
+            </a:r>
+            <a:r>
               <a:rPr b="0" lang="en-US" sz="3200" spc="-1" strike="noStrike">
                 <a:solidFill>
                   <a:srgbClr val="000000"/>
                 </a:solidFill>
                 <a:latin typeface="Arial"/>
               </a:rPr>
-              <a:t>User can perform statistical analysis of the </a:t>
-            </a:r>
-            <a:r>
-              <a:rPr b="0" lang="en-US" sz="3200" spc="-1" strike="noStrike">
-                <a:solidFill>
-                  <a:srgbClr val="000000"/>
-                </a:solidFill>
-                <a:latin typeface="Arial"/>
-              </a:rPr>
-              <a:t>DRs/spacers on selected strains of interest</a:t>
+              <a:t>: handling large datasets</a:t>
             </a:r>
             <a:endParaRPr b="0" lang="en-US" sz="3200" spc="-1" strike="noStrike">
               <a:solidFill>
@@ -2704,13 +4530,50 @@
               <a:buChar char=""/>
             </a:pPr>
             <a:r>
+              <a:rPr b="1" lang="en-US" sz="3200" spc="-1" strike="noStrike">
+                <a:solidFill>
+                  <a:srgbClr val="000000"/>
+                </a:solidFill>
+                <a:latin typeface="Arial"/>
+              </a:rPr>
+              <a:t>Matplotlib</a:t>
+            </a:r>
+            <a:r>
               <a:rPr b="0" lang="en-US" sz="3200" spc="-1" strike="noStrike">
                 <a:solidFill>
                   <a:srgbClr val="000000"/>
                 </a:solidFill>
                 <a:latin typeface="Arial"/>
               </a:rPr>
-              <a:t>Flexible: allows user to choose CRISPR </a:t>
+              <a:t>: creating visuals</a:t>
+            </a:r>
+            <a:endParaRPr b="0" lang="en-US" sz="3200" spc="-1" strike="noStrike">
+              <a:solidFill>
+                <a:srgbClr val="000000"/>
+              </a:solidFill>
+              <a:latin typeface="Arial"/>
+            </a:endParaRPr>
+          </a:p>
+          <a:p>
+            <a:pPr marL="432000" indent="-324000">
+              <a:spcBef>
+                <a:spcPts val="1417"/>
+              </a:spcBef>
+              <a:buClr>
+                <a:srgbClr val="000000"/>
+              </a:buClr>
+              <a:buSzPct val="45000"/>
+              <a:buFont typeface="Wingdings" charset="2"/>
+              <a:buChar char=""/>
+            </a:pPr>
+            <a:r>
+              <a:rPr b="1" lang="en-US" sz="3200" spc="-1" strike="noStrike">
+                <a:solidFill>
+                  <a:srgbClr val="000000"/>
+                </a:solidFill>
+                <a:latin typeface="Arial"/>
+              </a:rPr>
+              <a:t>Seaborn</a:t>
             </a:r>
             <a:r>
               <a:rPr b="0" lang="en-US" sz="3200" spc="-1" strike="noStrike">
@@ -2719,7 +4582,7 @@
                 </a:solidFill>
                 <a:latin typeface="Arial"/>
               </a:rPr>
-              <a:t>detection</a:t>
+              <a:t>: high-level statistical graphics</a:t>
             </a:r>
             <a:endParaRPr b="0" lang="en-US" sz="3200" spc="-1" strike="noStrike">
               <a:solidFill>
@@ -2728,8 +4591,149 @@
               <a:latin typeface="Arial"/>
             </a:endParaRPr>
           </a:p>
+          <a:p>
+            <a:pPr marL="432000" indent="0">
+              <a:spcBef>
+                <a:spcPts val="1417"/>
+              </a:spcBef>
+              <a:buNone/>
+            </a:pPr>
+            <a:endParaRPr b="0" lang="en-US" sz="3200" spc="-1" strike="noStrike">
+              <a:solidFill>
+                <a:srgbClr val="000000"/>
+              </a:solidFill>
+              <a:latin typeface="Arial"/>
+            </a:endParaRPr>
+          </a:p>
         </p:txBody>
       </p:sp>
+      <p:pic>
+        <p:nvPicPr>
+          <p:cNvPr id="29" name="" descr=""/>
+          <p:cNvPicPr/>
+          <p:nvPr/>
+        </p:nvPicPr>
+        <p:blipFill>
+          <a:blip r:embed="rId1"/>
+          <a:stretch/>
+        </p:blipFill>
+        <p:spPr>
+          <a:xfrm>
+            <a:off x="7772400" y="990720"/>
+            <a:ext cx="2057400" cy="1371600"/>
+          </a:xfrm>
+          <a:prstGeom prst="rect">
+            <a:avLst/>
+          </a:prstGeom>
+          <a:ln w="0">
+            <a:noFill/>
+          </a:ln>
+        </p:spPr>
+      </p:pic>
+      <p:pic>
+        <p:nvPicPr>
+          <p:cNvPr id="30" name="" descr=""/>
+          <p:cNvPicPr/>
+          <p:nvPr/>
+        </p:nvPicPr>
+        <p:blipFill>
+          <a:blip r:embed="rId2">
+            <a:extLst>
+              <a:ext uri="{96DAC541-7B7A-43D3-8B79-37D633B846F1}">
+                <asvg:svgBlip xmlns:asvg="http://schemas.microsoft.com/office/drawing/2016/SVG/main" r:embed="rId3"/>
+              </a:ext>
+            </a:extLst>
+          </a:blip>
+          <a:stretch/>
+        </p:blipFill>
+        <p:spPr>
+          <a:xfrm>
+            <a:off x="4572000" y="2057400"/>
+            <a:ext cx="2286000" cy="926640"/>
+          </a:xfrm>
+          <a:prstGeom prst="rect">
+            <a:avLst/>
+          </a:prstGeom>
+          <a:ln w="0">
+            <a:noFill/>
+          </a:ln>
+        </p:spPr>
+      </p:pic>
+      <p:pic>
+        <p:nvPicPr>
+          <p:cNvPr id="31" name="" descr=""/>
+          <p:cNvPicPr/>
+          <p:nvPr/>
+        </p:nvPicPr>
+        <p:blipFill>
+          <a:blip r:embed="rId4"/>
+          <a:stretch/>
+        </p:blipFill>
+        <p:spPr>
+          <a:xfrm>
+            <a:off x="7086600" y="2778120"/>
+            <a:ext cx="2743200" cy="1233720"/>
+          </a:xfrm>
+          <a:prstGeom prst="rect">
+            <a:avLst/>
+          </a:prstGeom>
+          <a:ln w="0">
+            <a:noFill/>
+          </a:ln>
+        </p:spPr>
+      </p:pic>
+      <p:pic>
+        <p:nvPicPr>
+          <p:cNvPr id="32" name="" descr=""/>
+          <p:cNvPicPr/>
+          <p:nvPr/>
+        </p:nvPicPr>
+        <p:blipFill>
+          <a:blip r:embed="rId5"/>
+          <a:stretch/>
+        </p:blipFill>
+        <p:spPr>
+          <a:xfrm>
+            <a:off x="4960800" y="4114800"/>
+            <a:ext cx="2354400" cy="470520"/>
+          </a:xfrm>
+          <a:prstGeom prst="rect">
+            <a:avLst/>
+          </a:prstGeom>
+          <a:ln w="0">
+            <a:noFill/>
+          </a:ln>
+        </p:spPr>
+      </p:pic>
+      <p:pic>
+        <p:nvPicPr>
+          <p:cNvPr id="33" name="" descr=""/>
+          <p:cNvPicPr/>
+          <p:nvPr/>
+        </p:nvPicPr>
+        <p:blipFill>
+          <a:blip r:embed="rId6">
+            <a:extLst>
+              <a:ext uri="{96DAC541-7B7A-43D3-8B79-37D633B846F1}">
+                <asvg:svgBlip xmlns:asvg="http://schemas.microsoft.com/office/drawing/2016/SVG/main" r:embed="rId7"/>
+              </a:ext>
+            </a:extLst>
+          </a:blip>
+          <a:stretch/>
+        </p:blipFill>
+        <p:spPr>
+          <a:xfrm>
+            <a:off x="8229600" y="4293720"/>
+            <a:ext cx="1143000" cy="1376280"/>
+          </a:xfrm>
+          <a:prstGeom prst="rect">
+            <a:avLst/>
+          </a:prstGeom>
+          <a:ln w="0">
+            <a:noFill/>
+          </a:ln>
+        </p:spPr>
+      </p:pic>
     </p:spTree>
   </p:cSld>
   <mc:AlternateContent>
@@ -2762,7 +4766,7 @@
       </p:grpSpPr>
       <p:sp>
         <p:nvSpPr>
-          <p:cNvPr id="28" name="PlaceHolder 1"/>
+          <p:cNvPr id="34" name="PlaceHolder 1"/>
           <p:cNvSpPr>
             <a:spLocks noGrp="1"/>
           </p:cNvSpPr>
@@ -2798,7 +4802,7 @@
                 </a:solidFill>
                 <a:latin typeface="Arial"/>
               </a:rPr>
-              <a:t>My Thoughts</a:t>
+              <a:t>CrisprVi Results</a:t>
             </a:r>
             <a:endParaRPr b="0" lang="en-US" sz="4400" spc="-1" strike="noStrike">
               <a:solidFill>
@@ -2811,7 +4815,7 @@
       </p:sp>
       <p:sp>
         <p:nvSpPr>
-          <p:cNvPr id="29" name="PlaceHolder 2"/>
+          <p:cNvPr id="35" name="PlaceHolder 2"/>
           <p:cNvSpPr>
             <a:spLocks noGrp="1"/>
           </p:cNvSpPr>
@@ -2855,7 +4859,7 @@
                 </a:solidFill>
                 <a:latin typeface="Arial"/>
               </a:rPr>
-              <a:t>Address a gap in bioinformatics tools</a:t>
+              <a:t>Python package with GUI</a:t>
             </a:r>
             <a:endParaRPr b="0" lang="en-US" sz="3200" spc="-1" strike="noStrike">
               <a:solidFill>
@@ -2883,35 +4887,7 @@
                 </a:solidFill>
                 <a:latin typeface="Arial"/>
               </a:rPr>
-              <a:t>Using Python ensures it is user-friendly</a:t>
-            </a:r>
-            <a:endParaRPr b="0" lang="en-US" sz="3200" spc="-1" strike="noStrike">
-              <a:solidFill>
-                <a:srgbClr val="000000"/>
-              </a:solidFill>
-              <a:latin typeface="Arial"/>
-            </a:endParaRPr>
-          </a:p>
-          <a:p>
-            <a:pPr marL="432000" indent="-324000">
-              <a:spcBef>
-                <a:spcPts val="1417"/>
-              </a:spcBef>
-              <a:buClr>
-                <a:srgbClr val="000000"/>
-              </a:buClr>
-              <a:buSzPct val="45000"/>
-              <a:buFont typeface="Wingdings" charset="2"/>
-              <a:buChar char=""/>
-            </a:pPr>
-            <a:r>
-              <a:rPr b="0" lang="en-US" sz="3200" spc="-1" strike="noStrike">
-                <a:solidFill>
-                  <a:srgbClr val="000000"/>
-                </a:solidFill>
-                <a:latin typeface="Arial"/>
-              </a:rPr>
-              <a:t>Contributes to advancements in genetic research and biotechnology</a:t>
+              <a:t>Flexible: allows user to choose CRISPR detection</a:t>
             </a:r>
             <a:endParaRPr b="0" lang="en-US" sz="3200" spc="-1" strike="noStrike">
               <a:solidFill>
@@ -2954,7 +4930,7 @@
       </p:grpSpPr>
       <p:sp>
         <p:nvSpPr>
-          <p:cNvPr id="30" name="PlaceHolder 1"/>
+          <p:cNvPr id="36" name="PlaceHolder 1"/>
           <p:cNvSpPr>
             <a:spLocks noGrp="1"/>
           </p:cNvSpPr>
@@ -2964,8 +4940,8 @@
         </p:nvSpPr>
         <p:spPr>
           <a:xfrm>
-            <a:off x="504000" y="226080"/>
-            <a:ext cx="9071640" cy="946440"/>
+            <a:off x="504000" y="74160"/>
+            <a:ext cx="9071640" cy="1250280"/>
           </a:xfrm>
           <a:prstGeom prst="rect">
             <a:avLst/>
@@ -2981,6 +4957,9 @@
           </a:bodyPr>
           <a:p>
             <a:pPr indent="0" algn="ctr">
+              <a:spcBef>
+                <a:spcPts val="1417"/>
+              </a:spcBef>
               <a:buNone/>
             </a:pPr>
             <a:r>
@@ -2990,7 +4969,7 @@
                 </a:solidFill>
                 <a:latin typeface="Arial"/>
               </a:rPr>
-              <a:t>References</a:t>
+              <a:t>User can customize graphics for DRs/spacers</a:t>
             </a:r>
             <a:endParaRPr b="0" lang="en-US" sz="4400" spc="-1" strike="noStrike">
               <a:solidFill>
@@ -3003,7 +4982,7 @@
       </p:sp>
       <p:sp>
         <p:nvSpPr>
-          <p:cNvPr id="31" name="PlaceHolder 2"/>
+          <p:cNvPr id="37" name="PlaceHolder 2"/>
           <p:cNvSpPr>
             <a:spLocks noGrp="1"/>
           </p:cNvSpPr>
@@ -3029,45 +5008,13 @@
             <a:normAutofit/>
           </a:bodyPr>
           <a:p>
-            <a:pPr marL="432000" indent="-324000">
+            <a:pPr indent="0">
               <a:spcBef>
                 <a:spcPts val="1417"/>
               </a:spcBef>
-              <a:buClr>
-                <a:srgbClr val="000000"/>
-              </a:buClr>
-              <a:buSzPct val="45000"/>
-              <a:buFont typeface="Wingdings" charset="2"/>
-              <a:buChar char=""/>
-            </a:pPr>
-            <a:r>
-              <a:rPr b="0" lang="en-US" sz="1500" spc="-1" strike="noStrike">
-                <a:solidFill>
-                  <a:srgbClr val="000000"/>
-                </a:solidFill>
-                <a:latin typeface="Arial"/>
-              </a:rPr>
-              <a:t>Jia, B., Zhang, X., Jiang, Q., Wang, Z., Zhang, Y., Hu, Y., &amp; Wang, Y. (2022). CrisprVi: a software for visulaizing and analyzing CRISPR sequences of prokaryotes. </a:t>
-            </a:r>
-            <a:r>
-              <a:rPr b="0" i="1" lang="en-US" sz="1500" spc="-1" strike="noStrike">
-                <a:solidFill>
-                  <a:srgbClr val="000000"/>
-                </a:solidFill>
-                <a:latin typeface="Arial"/>
-              </a:rPr>
-              <a:t>BMC Bioinformatics</a:t>
-            </a:r>
-            <a:r>
-              <a:rPr b="0" lang="en-US" sz="1500" spc="-1" strike="noStrike">
-                <a:solidFill>
-                  <a:srgbClr val="000000"/>
-                </a:solidFill>
-                <a:latin typeface="Arial"/>
-              </a:rPr>
-              <a:t>, 23(1), 257. https://doi.org/10.1186/s12859-022-04716-9</a:t>
-            </a:r>
-            <a:endParaRPr b="0" lang="en-US" sz="1500" spc="-1" strike="noStrike">
+              <a:buNone/>
+            </a:pPr>
+            <a:endParaRPr b="0" lang="en-US" sz="3200" spc="-1" strike="noStrike">
               <a:solidFill>
                 <a:srgbClr val="000000"/>
               </a:solidFill>
@@ -3076,6 +5023,75 @@
           </a:p>
         </p:txBody>
       </p:sp>
+      <p:pic>
+        <p:nvPicPr>
+          <p:cNvPr id="38" name="" descr=""/>
+          <p:cNvPicPr/>
+          <p:nvPr/>
+        </p:nvPicPr>
+        <p:blipFill>
+          <a:blip r:embed="rId1"/>
+          <a:stretch/>
+        </p:blipFill>
+        <p:spPr>
+          <a:xfrm>
+            <a:off x="177480" y="1326600"/>
+            <a:ext cx="4395600" cy="2788200"/>
+          </a:xfrm>
+          <a:prstGeom prst="rect">
+            <a:avLst/>
+          </a:prstGeom>
+          <a:ln w="0">
+            <a:noFill/>
+          </a:ln>
+        </p:spPr>
+      </p:pic>
+      <p:pic>
+        <p:nvPicPr>
+          <p:cNvPr id="39" name="" descr=""/>
+          <p:cNvPicPr/>
+          <p:nvPr/>
+        </p:nvPicPr>
+        <p:blipFill>
+          <a:blip r:embed="rId2"/>
+          <a:stretch/>
+        </p:blipFill>
+        <p:spPr>
+          <a:xfrm>
+            <a:off x="4773240" y="1600200"/>
+            <a:ext cx="5285160" cy="2286000"/>
+          </a:xfrm>
+          <a:prstGeom prst="rect">
+            <a:avLst/>
+          </a:prstGeom>
+          <a:ln w="0">
+            <a:noFill/>
+          </a:ln>
+        </p:spPr>
+      </p:pic>
+      <p:pic>
+        <p:nvPicPr>
+          <p:cNvPr id="40" name="" descr=""/>
+          <p:cNvPicPr/>
+          <p:nvPr/>
+        </p:nvPicPr>
+        <p:blipFill>
+          <a:blip r:embed="rId3"/>
+          <a:stretch/>
+        </p:blipFill>
+        <p:spPr>
+          <a:xfrm>
+            <a:off x="647280" y="1234440"/>
+            <a:ext cx="8725320" cy="4435560"/>
+          </a:xfrm>
+          <a:prstGeom prst="rect">
+            <a:avLst/>
+          </a:prstGeom>
+          <a:ln w="0">
+            <a:noFill/>
+          </a:ln>
+        </p:spPr>
+      </p:pic>
     </p:spTree>
   </p:cSld>
   <mc:AlternateContent>
@@ -3086,6 +5102,81 @@
       <p:transition spd="slow"/>
     </mc:Fallback>
   </mc:AlternateContent>
+  <p:timing>
+    <p:tnLst>
+      <p:par>
+        <p:cTn id="1" dur="indefinite" restart="never" nodeType="tmRoot">
+          <p:childTnLst>
+            <p:seq>
+              <p:cTn id="2" dur="indefinite" nodeType="mainSeq">
+                <p:childTnLst>
+                  <p:par>
+                    <p:cTn id="3" fill="hold">
+                      <p:stCondLst>
+                        <p:cond delay="indefinite"/>
+                      </p:stCondLst>
+                      <p:childTnLst>
+                        <p:par>
+                          <p:cTn id="4" fill="hold">
+                            <p:stCondLst>
+                              <p:cond delay="0"/>
+                            </p:stCondLst>
+                            <p:childTnLst>
+                              <p:par>
+                                <p:cTn id="5" nodeType="clickEffect" fill="hold" presetClass="entr" presetID="1">
+                                  <p:stCondLst>
+                                    <p:cond delay="0"/>
+                                  </p:stCondLst>
+                                  <p:childTnLst>
+                                    <p:set>
+                                      <p:cBhvr>
+                                        <p:cTn id="6" dur="1" fill="hold">
+                                          <p:stCondLst>
+                                            <p:cond delay="0"/>
+                                          </p:stCondLst>
+                                        </p:cTn>
+                                        <p:tgtEl>
+                                          <p:spTgt spid="40"/>
+                                        </p:tgtEl>
+                                        <p:attrNameLst>
+                                          <p:attrName>style.visibility</p:attrName>
+                                        </p:attrNameLst>
+                                      </p:cBhvr>
+                                      <p:to>
+                                        <p:strVal val="visible"/>
+                                      </p:to>
+                                    </p:set>
+                                  </p:childTnLst>
+                                </p:cTn>
+                              </p:par>
+                            </p:childTnLst>
+                          </p:cTn>
+                        </p:par>
+                      </p:childTnLst>
+                    </p:cTn>
+                  </p:par>
+                </p:childTnLst>
+              </p:cTn>
+              <p:prevCondLst>
+                <p:cond evt="onPrev">
+                  <p:tgtEl>
+                    <p:sldTgt/>
+                  </p:tgtEl>
+                </p:cond>
+              </p:prevCondLst>
+              <p:nextCondLst>
+                <p:cond evt="onNext">
+                  <p:tgtEl>
+                    <p:sldTgt/>
+                  </p:tgtEl>
+                </p:cond>
+              </p:nextCondLst>
+            </p:seq>
+          </p:childTnLst>
+        </p:cTn>
+      </p:par>
+    </p:tnLst>
+  </p:timing>
 </p:sld>
 </file>
 
@@ -3193,4 +5284,110 @@
     </a:fmtScheme>
   </a:themeElements>
 </a:theme>
+</file>
+
+<file path=ppt/theme/theme2.xml><?xml version="1.0" encoding="utf-8"?>
+<a:theme xmlns:a="http://schemas.openxmlformats.org/drawingml/2006/main" xmlns:r="http://schemas.openxmlformats.org/officeDocument/2006/relationships" name="Office Theme">
+  <a:themeElements>
+    <a:clrScheme name="LibreOffice">
+      <a:dk1>
+        <a:srgbClr val="000000"/>
+      </a:dk1>
+      <a:lt1>
+        <a:srgbClr val="ffffff"/>
+      </a:lt1>
+      <a:dk2>
+        <a:srgbClr val="000000"/>
+      </a:dk2>
+      <a:lt2>
+        <a:srgbClr val="ffffff"/>
+      </a:lt2>
+      <a:accent1>
+        <a:srgbClr val="18a303"/>
+      </a:accent1>
+      <a:accent2>
+        <a:srgbClr val="0369a3"/>
+      </a:accent2>
+      <a:accent3>
+        <a:srgbClr val="a33e03"/>
+      </a:accent3>
+      <a:accent4>
+        <a:srgbClr val="8e03a3"/>
+      </a:accent4>
+      <a:accent5>
+        <a:srgbClr val="c99c00"/>
+      </a:accent5>
+      <a:accent6>
+        <a:srgbClr val="c9211e"/>
+      </a:accent6>
+      <a:hlink>
+        <a:srgbClr val="0000ee"/>
+      </a:hlink>
+      <a:folHlink>
+        <a:srgbClr val="551a8b"/>
+      </a:folHlink>
+    </a:clrScheme>
+    <a:fontScheme name="Office">
+      <a:majorFont>
+        <a:latin typeface="Arial" pitchFamily="0" charset="1"/>
+        <a:ea typeface="DejaVu Sans" pitchFamily="0" charset="1"/>
+        <a:cs typeface="DejaVu Sans" pitchFamily="0" charset="1"/>
+      </a:majorFont>
+      <a:minorFont>
+        <a:latin typeface="Arial" pitchFamily="0" charset="1"/>
+        <a:ea typeface="DejaVu Sans" pitchFamily="0" charset="1"/>
+        <a:cs typeface="DejaVu Sans" pitchFamily="0" charset="1"/>
+      </a:minorFont>
+    </a:fontScheme>
+    <a:fmtScheme>
+      <a:fillStyleLst>
+        <a:solidFill>
+          <a:schemeClr val="phClr"/>
+        </a:solidFill>
+        <a:solidFill>
+          <a:schemeClr val="phClr"/>
+        </a:solidFill>
+        <a:solidFill>
+          <a:schemeClr val="phClr"/>
+        </a:solidFill>
+      </a:fillStyleLst>
+      <a:lnStyleLst>
+        <a:ln w="6350" cap="flat" cmpd="sng" algn="ctr">
+          <a:prstDash val="solid"/>
+          <a:miter/>
+        </a:ln>
+        <a:ln w="6350" cap="flat" cmpd="sng" algn="ctr">
+          <a:prstDash val="solid"/>
+          <a:miter/>
+        </a:ln>
+        <a:ln w="6350" cap="flat" cmpd="sng" algn="ctr">
+          <a:prstDash val="solid"/>
+          <a:miter/>
+        </a:ln>
+      </a:lnStyleLst>
+      <a:effectStyleLst>
+        <a:effectStyle>
+          <a:effectLst/>
+        </a:effectStyle>
+        <a:effectStyle>
+          <a:effectLst/>
+        </a:effectStyle>
+        <a:effectStyle>
+          <a:effectLst/>
+        </a:effectStyle>
+      </a:effectStyleLst>
+      <a:bgFillStyleLst>
+        <a:solidFill>
+          <a:schemeClr val="phClr"/>
+        </a:solidFill>
+        <a:solidFill>
+          <a:schemeClr val="phClr"/>
+        </a:solidFill>
+        <a:solidFill>
+          <a:schemeClr val="phClr"/>
+        </a:solidFill>
+      </a:bgFillStyleLst>
+    </a:fmtScheme>
+  </a:themeElements>
+</a:theme>
 </file>